--- a/FinalPresentationSlides/Sprint5PresentationGeneric.pptx
+++ b/FinalPresentationSlides/Sprint5PresentationGeneric.pptx
@@ -5,7 +5,7 @@
     <p:sldMasterId id="2147483711" r:id="rId1"/>
   </p:sldMasterIdLst>
   <p:notesMasterIdLst>
-    <p:notesMasterId r:id="rId15"/>
+    <p:notesMasterId r:id="rId25"/>
   </p:notesMasterIdLst>
   <p:sldIdLst>
     <p:sldId id="256" r:id="rId2"/>
@@ -13,14 +13,24 @@
     <p:sldId id="286" r:id="rId4"/>
     <p:sldId id="262" r:id="rId5"/>
     <p:sldId id="265" r:id="rId6"/>
-    <p:sldId id="267" r:id="rId7"/>
-    <p:sldId id="281" r:id="rId8"/>
-    <p:sldId id="264" r:id="rId9"/>
-    <p:sldId id="282" r:id="rId10"/>
-    <p:sldId id="274" r:id="rId11"/>
-    <p:sldId id="283" r:id="rId12"/>
-    <p:sldId id="284" r:id="rId13"/>
-    <p:sldId id="285" r:id="rId14"/>
+    <p:sldId id="287" r:id="rId7"/>
+    <p:sldId id="267" r:id="rId8"/>
+    <p:sldId id="288" r:id="rId9"/>
+    <p:sldId id="281" r:id="rId10"/>
+    <p:sldId id="291" r:id="rId11"/>
+    <p:sldId id="289" r:id="rId12"/>
+    <p:sldId id="290" r:id="rId13"/>
+    <p:sldId id="292" r:id="rId14"/>
+    <p:sldId id="293" r:id="rId15"/>
+    <p:sldId id="264" r:id="rId16"/>
+    <p:sldId id="282" r:id="rId17"/>
+    <p:sldId id="295" r:id="rId18"/>
+    <p:sldId id="274" r:id="rId19"/>
+    <p:sldId id="294" r:id="rId20"/>
+    <p:sldId id="297" r:id="rId21"/>
+    <p:sldId id="296" r:id="rId22"/>
+    <p:sldId id="285" r:id="rId23"/>
+    <p:sldId id="298" r:id="rId24"/>
   </p:sldIdLst>
   <p:sldSz cx="12192000" cy="6858000"/>
   <p:notesSz cx="6858000" cy="9144000"/>
@@ -3818,8 +3828,8 @@
         </p:nvSpPr>
         <p:spPr>
           <a:xfrm>
-            <a:off x="3980643" y="0"/>
-            <a:ext cx="4183389" cy="923330"/>
+            <a:off x="3169498" y="0"/>
+            <a:ext cx="5805628" cy="923330"/>
           </a:xfrm>
           <a:prstGeom prst="rect">
             <a:avLst/>
@@ -3835,16 +3845,46 @@
             <a:pPr algn="ctr"/>
             <a:r>
               <a:rPr lang="en-US" sz="5400" b="1" dirty="0" smtClean="0"/>
-              <a:t>Class Diagram</a:t>
+              <a:t>Sequence Diagrams</a:t>
             </a:r>
             <a:endParaRPr lang="en-US" sz="5400" b="1" dirty="0"/>
           </a:p>
         </p:txBody>
       </p:sp>
+      <p:pic>
+        <p:nvPicPr>
+          <p:cNvPr id="2" name="Picture 1"/>
+          <p:cNvPicPr>
+            <a:picLocks noChangeAspect="1"/>
+          </p:cNvPicPr>
+          <p:nvPr/>
+        </p:nvPicPr>
+        <p:blipFill>
+          <a:blip r:embed="rId2">
+            <a:extLst>
+              <a:ext uri="{28A0092B-C50C-407E-A947-70E740481C1C}">
+                <a14:useLocalDpi xmlns:a14="http://schemas.microsoft.com/office/drawing/2010/main" val="0"/>
+              </a:ext>
+            </a:extLst>
+          </a:blip>
+          <a:stretch>
+            <a:fillRect/>
+          </a:stretch>
+        </p:blipFill>
+        <p:spPr>
+          <a:xfrm>
+            <a:off x="1085137" y="923330"/>
+            <a:ext cx="10378982" cy="5714351"/>
+          </a:xfrm>
+          <a:prstGeom prst="rect">
+            <a:avLst/>
+          </a:prstGeom>
+        </p:spPr>
+      </p:pic>
     </p:spTree>
     <p:extLst>
       <p:ext uri="{BB962C8B-B14F-4D97-AF65-F5344CB8AC3E}">
-        <p14:creationId xmlns:p14="http://schemas.microsoft.com/office/powerpoint/2010/main" val="3920713465"/>
+        <p14:creationId xmlns:p14="http://schemas.microsoft.com/office/powerpoint/2010/main" val="854113183"/>
       </p:ext>
     </p:extLst>
   </p:cSld>
@@ -3886,8 +3926,8 @@
         </p:nvSpPr>
         <p:spPr>
           <a:xfrm>
-            <a:off x="3914121" y="0"/>
-            <a:ext cx="4316439" cy="923330"/>
+            <a:off x="3169498" y="0"/>
+            <a:ext cx="5805628" cy="923330"/>
           </a:xfrm>
           <a:prstGeom prst="rect">
             <a:avLst/>
@@ -3903,16 +3943,46 @@
             <a:pPr algn="ctr"/>
             <a:r>
               <a:rPr lang="en-US" sz="5400" b="1" dirty="0" smtClean="0"/>
-              <a:t>State Machine</a:t>
+              <a:t>Sequence Diagrams</a:t>
             </a:r>
             <a:endParaRPr lang="en-US" sz="5400" b="1" dirty="0"/>
           </a:p>
         </p:txBody>
       </p:sp>
+      <p:pic>
+        <p:nvPicPr>
+          <p:cNvPr id="2" name="Picture 1"/>
+          <p:cNvPicPr>
+            <a:picLocks noChangeAspect="1"/>
+          </p:cNvPicPr>
+          <p:nvPr/>
+        </p:nvPicPr>
+        <p:blipFill>
+          <a:blip r:embed="rId2">
+            <a:extLst>
+              <a:ext uri="{28A0092B-C50C-407E-A947-70E740481C1C}">
+                <a14:useLocalDpi xmlns:a14="http://schemas.microsoft.com/office/drawing/2010/main" val="0"/>
+              </a:ext>
+            </a:extLst>
+          </a:blip>
+          <a:stretch>
+            <a:fillRect/>
+          </a:stretch>
+        </p:blipFill>
+        <p:spPr>
+          <a:xfrm>
+            <a:off x="313899" y="923329"/>
+            <a:ext cx="11395880" cy="5750425"/>
+          </a:xfrm>
+          <a:prstGeom prst="rect">
+            <a:avLst/>
+          </a:prstGeom>
+        </p:spPr>
+      </p:pic>
     </p:spTree>
     <p:extLst>
       <p:ext uri="{BB962C8B-B14F-4D97-AF65-F5344CB8AC3E}">
-        <p14:creationId xmlns:p14="http://schemas.microsoft.com/office/powerpoint/2010/main" val="3848837324"/>
+        <p14:creationId xmlns:p14="http://schemas.microsoft.com/office/powerpoint/2010/main" val="1125582364"/>
       </p:ext>
     </p:extLst>
   </p:cSld>
@@ -3954,8 +4024,8 @@
         </p:nvSpPr>
         <p:spPr>
           <a:xfrm>
-            <a:off x="3719134" y="0"/>
-            <a:ext cx="4706417" cy="923330"/>
+            <a:off x="3169498" y="0"/>
+            <a:ext cx="5805628" cy="923330"/>
           </a:xfrm>
           <a:prstGeom prst="rect">
             <a:avLst/>
@@ -3971,16 +4041,46 @@
             <a:pPr algn="ctr"/>
             <a:r>
               <a:rPr lang="en-US" sz="5400" b="1" dirty="0" smtClean="0"/>
-              <a:t>Main Algorithm</a:t>
+              <a:t>Sequence Diagrams</a:t>
             </a:r>
             <a:endParaRPr lang="en-US" sz="5400" b="1" dirty="0"/>
           </a:p>
         </p:txBody>
       </p:sp>
+      <p:pic>
+        <p:nvPicPr>
+          <p:cNvPr id="4" name="Picture 3"/>
+          <p:cNvPicPr>
+            <a:picLocks noChangeAspect="1"/>
+          </p:cNvPicPr>
+          <p:nvPr/>
+        </p:nvPicPr>
+        <p:blipFill>
+          <a:blip r:embed="rId2">
+            <a:extLst>
+              <a:ext uri="{28A0092B-C50C-407E-A947-70E740481C1C}">
+                <a14:useLocalDpi xmlns:a14="http://schemas.microsoft.com/office/drawing/2010/main" val="0"/>
+              </a:ext>
+            </a:extLst>
+          </a:blip>
+          <a:stretch>
+            <a:fillRect/>
+          </a:stretch>
+        </p:blipFill>
+        <p:spPr>
+          <a:xfrm>
+            <a:off x="436728" y="1081868"/>
+            <a:ext cx="11136573" cy="5300389"/>
+          </a:xfrm>
+          <a:prstGeom prst="rect">
+            <a:avLst/>
+          </a:prstGeom>
+        </p:spPr>
+      </p:pic>
     </p:spTree>
     <p:extLst>
       <p:ext uri="{BB962C8B-B14F-4D97-AF65-F5344CB8AC3E}">
-        <p14:creationId xmlns:p14="http://schemas.microsoft.com/office/powerpoint/2010/main" val="1801752415"/>
+        <p14:creationId xmlns:p14="http://schemas.microsoft.com/office/powerpoint/2010/main" val="3717107698"/>
       </p:ext>
     </p:extLst>
   </p:cSld>
@@ -4022,8 +4122,8 @@
         </p:nvSpPr>
         <p:spPr>
           <a:xfrm>
-            <a:off x="4527817" y="0"/>
-            <a:ext cx="3089051" cy="923330"/>
+            <a:off x="2701137" y="0"/>
+            <a:ext cx="6742359" cy="923330"/>
           </a:xfrm>
           <a:prstGeom prst="rect">
             <a:avLst/>
@@ -4039,16 +4139,1327 @@
             <a:pPr algn="ctr"/>
             <a:r>
               <a:rPr lang="en-US" sz="5400" b="1" dirty="0" smtClean="0"/>
-              <a:t>Test Cases</a:t>
+              <a:t>System Decomposition</a:t>
             </a:r>
             <a:endParaRPr lang="en-US" sz="5400" b="1" dirty="0"/>
           </a:p>
         </p:txBody>
       </p:sp>
+      <p:pic>
+        <p:nvPicPr>
+          <p:cNvPr id="5" name="Picture 4"/>
+          <p:cNvPicPr>
+            <a:picLocks noChangeAspect="1"/>
+          </p:cNvPicPr>
+          <p:nvPr/>
+        </p:nvPicPr>
+        <p:blipFill>
+          <a:blip r:embed="rId2">
+            <a:extLst>
+              <a:ext uri="{28A0092B-C50C-407E-A947-70E740481C1C}">
+                <a14:useLocalDpi xmlns:a14="http://schemas.microsoft.com/office/drawing/2010/main" val="0"/>
+              </a:ext>
+            </a:extLst>
+          </a:blip>
+          <a:stretch>
+            <a:fillRect/>
+          </a:stretch>
+        </p:blipFill>
+        <p:spPr>
+          <a:xfrm>
+            <a:off x="566665" y="1447658"/>
+            <a:ext cx="11448023" cy="3943208"/>
+          </a:xfrm>
+          <a:prstGeom prst="rect">
+            <a:avLst/>
+          </a:prstGeom>
+        </p:spPr>
+      </p:pic>
     </p:spTree>
     <p:extLst>
       <p:ext uri="{BB962C8B-B14F-4D97-AF65-F5344CB8AC3E}">
-        <p14:creationId xmlns:p14="http://schemas.microsoft.com/office/powerpoint/2010/main" val="2007664233"/>
+        <p14:creationId xmlns:p14="http://schemas.microsoft.com/office/powerpoint/2010/main" val="908697106"/>
+      </p:ext>
+    </p:extLst>
+  </p:cSld>
+  <p:clrMapOvr>
+    <a:masterClrMapping/>
+  </p:clrMapOvr>
+  <p:timing>
+    <p:tnLst>
+      <p:par>
+        <p:cTn id="1" dur="indefinite" restart="never" nodeType="tmRoot"/>
+      </p:par>
+    </p:tnLst>
+  </p:timing>
+</p:sld>
+</file>
+
+<file path=ppt/slides/slide14.xml><?xml version="1.0" encoding="utf-8"?>
+<p:sld xmlns:a="http://schemas.openxmlformats.org/drawingml/2006/main" xmlns:r="http://schemas.openxmlformats.org/officeDocument/2006/relationships" xmlns:p="http://schemas.openxmlformats.org/presentationml/2006/main">
+  <p:cSld>
+    <p:spTree>
+      <p:nvGrpSpPr>
+        <p:cNvPr id="1" name=""/>
+        <p:cNvGrpSpPr/>
+        <p:nvPr/>
+      </p:nvGrpSpPr>
+      <p:grpSpPr>
+        <a:xfrm>
+          <a:off x="0" y="0"/>
+          <a:ext cx="0" cy="0"/>
+          <a:chOff x="0" y="0"/>
+          <a:chExt cx="0" cy="0"/>
+        </a:xfrm>
+      </p:grpSpPr>
+      <p:sp>
+        <p:nvSpPr>
+          <p:cNvPr id="3" name="TextBox 2"/>
+          <p:cNvSpPr txBox="1"/>
+          <p:nvPr/>
+        </p:nvSpPr>
+        <p:spPr>
+          <a:xfrm>
+            <a:off x="3106218" y="0"/>
+            <a:ext cx="5932201" cy="923330"/>
+          </a:xfrm>
+          <a:prstGeom prst="rect">
+            <a:avLst/>
+          </a:prstGeom>
+          <a:noFill/>
+        </p:spPr>
+        <p:txBody>
+          <a:bodyPr wrap="none" rtlCol="0">
+            <a:spAutoFit/>
+          </a:bodyPr>
+          <a:lstStyle/>
+          <a:p>
+            <a:pPr algn="ctr"/>
+            <a:r>
+              <a:rPr lang="en-US" sz="5400" b="1" dirty="0" smtClean="0"/>
+              <a:t>System Deployment</a:t>
+            </a:r>
+            <a:endParaRPr lang="en-US" sz="5400" b="1" dirty="0"/>
+          </a:p>
+        </p:txBody>
+      </p:sp>
+      <p:graphicFrame>
+        <p:nvGraphicFramePr>
+          <p:cNvPr id="6" name="Table 5"/>
+          <p:cNvGraphicFramePr>
+            <a:graphicFrameLocks noGrp="1"/>
+          </p:cNvGraphicFramePr>
+          <p:nvPr>
+            <p:extLst>
+              <p:ext uri="{D42A27DB-BD31-4B8C-83A1-F6EECF244321}">
+                <p14:modId xmlns:p14="http://schemas.microsoft.com/office/powerpoint/2010/main" val="2036933528"/>
+              </p:ext>
+            </p:extLst>
+          </p:nvPr>
+        </p:nvGraphicFramePr>
+        <p:xfrm>
+          <a:off x="5796651" y="1828799"/>
+          <a:ext cx="5708412" cy="3161732"/>
+        </p:xfrm>
+        <a:graphic>
+          <a:graphicData uri="http://schemas.openxmlformats.org/drawingml/2006/table">
+            <a:tbl>
+              <a:tblPr bandRow="1">
+                <a:tableStyleId>{5C22544A-7EE6-4342-B048-85BDC9FD1C3A}</a:tableStyleId>
+              </a:tblPr>
+              <a:tblGrid>
+                <a:gridCol w="3109192"/>
+                <a:gridCol w="2599220"/>
+              </a:tblGrid>
+              <a:tr h="887105">
+                <a:tc>
+                  <a:txBody>
+                    <a:bodyPr/>
+                    <a:lstStyle/>
+                    <a:p>
+                      <a:pPr marL="0" marR="0">
+                        <a:lnSpc>
+                          <a:spcPct val="150000"/>
+                        </a:lnSpc>
+                        <a:spcBef>
+                          <a:spcPts val="0"/>
+                        </a:spcBef>
+                        <a:spcAft>
+                          <a:spcPts val="1000"/>
+                        </a:spcAft>
+                      </a:pPr>
+                      <a:r>
+                        <a:rPr lang="en-US" sz="2000" dirty="0" smtClean="0">
+                          <a:effectLst/>
+                        </a:rPr>
+                        <a:t>Database Server</a:t>
+                      </a:r>
+                      <a:r>
+                        <a:rPr lang="en-US" sz="2000" dirty="0">
+                          <a:effectLst/>
+                        </a:rPr>
+                        <a:t>	</a:t>
+                      </a:r>
+                      <a:endParaRPr lang="en-US" sz="2000" dirty="0">
+                        <a:solidFill>
+                          <a:srgbClr val="000000"/>
+                        </a:solidFill>
+                        <a:effectLst/>
+                        <a:latin typeface="Calibri" panose="020F0502020204030204" pitchFamily="34" charset="0"/>
+                        <a:ea typeface="Calibri" panose="020F0502020204030204" pitchFamily="34" charset="0"/>
+                        <a:cs typeface="Calibri" panose="020F0502020204030204" pitchFamily="34" charset="0"/>
+                      </a:endParaRPr>
+                    </a:p>
+                  </a:txBody>
+                  <a:tcPr marL="68580" marR="68580" marT="0" marB="0"/>
+                </a:tc>
+                <a:tc>
+                  <a:txBody>
+                    <a:bodyPr/>
+                    <a:lstStyle/>
+                    <a:p>
+                      <a:pPr marL="0" marR="0">
+                        <a:lnSpc>
+                          <a:spcPct val="150000"/>
+                        </a:lnSpc>
+                        <a:spcBef>
+                          <a:spcPts val="0"/>
+                        </a:spcBef>
+                        <a:spcAft>
+                          <a:spcPts val="1000"/>
+                        </a:spcAft>
+                      </a:pPr>
+                      <a:r>
+                        <a:rPr lang="en-US" sz="2000" dirty="0" err="1" smtClean="0">
+                          <a:effectLst/>
+                        </a:rPr>
+                        <a:t>MySql</a:t>
+                      </a:r>
+                      <a:r>
+                        <a:rPr lang="en-US" sz="2000" dirty="0" smtClean="0">
+                          <a:effectLst/>
+                        </a:rPr>
+                        <a:t> 5.5</a:t>
+                      </a:r>
+                      <a:endParaRPr lang="en-US" sz="2000" dirty="0">
+                        <a:solidFill>
+                          <a:srgbClr val="000000"/>
+                        </a:solidFill>
+                        <a:effectLst/>
+                        <a:latin typeface="Calibri" panose="020F0502020204030204" pitchFamily="34" charset="0"/>
+                        <a:ea typeface="Calibri" panose="020F0502020204030204" pitchFamily="34" charset="0"/>
+                        <a:cs typeface="Calibri" panose="020F0502020204030204" pitchFamily="34" charset="0"/>
+                      </a:endParaRPr>
+                    </a:p>
+                  </a:txBody>
+                  <a:tcPr marL="68580" marR="68580" marT="0" marB="0"/>
+                </a:tc>
+              </a:tr>
+              <a:tr h="709684">
+                <a:tc>
+                  <a:txBody>
+                    <a:bodyPr/>
+                    <a:lstStyle/>
+                    <a:p>
+                      <a:pPr marL="0" marR="0">
+                        <a:lnSpc>
+                          <a:spcPct val="150000"/>
+                        </a:lnSpc>
+                        <a:spcBef>
+                          <a:spcPts val="0"/>
+                        </a:spcBef>
+                        <a:spcAft>
+                          <a:spcPts val="1000"/>
+                        </a:spcAft>
+                      </a:pPr>
+                      <a:r>
+                        <a:rPr lang="en-US" sz="2000" dirty="0" smtClean="0">
+                          <a:effectLst/>
+                        </a:rPr>
+                        <a:t>Web</a:t>
+                      </a:r>
+                      <a:r>
+                        <a:rPr lang="en-US" sz="2000" baseline="0" dirty="0" smtClean="0">
+                          <a:effectLst/>
+                        </a:rPr>
+                        <a:t> Server</a:t>
+                      </a:r>
+                      <a:endParaRPr lang="en-US" sz="2000" dirty="0">
+                        <a:solidFill>
+                          <a:srgbClr val="000000"/>
+                        </a:solidFill>
+                        <a:effectLst/>
+                        <a:latin typeface="Calibri" panose="020F0502020204030204" pitchFamily="34" charset="0"/>
+                        <a:ea typeface="Calibri" panose="020F0502020204030204" pitchFamily="34" charset="0"/>
+                        <a:cs typeface="Calibri" panose="020F0502020204030204" pitchFamily="34" charset="0"/>
+                      </a:endParaRPr>
+                    </a:p>
+                  </a:txBody>
+                  <a:tcPr marL="68580" marR="68580" marT="0" marB="0"/>
+                </a:tc>
+                <a:tc>
+                  <a:txBody>
+                    <a:bodyPr/>
+                    <a:lstStyle/>
+                    <a:p>
+                      <a:pPr marL="0" marR="0">
+                        <a:lnSpc>
+                          <a:spcPct val="150000"/>
+                        </a:lnSpc>
+                        <a:spcBef>
+                          <a:spcPts val="0"/>
+                        </a:spcBef>
+                        <a:spcAft>
+                          <a:spcPts val="1000"/>
+                        </a:spcAft>
+                      </a:pPr>
+                      <a:r>
+                        <a:rPr lang="en-US" sz="2000" dirty="0" smtClean="0">
+                          <a:effectLst/>
+                        </a:rPr>
+                        <a:t>Apache 2.0 </a:t>
+                      </a:r>
+                      <a:endParaRPr lang="en-US" sz="2000" dirty="0">
+                        <a:solidFill>
+                          <a:srgbClr val="000000"/>
+                        </a:solidFill>
+                        <a:effectLst/>
+                        <a:latin typeface="Calibri" panose="020F0502020204030204" pitchFamily="34" charset="0"/>
+                        <a:ea typeface="Calibri" panose="020F0502020204030204" pitchFamily="34" charset="0"/>
+                        <a:cs typeface="Calibri" panose="020F0502020204030204" pitchFamily="34" charset="0"/>
+                      </a:endParaRPr>
+                    </a:p>
+                  </a:txBody>
+                  <a:tcPr marL="68580" marR="68580" marT="0" marB="0"/>
+                </a:tc>
+              </a:tr>
+              <a:tr h="777922">
+                <a:tc>
+                  <a:txBody>
+                    <a:bodyPr/>
+                    <a:lstStyle/>
+                    <a:p>
+                      <a:pPr marL="0" marR="0">
+                        <a:lnSpc>
+                          <a:spcPct val="150000"/>
+                        </a:lnSpc>
+                        <a:spcBef>
+                          <a:spcPts val="0"/>
+                        </a:spcBef>
+                        <a:spcAft>
+                          <a:spcPts val="1000"/>
+                        </a:spcAft>
+                      </a:pPr>
+                      <a:r>
+                        <a:rPr lang="en-US" sz="2000" dirty="0" smtClean="0">
+                          <a:solidFill>
+                            <a:srgbClr val="000000"/>
+                          </a:solidFill>
+                          <a:effectLst/>
+                          <a:latin typeface="Calibri" panose="020F0502020204030204" pitchFamily="34" charset="0"/>
+                          <a:ea typeface="Calibri" panose="020F0502020204030204" pitchFamily="34" charset="0"/>
+                          <a:cs typeface="Calibri" panose="020F0502020204030204" pitchFamily="34" charset="0"/>
+                        </a:rPr>
+                        <a:t>Server-side</a:t>
+                      </a:r>
+                      <a:r>
+                        <a:rPr lang="en-US" sz="2000" baseline="0" dirty="0" smtClean="0">
+                          <a:solidFill>
+                            <a:srgbClr val="000000"/>
+                          </a:solidFill>
+                          <a:effectLst/>
+                          <a:latin typeface="Calibri" panose="020F0502020204030204" pitchFamily="34" charset="0"/>
+                          <a:ea typeface="Calibri" panose="020F0502020204030204" pitchFamily="34" charset="0"/>
+                          <a:cs typeface="Calibri" panose="020F0502020204030204" pitchFamily="34" charset="0"/>
+                        </a:rPr>
+                        <a:t> Scripting</a:t>
+                      </a:r>
+                      <a:endParaRPr lang="en-US" sz="2000" dirty="0">
+                        <a:solidFill>
+                          <a:srgbClr val="000000"/>
+                        </a:solidFill>
+                        <a:effectLst/>
+                        <a:latin typeface="Calibri" panose="020F0502020204030204" pitchFamily="34" charset="0"/>
+                        <a:ea typeface="Calibri" panose="020F0502020204030204" pitchFamily="34" charset="0"/>
+                        <a:cs typeface="Calibri" panose="020F0502020204030204" pitchFamily="34" charset="0"/>
+                      </a:endParaRPr>
+                    </a:p>
+                  </a:txBody>
+                  <a:tcPr marL="68580" marR="68580" marT="0" marB="0"/>
+                </a:tc>
+                <a:tc>
+                  <a:txBody>
+                    <a:bodyPr/>
+                    <a:lstStyle/>
+                    <a:p>
+                      <a:pPr marL="0" marR="0">
+                        <a:lnSpc>
+                          <a:spcPct val="150000"/>
+                        </a:lnSpc>
+                        <a:spcBef>
+                          <a:spcPts val="0"/>
+                        </a:spcBef>
+                        <a:spcAft>
+                          <a:spcPts val="1000"/>
+                        </a:spcAft>
+                      </a:pPr>
+                      <a:r>
+                        <a:rPr lang="en-US" sz="2000" dirty="0" smtClean="0">
+                          <a:solidFill>
+                            <a:srgbClr val="000000"/>
+                          </a:solidFill>
+                          <a:effectLst/>
+                          <a:latin typeface="Calibri" panose="020F0502020204030204" pitchFamily="34" charset="0"/>
+                          <a:ea typeface="Calibri" panose="020F0502020204030204" pitchFamily="34" charset="0"/>
+                          <a:cs typeface="Calibri" panose="020F0502020204030204" pitchFamily="34" charset="0"/>
+                        </a:rPr>
+                        <a:t>PHP 5.5</a:t>
+                      </a:r>
+                      <a:endParaRPr lang="en-US" sz="2000" dirty="0">
+                        <a:solidFill>
+                          <a:srgbClr val="000000"/>
+                        </a:solidFill>
+                        <a:effectLst/>
+                        <a:latin typeface="Calibri" panose="020F0502020204030204" pitchFamily="34" charset="0"/>
+                        <a:ea typeface="Calibri" panose="020F0502020204030204" pitchFamily="34" charset="0"/>
+                        <a:cs typeface="Calibri" panose="020F0502020204030204" pitchFamily="34" charset="0"/>
+                      </a:endParaRPr>
+                    </a:p>
+                  </a:txBody>
+                  <a:tcPr marL="68580" marR="68580" marT="0" marB="0"/>
+                </a:tc>
+              </a:tr>
+              <a:tr h="787021">
+                <a:tc>
+                  <a:txBody>
+                    <a:bodyPr/>
+                    <a:lstStyle/>
+                    <a:p>
+                      <a:pPr marL="0" marR="0">
+                        <a:lnSpc>
+                          <a:spcPct val="150000"/>
+                        </a:lnSpc>
+                        <a:spcBef>
+                          <a:spcPts val="0"/>
+                        </a:spcBef>
+                        <a:spcAft>
+                          <a:spcPts val="1000"/>
+                        </a:spcAft>
+                      </a:pPr>
+                      <a:r>
+                        <a:rPr lang="en-US" sz="2000" dirty="0" smtClean="0">
+                          <a:effectLst/>
+                        </a:rPr>
+                        <a:t>Operating System</a:t>
+                      </a:r>
+                      <a:endParaRPr lang="en-US" sz="2000" dirty="0">
+                        <a:solidFill>
+                          <a:srgbClr val="000000"/>
+                        </a:solidFill>
+                        <a:effectLst/>
+                        <a:latin typeface="Calibri" panose="020F0502020204030204" pitchFamily="34" charset="0"/>
+                        <a:ea typeface="Calibri" panose="020F0502020204030204" pitchFamily="34" charset="0"/>
+                        <a:cs typeface="Calibri" panose="020F0502020204030204" pitchFamily="34" charset="0"/>
+                      </a:endParaRPr>
+                    </a:p>
+                  </a:txBody>
+                  <a:tcPr marL="68580" marR="68580" marT="0" marB="0"/>
+                </a:tc>
+                <a:tc>
+                  <a:txBody>
+                    <a:bodyPr/>
+                    <a:lstStyle/>
+                    <a:p>
+                      <a:pPr marL="0" marR="0">
+                        <a:lnSpc>
+                          <a:spcPct val="150000"/>
+                        </a:lnSpc>
+                        <a:spcBef>
+                          <a:spcPts val="0"/>
+                        </a:spcBef>
+                        <a:spcAft>
+                          <a:spcPts val="1000"/>
+                        </a:spcAft>
+                      </a:pPr>
+                      <a:r>
+                        <a:rPr lang="en-US" sz="2000" dirty="0" smtClean="0">
+                          <a:solidFill>
+                            <a:srgbClr val="000000"/>
+                          </a:solidFill>
+                          <a:effectLst/>
+                          <a:latin typeface="Calibri" panose="020F0502020204030204" pitchFamily="34" charset="0"/>
+                          <a:ea typeface="Calibri" panose="020F0502020204030204" pitchFamily="34" charset="0"/>
+                          <a:cs typeface="Calibri" panose="020F0502020204030204" pitchFamily="34" charset="0"/>
+                        </a:rPr>
+                        <a:t>Linux</a:t>
+                      </a:r>
+                      <a:endParaRPr lang="en-US" sz="2000" dirty="0">
+                        <a:solidFill>
+                          <a:srgbClr val="000000"/>
+                        </a:solidFill>
+                        <a:effectLst/>
+                        <a:latin typeface="Calibri" panose="020F0502020204030204" pitchFamily="34" charset="0"/>
+                        <a:ea typeface="Calibri" panose="020F0502020204030204" pitchFamily="34" charset="0"/>
+                        <a:cs typeface="Calibri" panose="020F0502020204030204" pitchFamily="34" charset="0"/>
+                      </a:endParaRPr>
+                    </a:p>
+                  </a:txBody>
+                  <a:tcPr marL="68580" marR="68580" marT="0" marB="0"/>
+                </a:tc>
+              </a:tr>
+            </a:tbl>
+          </a:graphicData>
+        </a:graphic>
+      </p:graphicFrame>
+      <p:graphicFrame>
+        <p:nvGraphicFramePr>
+          <p:cNvPr id="4" name="Table 3"/>
+          <p:cNvGraphicFramePr>
+            <a:graphicFrameLocks noGrp="1"/>
+          </p:cNvGraphicFramePr>
+          <p:nvPr>
+            <p:extLst>
+              <p:ext uri="{D42A27DB-BD31-4B8C-83A1-F6EECF244321}">
+                <p14:modId xmlns:p14="http://schemas.microsoft.com/office/powerpoint/2010/main" val="3047896090"/>
+              </p:ext>
+            </p:extLst>
+          </p:nvPr>
+        </p:nvGraphicFramePr>
+        <p:xfrm>
+          <a:off x="908997" y="1915230"/>
+          <a:ext cx="4345391" cy="2301927"/>
+        </p:xfrm>
+        <a:graphic>
+          <a:graphicData uri="http://schemas.openxmlformats.org/drawingml/2006/table">
+            <a:tbl>
+              <a:tblPr bandRow="1">
+                <a:tableStyleId>{5C22544A-7EE6-4342-B048-85BDC9FD1C3A}</a:tableStyleId>
+              </a:tblPr>
+              <a:tblGrid>
+                <a:gridCol w="2404911"/>
+                <a:gridCol w="1940480"/>
+              </a:tblGrid>
+              <a:tr h="767309">
+                <a:tc>
+                  <a:txBody>
+                    <a:bodyPr/>
+                    <a:lstStyle/>
+                    <a:p>
+                      <a:pPr marL="0" marR="0">
+                        <a:lnSpc>
+                          <a:spcPct val="150000"/>
+                        </a:lnSpc>
+                        <a:spcBef>
+                          <a:spcPts val="0"/>
+                        </a:spcBef>
+                        <a:spcAft>
+                          <a:spcPts val="1000"/>
+                        </a:spcAft>
+                      </a:pPr>
+                      <a:r>
+                        <a:rPr lang="en-US" sz="2000" dirty="0">
+                          <a:effectLst/>
+                        </a:rPr>
+                        <a:t>Processor</a:t>
+                      </a:r>
+                      <a:endParaRPr lang="en-US" sz="2000" dirty="0">
+                        <a:solidFill>
+                          <a:srgbClr val="000000"/>
+                        </a:solidFill>
+                        <a:effectLst/>
+                        <a:latin typeface="Calibri" panose="020F0502020204030204" pitchFamily="34" charset="0"/>
+                        <a:ea typeface="Calibri" panose="020F0502020204030204" pitchFamily="34" charset="0"/>
+                        <a:cs typeface="Calibri" panose="020F0502020204030204" pitchFamily="34" charset="0"/>
+                      </a:endParaRPr>
+                    </a:p>
+                  </a:txBody>
+                  <a:tcPr marL="68580" marR="68580" marT="0" marB="0"/>
+                </a:tc>
+                <a:tc>
+                  <a:txBody>
+                    <a:bodyPr/>
+                    <a:lstStyle/>
+                    <a:p>
+                      <a:pPr marL="0" marR="0">
+                        <a:lnSpc>
+                          <a:spcPct val="150000"/>
+                        </a:lnSpc>
+                        <a:spcBef>
+                          <a:spcPts val="0"/>
+                        </a:spcBef>
+                        <a:spcAft>
+                          <a:spcPts val="1000"/>
+                        </a:spcAft>
+                      </a:pPr>
+                      <a:r>
+                        <a:rPr lang="en-US" sz="2000" dirty="0">
+                          <a:effectLst/>
+                        </a:rPr>
+                        <a:t>1.6 GHz</a:t>
+                      </a:r>
+                      <a:endParaRPr lang="en-US" sz="2000" dirty="0">
+                        <a:solidFill>
+                          <a:srgbClr val="000000"/>
+                        </a:solidFill>
+                        <a:effectLst/>
+                        <a:latin typeface="Calibri" panose="020F0502020204030204" pitchFamily="34" charset="0"/>
+                        <a:ea typeface="Calibri" panose="020F0502020204030204" pitchFamily="34" charset="0"/>
+                        <a:cs typeface="Calibri" panose="020F0502020204030204" pitchFamily="34" charset="0"/>
+                      </a:endParaRPr>
+                    </a:p>
+                  </a:txBody>
+                  <a:tcPr marL="68580" marR="68580" marT="0" marB="0"/>
+                </a:tc>
+              </a:tr>
+              <a:tr h="767309">
+                <a:tc>
+                  <a:txBody>
+                    <a:bodyPr/>
+                    <a:lstStyle/>
+                    <a:p>
+                      <a:pPr marL="0" marR="0">
+                        <a:lnSpc>
+                          <a:spcPct val="150000"/>
+                        </a:lnSpc>
+                        <a:spcBef>
+                          <a:spcPts val="0"/>
+                        </a:spcBef>
+                        <a:spcAft>
+                          <a:spcPts val="1000"/>
+                        </a:spcAft>
+                      </a:pPr>
+                      <a:r>
+                        <a:rPr lang="en-US" sz="2000" dirty="0">
+                          <a:effectLst/>
+                        </a:rPr>
+                        <a:t>RAM</a:t>
+                      </a:r>
+                      <a:endParaRPr lang="en-US" sz="2000" dirty="0">
+                        <a:solidFill>
+                          <a:srgbClr val="000000"/>
+                        </a:solidFill>
+                        <a:effectLst/>
+                        <a:latin typeface="Calibri" panose="020F0502020204030204" pitchFamily="34" charset="0"/>
+                        <a:ea typeface="Calibri" panose="020F0502020204030204" pitchFamily="34" charset="0"/>
+                        <a:cs typeface="Calibri" panose="020F0502020204030204" pitchFamily="34" charset="0"/>
+                      </a:endParaRPr>
+                    </a:p>
+                  </a:txBody>
+                  <a:tcPr marL="68580" marR="68580" marT="0" marB="0"/>
+                </a:tc>
+                <a:tc>
+                  <a:txBody>
+                    <a:bodyPr/>
+                    <a:lstStyle/>
+                    <a:p>
+                      <a:pPr marL="0" marR="0">
+                        <a:lnSpc>
+                          <a:spcPct val="150000"/>
+                        </a:lnSpc>
+                        <a:spcBef>
+                          <a:spcPts val="0"/>
+                        </a:spcBef>
+                        <a:spcAft>
+                          <a:spcPts val="1000"/>
+                        </a:spcAft>
+                      </a:pPr>
+                      <a:r>
+                        <a:rPr lang="en-US" sz="2000" dirty="0">
+                          <a:effectLst/>
+                        </a:rPr>
+                        <a:t>256 MB</a:t>
+                      </a:r>
+                      <a:endParaRPr lang="en-US" sz="2000" dirty="0">
+                        <a:solidFill>
+                          <a:srgbClr val="000000"/>
+                        </a:solidFill>
+                        <a:effectLst/>
+                        <a:latin typeface="Calibri" panose="020F0502020204030204" pitchFamily="34" charset="0"/>
+                        <a:ea typeface="Calibri" panose="020F0502020204030204" pitchFamily="34" charset="0"/>
+                        <a:cs typeface="Calibri" panose="020F0502020204030204" pitchFamily="34" charset="0"/>
+                      </a:endParaRPr>
+                    </a:p>
+                  </a:txBody>
+                  <a:tcPr marL="68580" marR="68580" marT="0" marB="0"/>
+                </a:tc>
+              </a:tr>
+              <a:tr h="767309">
+                <a:tc>
+                  <a:txBody>
+                    <a:bodyPr/>
+                    <a:lstStyle/>
+                    <a:p>
+                      <a:pPr marL="0" marR="0">
+                        <a:lnSpc>
+                          <a:spcPct val="150000"/>
+                        </a:lnSpc>
+                        <a:spcBef>
+                          <a:spcPts val="0"/>
+                        </a:spcBef>
+                        <a:spcAft>
+                          <a:spcPts val="1000"/>
+                        </a:spcAft>
+                      </a:pPr>
+                      <a:r>
+                        <a:rPr lang="en-US" sz="2000" dirty="0">
+                          <a:effectLst/>
+                        </a:rPr>
+                        <a:t>CPU op-mode(s)</a:t>
+                      </a:r>
+                      <a:endParaRPr lang="en-US" sz="2000" dirty="0">
+                        <a:solidFill>
+                          <a:srgbClr val="000000"/>
+                        </a:solidFill>
+                        <a:effectLst/>
+                        <a:latin typeface="Calibri" panose="020F0502020204030204" pitchFamily="34" charset="0"/>
+                        <a:ea typeface="Calibri" panose="020F0502020204030204" pitchFamily="34" charset="0"/>
+                        <a:cs typeface="Calibri" panose="020F0502020204030204" pitchFamily="34" charset="0"/>
+                      </a:endParaRPr>
+                    </a:p>
+                  </a:txBody>
+                  <a:tcPr marL="68580" marR="68580" marT="0" marB="0"/>
+                </a:tc>
+                <a:tc>
+                  <a:txBody>
+                    <a:bodyPr/>
+                    <a:lstStyle/>
+                    <a:p>
+                      <a:pPr marL="0" marR="0">
+                        <a:lnSpc>
+                          <a:spcPct val="150000"/>
+                        </a:lnSpc>
+                        <a:spcBef>
+                          <a:spcPts val="0"/>
+                        </a:spcBef>
+                        <a:spcAft>
+                          <a:spcPts val="1000"/>
+                        </a:spcAft>
+                      </a:pPr>
+                      <a:r>
+                        <a:rPr lang="en-US" sz="2000" dirty="0" smtClean="0">
+                          <a:effectLst/>
+                        </a:rPr>
+                        <a:t>32-bit</a:t>
+                      </a:r>
+                      <a:endParaRPr lang="en-US" sz="2000" dirty="0">
+                        <a:solidFill>
+                          <a:srgbClr val="000000"/>
+                        </a:solidFill>
+                        <a:effectLst/>
+                        <a:latin typeface="Calibri" panose="020F0502020204030204" pitchFamily="34" charset="0"/>
+                        <a:ea typeface="Calibri" panose="020F0502020204030204" pitchFamily="34" charset="0"/>
+                        <a:cs typeface="Calibri" panose="020F0502020204030204" pitchFamily="34" charset="0"/>
+                      </a:endParaRPr>
+                    </a:p>
+                  </a:txBody>
+                  <a:tcPr marL="68580" marR="68580" marT="0" marB="0"/>
+                </a:tc>
+              </a:tr>
+            </a:tbl>
+          </a:graphicData>
+        </a:graphic>
+      </p:graphicFrame>
+      <p:sp>
+        <p:nvSpPr>
+          <p:cNvPr id="7" name="TextBox 6"/>
+          <p:cNvSpPr txBox="1"/>
+          <p:nvPr/>
+        </p:nvSpPr>
+        <p:spPr>
+          <a:xfrm>
+            <a:off x="820758" y="1128046"/>
+            <a:ext cx="3192477" cy="523220"/>
+          </a:xfrm>
+          <a:prstGeom prst="rect">
+            <a:avLst/>
+          </a:prstGeom>
+          <a:noFill/>
+        </p:spPr>
+        <p:txBody>
+          <a:bodyPr wrap="none" rtlCol="0">
+            <a:spAutoFit/>
+          </a:bodyPr>
+          <a:lstStyle/>
+          <a:p>
+            <a:pPr algn="ctr"/>
+            <a:r>
+              <a:rPr lang="en-US" sz="2800" b="1" dirty="0" smtClean="0"/>
+              <a:t>Minimum Hardware</a:t>
+            </a:r>
+            <a:endParaRPr lang="en-US" sz="2800" b="1" dirty="0"/>
+          </a:p>
+        </p:txBody>
+      </p:sp>
+      <p:sp>
+        <p:nvSpPr>
+          <p:cNvPr id="8" name="TextBox 7"/>
+          <p:cNvSpPr txBox="1"/>
+          <p:nvPr/>
+        </p:nvSpPr>
+        <p:spPr>
+          <a:xfrm>
+            <a:off x="5727525" y="1128046"/>
+            <a:ext cx="3073406" cy="523220"/>
+          </a:xfrm>
+          <a:prstGeom prst="rect">
+            <a:avLst/>
+          </a:prstGeom>
+          <a:noFill/>
+        </p:spPr>
+        <p:txBody>
+          <a:bodyPr wrap="none" rtlCol="0">
+            <a:spAutoFit/>
+          </a:bodyPr>
+          <a:lstStyle/>
+          <a:p>
+            <a:pPr algn="ctr"/>
+            <a:r>
+              <a:rPr lang="en-US" sz="2800" b="1" dirty="0" smtClean="0"/>
+              <a:t>Minimum Software</a:t>
+            </a:r>
+            <a:endParaRPr lang="en-US" sz="2800" b="1" dirty="0"/>
+          </a:p>
+        </p:txBody>
+      </p:sp>
+    </p:spTree>
+    <p:extLst>
+      <p:ext uri="{BB962C8B-B14F-4D97-AF65-F5344CB8AC3E}">
+        <p14:creationId xmlns:p14="http://schemas.microsoft.com/office/powerpoint/2010/main" val="3861658738"/>
+      </p:ext>
+    </p:extLst>
+  </p:cSld>
+  <p:clrMapOvr>
+    <a:masterClrMapping/>
+  </p:clrMapOvr>
+  <p:timing>
+    <p:tnLst>
+      <p:par>
+        <p:cTn id="1" dur="indefinite" restart="never" nodeType="tmRoot"/>
+      </p:par>
+    </p:tnLst>
+  </p:timing>
+</p:sld>
+</file>
+
+<file path=ppt/slides/slide15.xml><?xml version="1.0" encoding="utf-8"?>
+<p:sld xmlns:a="http://schemas.openxmlformats.org/drawingml/2006/main" xmlns:r="http://schemas.openxmlformats.org/officeDocument/2006/relationships" xmlns:p="http://schemas.openxmlformats.org/presentationml/2006/main">
+  <p:cSld>
+    <p:spTree>
+      <p:nvGrpSpPr>
+        <p:cNvPr id="1" name=""/>
+        <p:cNvGrpSpPr/>
+        <p:nvPr/>
+      </p:nvGrpSpPr>
+      <p:grpSpPr>
+        <a:xfrm>
+          <a:off x="0" y="0"/>
+          <a:ext cx="0" cy="0"/>
+          <a:chOff x="0" y="0"/>
+          <a:chExt cx="0" cy="0"/>
+        </a:xfrm>
+      </p:grpSpPr>
+      <p:sp>
+        <p:nvSpPr>
+          <p:cNvPr id="3" name="TextBox 2"/>
+          <p:cNvSpPr txBox="1"/>
+          <p:nvPr/>
+        </p:nvSpPr>
+        <p:spPr>
+          <a:xfrm>
+            <a:off x="4285212" y="0"/>
+            <a:ext cx="3481274" cy="923330"/>
+          </a:xfrm>
+          <a:prstGeom prst="rect">
+            <a:avLst/>
+          </a:prstGeom>
+          <a:noFill/>
+        </p:spPr>
+        <p:txBody>
+          <a:bodyPr wrap="none" rtlCol="0">
+            <a:spAutoFit/>
+          </a:bodyPr>
+          <a:lstStyle/>
+          <a:p>
+            <a:r>
+              <a:rPr lang="en-US" sz="5400" b="1" dirty="0" smtClean="0"/>
+              <a:t>ER Diagram</a:t>
+            </a:r>
+            <a:endParaRPr lang="en-US" sz="5400" b="1" dirty="0"/>
+          </a:p>
+        </p:txBody>
+      </p:sp>
+      <p:pic>
+        <p:nvPicPr>
+          <p:cNvPr id="5" name="Picture 4"/>
+          <p:cNvPicPr>
+            <a:picLocks noChangeAspect="1"/>
+          </p:cNvPicPr>
+          <p:nvPr/>
+        </p:nvPicPr>
+        <p:blipFill>
+          <a:blip r:embed="rId2">
+            <a:extLst>
+              <a:ext uri="{28A0092B-C50C-407E-A947-70E740481C1C}">
+                <a14:useLocalDpi xmlns:a14="http://schemas.microsoft.com/office/drawing/2010/main" val="0"/>
+              </a:ext>
+            </a:extLst>
+          </a:blip>
+          <a:stretch>
+            <a:fillRect/>
+          </a:stretch>
+        </p:blipFill>
+        <p:spPr>
+          <a:xfrm>
+            <a:off x="873457" y="1214650"/>
+            <a:ext cx="10740788" cy="5349923"/>
+          </a:xfrm>
+          <a:prstGeom prst="rect">
+            <a:avLst/>
+          </a:prstGeom>
+        </p:spPr>
+      </p:pic>
+    </p:spTree>
+    <p:extLst>
+      <p:ext uri="{BB962C8B-B14F-4D97-AF65-F5344CB8AC3E}">
+        <p14:creationId xmlns:p14="http://schemas.microsoft.com/office/powerpoint/2010/main" val="3687344030"/>
+      </p:ext>
+    </p:extLst>
+  </p:cSld>
+  <p:clrMapOvr>
+    <a:masterClrMapping/>
+  </p:clrMapOvr>
+  <p:timing>
+    <p:tnLst>
+      <p:par>
+        <p:cTn id="1" dur="indefinite" restart="never" nodeType="tmRoot"/>
+      </p:par>
+    </p:tnLst>
+  </p:timing>
+</p:sld>
+</file>
+
+<file path=ppt/slides/slide16.xml><?xml version="1.0" encoding="utf-8"?>
+<p:sld xmlns:a="http://schemas.openxmlformats.org/drawingml/2006/main" xmlns:r="http://schemas.openxmlformats.org/officeDocument/2006/relationships" xmlns:p="http://schemas.openxmlformats.org/presentationml/2006/main">
+  <p:cSld>
+    <p:spTree>
+      <p:nvGrpSpPr>
+        <p:cNvPr id="1" name=""/>
+        <p:cNvGrpSpPr/>
+        <p:nvPr/>
+      </p:nvGrpSpPr>
+      <p:grpSpPr>
+        <a:xfrm>
+          <a:off x="0" y="0"/>
+          <a:ext cx="0" cy="0"/>
+          <a:chOff x="0" y="0"/>
+          <a:chExt cx="0" cy="0"/>
+        </a:xfrm>
+      </p:grpSpPr>
+      <p:sp>
+        <p:nvSpPr>
+          <p:cNvPr id="3" name="TextBox 2"/>
+          <p:cNvSpPr txBox="1"/>
+          <p:nvPr/>
+        </p:nvSpPr>
+        <p:spPr>
+          <a:xfrm>
+            <a:off x="4042160" y="0"/>
+            <a:ext cx="4868128" cy="923330"/>
+          </a:xfrm>
+          <a:prstGeom prst="rect">
+            <a:avLst/>
+          </a:prstGeom>
+          <a:noFill/>
+        </p:spPr>
+        <p:txBody>
+          <a:bodyPr wrap="none" rtlCol="0">
+            <a:spAutoFit/>
+          </a:bodyPr>
+          <a:lstStyle/>
+          <a:p>
+            <a:pPr algn="ctr"/>
+            <a:r>
+              <a:rPr lang="en-US" sz="5400" b="1" dirty="0" smtClean="0"/>
+              <a:t>Security/Privacy</a:t>
+            </a:r>
+            <a:endParaRPr lang="en-US" sz="5400" b="1" dirty="0"/>
+          </a:p>
+        </p:txBody>
+      </p:sp>
+      <p:sp>
+        <p:nvSpPr>
+          <p:cNvPr id="4" name="TextBox 3"/>
+          <p:cNvSpPr txBox="1"/>
+          <p:nvPr/>
+        </p:nvSpPr>
+        <p:spPr>
+          <a:xfrm>
+            <a:off x="1160060" y="1719619"/>
+            <a:ext cx="9935570" cy="3416320"/>
+          </a:xfrm>
+          <a:prstGeom prst="rect">
+            <a:avLst/>
+          </a:prstGeom>
+          <a:noFill/>
+        </p:spPr>
+        <p:txBody>
+          <a:bodyPr wrap="square" rtlCol="0">
+            <a:spAutoFit/>
+          </a:bodyPr>
+          <a:lstStyle/>
+          <a:p>
+            <a:pPr marL="285750" indent="-285750">
+              <a:buFont typeface="Arial" panose="020B0604020202020204" pitchFamily="34" charset="0"/>
+              <a:buChar char="•"/>
+            </a:pPr>
+            <a:r>
+              <a:rPr lang="en-US" sz="5400" dirty="0" err="1"/>
+              <a:t>Yii</a:t>
+            </a:r>
+            <a:r>
+              <a:rPr lang="en-US" sz="5400" dirty="0"/>
+              <a:t> access control </a:t>
+            </a:r>
+            <a:r>
+              <a:rPr lang="en-US" sz="5400" dirty="0" smtClean="0"/>
+              <a:t>rules</a:t>
+            </a:r>
+          </a:p>
+          <a:p>
+            <a:pPr marL="285750" indent="-285750">
+              <a:buFont typeface="Arial" panose="020B0604020202020204" pitchFamily="34" charset="0"/>
+              <a:buChar char="•"/>
+            </a:pPr>
+            <a:r>
+              <a:rPr lang="en-US" sz="5400" dirty="0" err="1" smtClean="0"/>
+              <a:t>Yii</a:t>
+            </a:r>
+            <a:r>
+              <a:rPr lang="en-US" sz="5400" dirty="0" smtClean="0"/>
+              <a:t> Cross-site scripting prevention</a:t>
+            </a:r>
+          </a:p>
+          <a:p>
+            <a:pPr marL="285750" indent="-285750">
+              <a:buFont typeface="Arial" panose="020B0604020202020204" pitchFamily="34" charset="0"/>
+              <a:buChar char="•"/>
+            </a:pPr>
+            <a:r>
+              <a:rPr lang="en-US" sz="5400" dirty="0" smtClean="0"/>
+              <a:t>Password hashing</a:t>
+            </a:r>
+          </a:p>
+          <a:p>
+            <a:pPr marL="285750" indent="-285750">
+              <a:buFont typeface="Arial" panose="020B0604020202020204" pitchFamily="34" charset="0"/>
+              <a:buChar char="•"/>
+            </a:pPr>
+            <a:r>
+              <a:rPr lang="en-US" sz="5400" dirty="0" smtClean="0"/>
+              <a:t>Secure registration process</a:t>
+            </a:r>
+            <a:endParaRPr lang="en-US" sz="5400" dirty="0"/>
+          </a:p>
+        </p:txBody>
+      </p:sp>
+    </p:spTree>
+    <p:extLst>
+      <p:ext uri="{BB962C8B-B14F-4D97-AF65-F5344CB8AC3E}">
+        <p14:creationId xmlns:p14="http://schemas.microsoft.com/office/powerpoint/2010/main" val="1823356534"/>
+      </p:ext>
+    </p:extLst>
+  </p:cSld>
+  <p:clrMapOvr>
+    <a:masterClrMapping/>
+  </p:clrMapOvr>
+  <p:timing>
+    <p:tnLst>
+      <p:par>
+        <p:cTn id="1" dur="indefinite" restart="never" nodeType="tmRoot"/>
+      </p:par>
+    </p:tnLst>
+  </p:timing>
+</p:sld>
+</file>
+
+<file path=ppt/slides/slide17.xml><?xml version="1.0" encoding="utf-8"?>
+<p:sld xmlns:a="http://schemas.openxmlformats.org/drawingml/2006/main" xmlns:r="http://schemas.openxmlformats.org/officeDocument/2006/relationships" xmlns:p="http://schemas.openxmlformats.org/presentationml/2006/main">
+  <p:cSld>
+    <p:spTree>
+      <p:nvGrpSpPr>
+        <p:cNvPr id="1" name=""/>
+        <p:cNvGrpSpPr/>
+        <p:nvPr/>
+      </p:nvGrpSpPr>
+      <p:grpSpPr>
+        <a:xfrm>
+          <a:off x="0" y="0"/>
+          <a:ext cx="0" cy="0"/>
+          <a:chOff x="0" y="0"/>
+          <a:chExt cx="0" cy="0"/>
+        </a:xfrm>
+      </p:grpSpPr>
+      <p:sp>
+        <p:nvSpPr>
+          <p:cNvPr id="3" name="TextBox 2"/>
+          <p:cNvSpPr txBox="1"/>
+          <p:nvPr/>
+        </p:nvSpPr>
+        <p:spPr>
+          <a:xfrm>
+            <a:off x="3980643" y="0"/>
+            <a:ext cx="4183389" cy="923330"/>
+          </a:xfrm>
+          <a:prstGeom prst="rect">
+            <a:avLst/>
+          </a:prstGeom>
+          <a:noFill/>
+        </p:spPr>
+        <p:txBody>
+          <a:bodyPr wrap="none" rtlCol="0">
+            <a:spAutoFit/>
+          </a:bodyPr>
+          <a:lstStyle/>
+          <a:p>
+            <a:pPr algn="ctr"/>
+            <a:r>
+              <a:rPr lang="en-US" sz="5400" b="1" dirty="0" smtClean="0"/>
+              <a:t>Class Diagram</a:t>
+            </a:r>
+            <a:endParaRPr lang="en-US" sz="5400" b="1" dirty="0"/>
+          </a:p>
+        </p:txBody>
+      </p:sp>
+      <p:pic>
+        <p:nvPicPr>
+          <p:cNvPr id="2" name="Picture 1"/>
+          <p:cNvPicPr>
+            <a:picLocks noChangeAspect="1"/>
+          </p:cNvPicPr>
+          <p:nvPr/>
+        </p:nvPicPr>
+        <p:blipFill>
+          <a:blip r:embed="rId2">
+            <a:extLst>
+              <a:ext uri="{28A0092B-C50C-407E-A947-70E740481C1C}">
+                <a14:useLocalDpi xmlns:a14="http://schemas.microsoft.com/office/drawing/2010/main" val="0"/>
+              </a:ext>
+            </a:extLst>
+          </a:blip>
+          <a:stretch>
+            <a:fillRect/>
+          </a:stretch>
+        </p:blipFill>
+        <p:spPr>
+          <a:xfrm>
+            <a:off x="3353653" y="923330"/>
+            <a:ext cx="5803995" cy="5736777"/>
+          </a:xfrm>
+          <a:prstGeom prst="rect">
+            <a:avLst/>
+          </a:prstGeom>
+        </p:spPr>
+      </p:pic>
+    </p:spTree>
+    <p:extLst>
+      <p:ext uri="{BB962C8B-B14F-4D97-AF65-F5344CB8AC3E}">
+        <p14:creationId xmlns:p14="http://schemas.microsoft.com/office/powerpoint/2010/main" val="2625305621"/>
+      </p:ext>
+    </p:extLst>
+  </p:cSld>
+  <p:clrMapOvr>
+    <a:masterClrMapping/>
+  </p:clrMapOvr>
+  <p:timing>
+    <p:tnLst>
+      <p:par>
+        <p:cTn id="1" dur="indefinite" restart="never" nodeType="tmRoot"/>
+      </p:par>
+    </p:tnLst>
+  </p:timing>
+</p:sld>
+</file>
+
+<file path=ppt/slides/slide18.xml><?xml version="1.0" encoding="utf-8"?>
+<p:sld xmlns:a="http://schemas.openxmlformats.org/drawingml/2006/main" xmlns:r="http://schemas.openxmlformats.org/officeDocument/2006/relationships" xmlns:p="http://schemas.openxmlformats.org/presentationml/2006/main">
+  <p:cSld>
+    <p:spTree>
+      <p:nvGrpSpPr>
+        <p:cNvPr id="1" name=""/>
+        <p:cNvGrpSpPr/>
+        <p:nvPr/>
+      </p:nvGrpSpPr>
+      <p:grpSpPr>
+        <a:xfrm>
+          <a:off x="0" y="0"/>
+          <a:ext cx="0" cy="0"/>
+          <a:chOff x="0" y="0"/>
+          <a:chExt cx="0" cy="0"/>
+        </a:xfrm>
+      </p:grpSpPr>
+      <p:sp>
+        <p:nvSpPr>
+          <p:cNvPr id="3" name="TextBox 2"/>
+          <p:cNvSpPr txBox="1"/>
+          <p:nvPr/>
+        </p:nvSpPr>
+        <p:spPr>
+          <a:xfrm>
+            <a:off x="3980643" y="0"/>
+            <a:ext cx="4183389" cy="923330"/>
+          </a:xfrm>
+          <a:prstGeom prst="rect">
+            <a:avLst/>
+          </a:prstGeom>
+          <a:noFill/>
+        </p:spPr>
+        <p:txBody>
+          <a:bodyPr wrap="none" rtlCol="0">
+            <a:spAutoFit/>
+          </a:bodyPr>
+          <a:lstStyle/>
+          <a:p>
+            <a:pPr algn="ctr"/>
+            <a:r>
+              <a:rPr lang="en-US" sz="5400" b="1" dirty="0" smtClean="0"/>
+              <a:t>Class Diagram</a:t>
+            </a:r>
+            <a:endParaRPr lang="en-US" sz="5400" b="1" dirty="0"/>
+          </a:p>
+        </p:txBody>
+      </p:sp>
+      <p:pic>
+        <p:nvPicPr>
+          <p:cNvPr id="2" name="Picture 1"/>
+          <p:cNvPicPr>
+            <a:picLocks noChangeAspect="1"/>
+          </p:cNvPicPr>
+          <p:nvPr/>
+        </p:nvPicPr>
+        <p:blipFill>
+          <a:blip r:embed="rId2">
+            <a:extLst>
+              <a:ext uri="{28A0092B-C50C-407E-A947-70E740481C1C}">
+                <a14:useLocalDpi xmlns:a14="http://schemas.microsoft.com/office/drawing/2010/main" val="0"/>
+              </a:ext>
+            </a:extLst>
+          </a:blip>
+          <a:stretch>
+            <a:fillRect/>
+          </a:stretch>
+        </p:blipFill>
+        <p:spPr>
+          <a:xfrm>
+            <a:off x="1824564" y="1473958"/>
+            <a:ext cx="8495546" cy="4039738"/>
+          </a:xfrm>
+          <a:prstGeom prst="rect">
+            <a:avLst/>
+          </a:prstGeom>
+        </p:spPr>
+      </p:pic>
+    </p:spTree>
+    <p:extLst>
+      <p:ext uri="{BB962C8B-B14F-4D97-AF65-F5344CB8AC3E}">
+        <p14:creationId xmlns:p14="http://schemas.microsoft.com/office/powerpoint/2010/main" val="3920713465"/>
+      </p:ext>
+    </p:extLst>
+  </p:cSld>
+  <p:clrMapOvr>
+    <a:masterClrMapping/>
+  </p:clrMapOvr>
+  <p:timing>
+    <p:tnLst>
+      <p:par>
+        <p:cTn id="1" dur="indefinite" restart="never" nodeType="tmRoot"/>
+      </p:par>
+    </p:tnLst>
+  </p:timing>
+</p:sld>
+</file>
+
+<file path=ppt/slides/slide19.xml><?xml version="1.0" encoding="utf-8"?>
+<p:sld xmlns:a="http://schemas.openxmlformats.org/drawingml/2006/main" xmlns:r="http://schemas.openxmlformats.org/officeDocument/2006/relationships" xmlns:p="http://schemas.openxmlformats.org/presentationml/2006/main">
+  <p:cSld>
+    <p:spTree>
+      <p:nvGrpSpPr>
+        <p:cNvPr id="1" name=""/>
+        <p:cNvGrpSpPr/>
+        <p:nvPr/>
+      </p:nvGrpSpPr>
+      <p:grpSpPr>
+        <a:xfrm>
+          <a:off x="0" y="0"/>
+          <a:ext cx="0" cy="0"/>
+          <a:chOff x="0" y="0"/>
+          <a:chExt cx="0" cy="0"/>
+        </a:xfrm>
+      </p:grpSpPr>
+      <p:sp>
+        <p:nvSpPr>
+          <p:cNvPr id="3" name="TextBox 2"/>
+          <p:cNvSpPr txBox="1"/>
+          <p:nvPr/>
+        </p:nvSpPr>
+        <p:spPr>
+          <a:xfrm>
+            <a:off x="3980643" y="0"/>
+            <a:ext cx="4183389" cy="923330"/>
+          </a:xfrm>
+          <a:prstGeom prst="rect">
+            <a:avLst/>
+          </a:prstGeom>
+          <a:noFill/>
+        </p:spPr>
+        <p:txBody>
+          <a:bodyPr wrap="none" rtlCol="0">
+            <a:spAutoFit/>
+          </a:bodyPr>
+          <a:lstStyle/>
+          <a:p>
+            <a:pPr algn="ctr"/>
+            <a:r>
+              <a:rPr lang="en-US" sz="5400" b="1" dirty="0" smtClean="0"/>
+              <a:t>Class Diagram</a:t>
+            </a:r>
+            <a:endParaRPr lang="en-US" sz="5400" b="1" dirty="0"/>
+          </a:p>
+        </p:txBody>
+      </p:sp>
+      <p:pic>
+        <p:nvPicPr>
+          <p:cNvPr id="4" name="Picture 3"/>
+          <p:cNvPicPr>
+            <a:picLocks noChangeAspect="1"/>
+          </p:cNvPicPr>
+          <p:nvPr/>
+        </p:nvPicPr>
+        <p:blipFill>
+          <a:blip r:embed="rId2">
+            <a:extLst>
+              <a:ext uri="{28A0092B-C50C-407E-A947-70E740481C1C}">
+                <a14:useLocalDpi xmlns:a14="http://schemas.microsoft.com/office/drawing/2010/main" val="0"/>
+              </a:ext>
+            </a:extLst>
+          </a:blip>
+          <a:stretch>
+            <a:fillRect/>
+          </a:stretch>
+        </p:blipFill>
+        <p:spPr>
+          <a:xfrm>
+            <a:off x="585937" y="1275072"/>
+            <a:ext cx="11246672" cy="4443340"/>
+          </a:xfrm>
+          <a:prstGeom prst="rect">
+            <a:avLst/>
+          </a:prstGeom>
+        </p:spPr>
+      </p:pic>
+    </p:spTree>
+    <p:extLst>
+      <p:ext uri="{BB962C8B-B14F-4D97-AF65-F5344CB8AC3E}">
+        <p14:creationId xmlns:p14="http://schemas.microsoft.com/office/powerpoint/2010/main" val="1697656140"/>
       </p:ext>
     </p:extLst>
   </p:cSld>
@@ -4124,7 +5535,7 @@
         <p:spPr bwMode="auto">
           <a:xfrm>
             <a:off x="340425" y="1274618"/>
-            <a:ext cx="11523023" cy="5078313"/>
+            <a:ext cx="11523023" cy="5016758"/>
           </a:xfrm>
           <a:prstGeom prst="rect">
             <a:avLst/>
@@ -4270,12 +5681,12 @@
               <a:buChar char="•"/>
             </a:pPr>
             <a:r>
-              <a:rPr lang="en-US" altLang="en-US" sz="3600" dirty="0"/>
-              <a:t>Current students lack a reliable source for answering questions related to their classes or capstone projects</a:t>
-            </a:r>
-            <a:r>
-              <a:rPr lang="en-US" altLang="en-US" sz="3600" dirty="0" smtClean="0"/>
-              <a:t>.</a:t>
+              <a:rPr lang="en-US" altLang="en-US" sz="3200" dirty="0"/>
+              <a:t>Current students lack a reliable source for answering questions related to their classes or </a:t>
+            </a:r>
+            <a:r>
+              <a:rPr lang="en-US" altLang="en-US" sz="3200" dirty="0" smtClean="0"/>
+              <a:t>projects.</a:t>
             </a:r>
           </a:p>
           <a:p>
@@ -4283,18 +5694,7 @@
               <a:buFont typeface="Arial" panose="020B0604020202020204" pitchFamily="34" charset="0"/>
               <a:buChar char="•"/>
             </a:pPr>
-            <a:r>
-              <a:rPr lang="en-US" altLang="en-US" sz="3600" dirty="0" smtClean="0"/>
-              <a:t>Students </a:t>
-            </a:r>
-            <a:r>
-              <a:rPr lang="en-US" altLang="en-US" sz="3600" dirty="0"/>
-              <a:t>may rely on several internet sources, often unreliable, inaccurate and incomplete</a:t>
-            </a:r>
-            <a:r>
-              <a:rPr lang="en-US" altLang="en-US" sz="3600" dirty="0" smtClean="0"/>
-              <a:t>. </a:t>
-            </a:r>
+            <a:endParaRPr lang="en-US" altLang="en-US" sz="3200" dirty="0" smtClean="0"/>
           </a:p>
           <a:p>
             <a:pPr marL="571500" indent="-571500" algn="just" eaLnBrk="1" hangingPunct="1">
@@ -4302,17 +5702,54 @@
               <a:buChar char="•"/>
             </a:pPr>
             <a:r>
-              <a:rPr lang="en-US" altLang="en-US" sz="3600" dirty="0" smtClean="0"/>
-              <a:t>Difficulty matching the correct mentor to the right question.</a:t>
-            </a:r>
+              <a:rPr lang="en-US" altLang="en-US" sz="3200" dirty="0" smtClean="0"/>
+              <a:t>Students </a:t>
+            </a:r>
+            <a:r>
+              <a:rPr lang="en-US" altLang="en-US" sz="3200" dirty="0"/>
+              <a:t>may rely on several internet sources, often unreliable, inaccurate and incomplete</a:t>
+            </a:r>
+            <a:r>
+              <a:rPr lang="en-US" altLang="en-US" sz="3200" dirty="0" smtClean="0"/>
+              <a:t>. </a:t>
+            </a:r>
+            <a:endParaRPr lang="en-US" altLang="en-US" sz="3200" dirty="0" smtClean="0"/>
           </a:p>
           <a:p>
             <a:pPr marL="571500" indent="-571500" algn="just" eaLnBrk="1" hangingPunct="1">
               <a:buFont typeface="Arial" panose="020B0604020202020204" pitchFamily="34" charset="0"/>
               <a:buChar char="•"/>
             </a:pPr>
-            <a:r>
-              <a:rPr lang="en-US" altLang="en-US" sz="3600" dirty="0" smtClean="0"/>
+            <a:endParaRPr lang="en-US" altLang="en-US" sz="3200" dirty="0" smtClean="0"/>
+          </a:p>
+          <a:p>
+            <a:pPr marL="571500" indent="-571500" algn="just" eaLnBrk="1" hangingPunct="1">
+              <a:buFont typeface="Arial" panose="020B0604020202020204" pitchFamily="34" charset="0"/>
+              <a:buChar char="•"/>
+            </a:pPr>
+            <a:r>
+              <a:rPr lang="en-US" altLang="en-US" sz="3200" dirty="0" smtClean="0"/>
+              <a:t>Difficulty matching the correct mentor to the right question</a:t>
+            </a:r>
+            <a:r>
+              <a:rPr lang="en-US" altLang="en-US" sz="3200" dirty="0" smtClean="0"/>
+              <a:t>.</a:t>
+            </a:r>
+          </a:p>
+          <a:p>
+            <a:pPr marL="571500" indent="-571500" algn="just" eaLnBrk="1" hangingPunct="1">
+              <a:buFont typeface="Arial" panose="020B0604020202020204" pitchFamily="34" charset="0"/>
+              <a:buChar char="•"/>
+            </a:pPr>
+            <a:endParaRPr lang="en-US" altLang="en-US" sz="3200" dirty="0" smtClean="0"/>
+          </a:p>
+          <a:p>
+            <a:pPr marL="571500" indent="-571500" algn="just" eaLnBrk="1" hangingPunct="1">
+              <a:buFont typeface="Arial" panose="020B0604020202020204" pitchFamily="34" charset="0"/>
+              <a:buChar char="•"/>
+            </a:pPr>
+            <a:r>
+              <a:rPr lang="en-US" altLang="en-US" sz="3200" dirty="0" smtClean="0"/>
               <a:t>Lack of standard way of communication for answering questions.</a:t>
             </a:r>
           </a:p>
@@ -4322,6 +5759,2676 @@
     <p:extLst>
       <p:ext uri="{BB962C8B-B14F-4D97-AF65-F5344CB8AC3E}">
         <p14:creationId xmlns:p14="http://schemas.microsoft.com/office/powerpoint/2010/main" val="3420173111"/>
+      </p:ext>
+    </p:extLst>
+  </p:cSld>
+  <p:clrMapOvr>
+    <a:masterClrMapping/>
+  </p:clrMapOvr>
+  <p:timing>
+    <p:tnLst>
+      <p:par>
+        <p:cTn id="1" dur="indefinite" restart="never" nodeType="tmRoot"/>
+      </p:par>
+    </p:tnLst>
+  </p:timing>
+</p:sld>
+</file>
+
+<file path=ppt/slides/slide20.xml><?xml version="1.0" encoding="utf-8"?>
+<p:sld xmlns:a="http://schemas.openxmlformats.org/drawingml/2006/main" xmlns:r="http://schemas.openxmlformats.org/officeDocument/2006/relationships" xmlns:p="http://schemas.openxmlformats.org/presentationml/2006/main">
+  <p:cSld>
+    <p:spTree>
+      <p:nvGrpSpPr>
+        <p:cNvPr id="1" name=""/>
+        <p:cNvGrpSpPr/>
+        <p:nvPr/>
+      </p:nvGrpSpPr>
+      <p:grpSpPr>
+        <a:xfrm>
+          <a:off x="0" y="0"/>
+          <a:ext cx="0" cy="0"/>
+          <a:chOff x="0" y="0"/>
+          <a:chExt cx="0" cy="0"/>
+        </a:xfrm>
+      </p:grpSpPr>
+      <p:sp>
+        <p:nvSpPr>
+          <p:cNvPr id="3" name="TextBox 2"/>
+          <p:cNvSpPr txBox="1"/>
+          <p:nvPr/>
+        </p:nvSpPr>
+        <p:spPr>
+          <a:xfrm>
+            <a:off x="1309631" y="0"/>
+            <a:ext cx="9525429" cy="923330"/>
+          </a:xfrm>
+          <a:prstGeom prst="rect">
+            <a:avLst/>
+          </a:prstGeom>
+          <a:noFill/>
+        </p:spPr>
+        <p:txBody>
+          <a:bodyPr wrap="none" rtlCol="0">
+            <a:spAutoFit/>
+          </a:bodyPr>
+          <a:lstStyle/>
+          <a:p>
+            <a:pPr algn="ctr"/>
+            <a:r>
+              <a:rPr lang="en-US" sz="5400" b="1" dirty="0" smtClean="0"/>
+              <a:t>Join Video Conference algorithm</a:t>
+            </a:r>
+            <a:endParaRPr lang="en-US" sz="5400" b="1" dirty="0"/>
+          </a:p>
+        </p:txBody>
+      </p:sp>
+      <p:sp>
+        <p:nvSpPr>
+          <p:cNvPr id="4" name="Rectangle 3"/>
+          <p:cNvSpPr/>
+          <p:nvPr/>
+        </p:nvSpPr>
+        <p:spPr>
+          <a:xfrm>
+            <a:off x="126470" y="973203"/>
+            <a:ext cx="5945875" cy="5632311"/>
+          </a:xfrm>
+          <a:prstGeom prst="rect">
+            <a:avLst/>
+          </a:prstGeom>
+        </p:spPr>
+        <p:txBody>
+          <a:bodyPr wrap="square">
+            <a:spAutoFit/>
+          </a:bodyPr>
+          <a:lstStyle/>
+          <a:p>
+            <a:r>
+              <a:rPr lang="en-US" sz="2400" b="1" dirty="0">
+                <a:solidFill>
+                  <a:srgbClr val="222222"/>
+                </a:solidFill>
+                <a:latin typeface="arial" panose="020B0604020202020204" pitchFamily="34" charset="0"/>
+              </a:rPr>
+              <a:t>Invitee</a:t>
+            </a:r>
+            <a:r>
+              <a:rPr lang="en-US" sz="2400" dirty="0">
+                <a:solidFill>
+                  <a:srgbClr val="222222"/>
+                </a:solidFill>
+                <a:latin typeface="arial" panose="020B0604020202020204" pitchFamily="34" charset="0"/>
+              </a:rPr>
+              <a:t>:</a:t>
+            </a:r>
+          </a:p>
+          <a:p>
+            <a:endParaRPr lang="en-US" sz="2400" dirty="0">
+              <a:solidFill>
+                <a:srgbClr val="222222"/>
+              </a:solidFill>
+              <a:latin typeface="arial" panose="020B0604020202020204" pitchFamily="34" charset="0"/>
+            </a:endParaRPr>
+          </a:p>
+          <a:p>
+            <a:pPr>
+              <a:buFont typeface="+mj-lt"/>
+              <a:buAutoNum type="arabicPeriod"/>
+            </a:pPr>
+            <a:r>
+              <a:rPr lang="en-US" sz="2400" dirty="0">
+                <a:solidFill>
+                  <a:srgbClr val="222222"/>
+                </a:solidFill>
+                <a:latin typeface="arial" panose="020B0604020202020204" pitchFamily="34" charset="0"/>
+              </a:rPr>
+              <a:t>Navigate to video conference </a:t>
+            </a:r>
+            <a:r>
+              <a:rPr lang="en-US" sz="2400" dirty="0" smtClean="0">
+                <a:solidFill>
+                  <a:srgbClr val="222222"/>
+                </a:solidFill>
+                <a:latin typeface="arial" panose="020B0604020202020204" pitchFamily="34" charset="0"/>
+              </a:rPr>
+              <a:t>room</a:t>
+            </a:r>
+          </a:p>
+          <a:p>
+            <a:pPr>
+              <a:buFont typeface="+mj-lt"/>
+              <a:buAutoNum type="arabicPeriod"/>
+            </a:pPr>
+            <a:endParaRPr lang="en-US" sz="2400" dirty="0" smtClean="0">
+              <a:solidFill>
+                <a:srgbClr val="222222"/>
+              </a:solidFill>
+              <a:latin typeface="arial" panose="020B0604020202020204" pitchFamily="34" charset="0"/>
+            </a:endParaRPr>
+          </a:p>
+          <a:p>
+            <a:pPr>
+              <a:buFont typeface="+mj-lt"/>
+              <a:buAutoNum type="arabicPeriod"/>
+            </a:pPr>
+            <a:r>
+              <a:rPr lang="en-US" sz="2400" dirty="0" smtClean="0">
+                <a:solidFill>
+                  <a:srgbClr val="222222"/>
+                </a:solidFill>
+                <a:latin typeface="arial" panose="020B0604020202020204" pitchFamily="34" charset="0"/>
+              </a:rPr>
+              <a:t>Click </a:t>
+            </a:r>
+            <a:r>
+              <a:rPr lang="en-US" sz="2400" dirty="0">
+                <a:solidFill>
+                  <a:srgbClr val="222222"/>
+                </a:solidFill>
+                <a:latin typeface="arial" panose="020B0604020202020204" pitchFamily="34" charset="0"/>
+              </a:rPr>
+              <a:t>join </a:t>
+            </a:r>
+            <a:r>
+              <a:rPr lang="en-US" sz="2400" dirty="0" smtClean="0">
+                <a:solidFill>
+                  <a:srgbClr val="222222"/>
+                </a:solidFill>
+                <a:latin typeface="arial" panose="020B0604020202020204" pitchFamily="34" charset="0"/>
+              </a:rPr>
+              <a:t>button</a:t>
+            </a:r>
+          </a:p>
+          <a:p>
+            <a:pPr>
+              <a:buFont typeface="+mj-lt"/>
+              <a:buAutoNum type="arabicPeriod"/>
+            </a:pPr>
+            <a:endParaRPr lang="en-US" sz="2400" dirty="0">
+              <a:solidFill>
+                <a:srgbClr val="222222"/>
+              </a:solidFill>
+              <a:latin typeface="arial" panose="020B0604020202020204" pitchFamily="34" charset="0"/>
+            </a:endParaRPr>
+          </a:p>
+          <a:p>
+            <a:pPr>
+              <a:buFont typeface="+mj-lt"/>
+              <a:buAutoNum type="arabicPeriod"/>
+            </a:pPr>
+            <a:r>
+              <a:rPr lang="en-US" sz="2400" dirty="0">
+                <a:solidFill>
+                  <a:srgbClr val="222222"/>
+                </a:solidFill>
+                <a:latin typeface="arial" panose="020B0604020202020204" pitchFamily="34" charset="0"/>
+              </a:rPr>
+              <a:t>Wait until Moderator opens </a:t>
+            </a:r>
+            <a:r>
+              <a:rPr lang="en-US" sz="2400" dirty="0" smtClean="0">
+                <a:solidFill>
+                  <a:srgbClr val="222222"/>
+                </a:solidFill>
+                <a:latin typeface="arial" panose="020B0604020202020204" pitchFamily="34" charset="0"/>
+              </a:rPr>
+              <a:t>room</a:t>
+            </a:r>
+          </a:p>
+          <a:p>
+            <a:pPr>
+              <a:buFont typeface="+mj-lt"/>
+              <a:buAutoNum type="arabicPeriod"/>
+            </a:pPr>
+            <a:endParaRPr lang="en-US" sz="2400" dirty="0">
+              <a:solidFill>
+                <a:srgbClr val="222222"/>
+              </a:solidFill>
+              <a:latin typeface="arial" panose="020B0604020202020204" pitchFamily="34" charset="0"/>
+            </a:endParaRPr>
+          </a:p>
+          <a:p>
+            <a:pPr>
+              <a:buFont typeface="+mj-lt"/>
+              <a:buAutoNum type="arabicPeriod"/>
+            </a:pPr>
+            <a:r>
+              <a:rPr lang="en-US" sz="2400" dirty="0">
+                <a:solidFill>
+                  <a:srgbClr val="222222"/>
+                </a:solidFill>
+                <a:latin typeface="arial" panose="020B0604020202020204" pitchFamily="34" charset="0"/>
+              </a:rPr>
+              <a:t>Share resources (webcam, </a:t>
+            </a:r>
+            <a:r>
+              <a:rPr lang="en-US" sz="2400" dirty="0" smtClean="0">
+                <a:solidFill>
+                  <a:srgbClr val="222222"/>
+                </a:solidFill>
+                <a:latin typeface="arial" panose="020B0604020202020204" pitchFamily="34" charset="0"/>
+              </a:rPr>
+              <a:t>microphone)</a:t>
+            </a:r>
+          </a:p>
+          <a:p>
+            <a:pPr>
+              <a:buFont typeface="+mj-lt"/>
+              <a:buAutoNum type="arabicPeriod"/>
+            </a:pPr>
+            <a:endParaRPr lang="en-US" sz="2400" dirty="0">
+              <a:solidFill>
+                <a:srgbClr val="222222"/>
+              </a:solidFill>
+              <a:latin typeface="arial" panose="020B0604020202020204" pitchFamily="34" charset="0"/>
+            </a:endParaRPr>
+          </a:p>
+          <a:p>
+            <a:pPr>
+              <a:buFont typeface="+mj-lt"/>
+              <a:buAutoNum type="arabicPeriod"/>
+            </a:pPr>
+            <a:r>
+              <a:rPr lang="en-US" sz="2400" dirty="0">
+                <a:solidFill>
+                  <a:srgbClr val="222222"/>
+                </a:solidFill>
+                <a:latin typeface="arial" panose="020B0604020202020204" pitchFamily="34" charset="0"/>
+              </a:rPr>
+              <a:t>Join the conference</a:t>
+            </a:r>
+          </a:p>
+          <a:p>
+            <a:r>
+              <a:rPr lang="en-US" sz="2400" dirty="0">
+                <a:solidFill>
+                  <a:srgbClr val="222222"/>
+                </a:solidFill>
+                <a:latin typeface="arial" panose="020B0604020202020204" pitchFamily="34" charset="0"/>
+              </a:rPr>
+              <a:t/>
+            </a:r>
+            <a:br>
+              <a:rPr lang="en-US" sz="2400" dirty="0">
+                <a:solidFill>
+                  <a:srgbClr val="222222"/>
+                </a:solidFill>
+                <a:latin typeface="arial" panose="020B0604020202020204" pitchFamily="34" charset="0"/>
+              </a:rPr>
+            </a:br>
+            <a:endParaRPr lang="en-US" sz="2400" dirty="0">
+              <a:solidFill>
+                <a:srgbClr val="222222"/>
+              </a:solidFill>
+              <a:latin typeface="arial" panose="020B0604020202020204" pitchFamily="34" charset="0"/>
+            </a:endParaRPr>
+          </a:p>
+          <a:p>
+            <a:r>
+              <a:rPr lang="en-US" sz="2400" dirty="0">
+                <a:solidFill>
+                  <a:srgbClr val="222222"/>
+                </a:solidFill>
+                <a:latin typeface="arial" panose="020B0604020202020204" pitchFamily="34" charset="0"/>
+              </a:rPr>
+              <a:t/>
+            </a:r>
+            <a:br>
+              <a:rPr lang="en-US" sz="2400" dirty="0">
+                <a:solidFill>
+                  <a:srgbClr val="222222"/>
+                </a:solidFill>
+                <a:latin typeface="arial" panose="020B0604020202020204" pitchFamily="34" charset="0"/>
+              </a:rPr>
+            </a:br>
+            <a:endParaRPr lang="en-US" sz="2400" dirty="0">
+              <a:solidFill>
+                <a:srgbClr val="222222"/>
+              </a:solidFill>
+              <a:latin typeface="arial" panose="020B0604020202020204" pitchFamily="34" charset="0"/>
+            </a:endParaRPr>
+          </a:p>
+        </p:txBody>
+      </p:sp>
+      <p:sp>
+        <p:nvSpPr>
+          <p:cNvPr id="5" name="Rectangle 4"/>
+          <p:cNvSpPr/>
+          <p:nvPr/>
+        </p:nvSpPr>
+        <p:spPr>
+          <a:xfrm>
+            <a:off x="6323463" y="973203"/>
+            <a:ext cx="6096000" cy="4154984"/>
+          </a:xfrm>
+          <a:prstGeom prst="rect">
+            <a:avLst/>
+          </a:prstGeom>
+        </p:spPr>
+        <p:txBody>
+          <a:bodyPr>
+            <a:spAutoFit/>
+          </a:bodyPr>
+          <a:lstStyle/>
+          <a:p>
+            <a:r>
+              <a:rPr lang="en-US" sz="2400" b="1" dirty="0">
+                <a:solidFill>
+                  <a:srgbClr val="222222"/>
+                </a:solidFill>
+                <a:latin typeface="arial" panose="020B0604020202020204" pitchFamily="34" charset="0"/>
+              </a:rPr>
+              <a:t>Moderator</a:t>
+            </a:r>
+            <a:r>
+              <a:rPr lang="en-US" sz="2400" dirty="0">
+                <a:solidFill>
+                  <a:srgbClr val="222222"/>
+                </a:solidFill>
+                <a:latin typeface="arial" panose="020B0604020202020204" pitchFamily="34" charset="0"/>
+              </a:rPr>
+              <a:t>:</a:t>
+            </a:r>
+          </a:p>
+          <a:p>
+            <a:endParaRPr lang="en-US" sz="2400" dirty="0">
+              <a:solidFill>
+                <a:srgbClr val="222222"/>
+              </a:solidFill>
+              <a:latin typeface="arial" panose="020B0604020202020204" pitchFamily="34" charset="0"/>
+            </a:endParaRPr>
+          </a:p>
+          <a:p>
+            <a:pPr>
+              <a:buFont typeface="+mj-lt"/>
+              <a:buAutoNum type="arabicPeriod"/>
+            </a:pPr>
+            <a:r>
+              <a:rPr lang="en-US" sz="2400" dirty="0">
+                <a:solidFill>
+                  <a:srgbClr val="222222"/>
+                </a:solidFill>
+                <a:latin typeface="arial" panose="020B0604020202020204" pitchFamily="34" charset="0"/>
+              </a:rPr>
+              <a:t>Navigate to video conference </a:t>
+            </a:r>
+            <a:r>
+              <a:rPr lang="en-US" sz="2400" dirty="0" smtClean="0">
+                <a:solidFill>
+                  <a:srgbClr val="222222"/>
+                </a:solidFill>
+                <a:latin typeface="arial" panose="020B0604020202020204" pitchFamily="34" charset="0"/>
+              </a:rPr>
+              <a:t>room</a:t>
+            </a:r>
+          </a:p>
+          <a:p>
+            <a:pPr>
+              <a:buFont typeface="+mj-lt"/>
+              <a:buAutoNum type="arabicPeriod"/>
+            </a:pPr>
+            <a:endParaRPr lang="en-US" sz="2400" dirty="0">
+              <a:solidFill>
+                <a:srgbClr val="222222"/>
+              </a:solidFill>
+              <a:latin typeface="arial" panose="020B0604020202020204" pitchFamily="34" charset="0"/>
+            </a:endParaRPr>
+          </a:p>
+          <a:p>
+            <a:pPr>
+              <a:buFont typeface="+mj-lt"/>
+              <a:buAutoNum type="arabicPeriod"/>
+            </a:pPr>
+            <a:r>
+              <a:rPr lang="en-US" sz="2400" dirty="0">
+                <a:solidFill>
+                  <a:srgbClr val="222222"/>
+                </a:solidFill>
+                <a:latin typeface="arial" panose="020B0604020202020204" pitchFamily="34" charset="0"/>
+              </a:rPr>
+              <a:t>Click open </a:t>
+            </a:r>
+            <a:r>
+              <a:rPr lang="en-US" sz="2400" dirty="0" smtClean="0">
+                <a:solidFill>
+                  <a:srgbClr val="222222"/>
+                </a:solidFill>
+                <a:latin typeface="arial" panose="020B0604020202020204" pitchFamily="34" charset="0"/>
+              </a:rPr>
+              <a:t>button</a:t>
+            </a:r>
+          </a:p>
+          <a:p>
+            <a:pPr>
+              <a:buFont typeface="+mj-lt"/>
+              <a:buAutoNum type="arabicPeriod"/>
+            </a:pPr>
+            <a:endParaRPr lang="en-US" sz="2400" dirty="0">
+              <a:solidFill>
+                <a:srgbClr val="222222"/>
+              </a:solidFill>
+              <a:latin typeface="arial" panose="020B0604020202020204" pitchFamily="34" charset="0"/>
+            </a:endParaRPr>
+          </a:p>
+          <a:p>
+            <a:pPr>
+              <a:buFont typeface="+mj-lt"/>
+              <a:buAutoNum type="arabicPeriod"/>
+            </a:pPr>
+            <a:r>
+              <a:rPr lang="en-US" sz="2400" dirty="0">
+                <a:solidFill>
+                  <a:srgbClr val="222222"/>
+                </a:solidFill>
+                <a:latin typeface="arial" panose="020B0604020202020204" pitchFamily="34" charset="0"/>
+              </a:rPr>
+              <a:t>Share resources (webcam, </a:t>
+            </a:r>
+            <a:r>
+              <a:rPr lang="en-US" sz="2400" dirty="0" smtClean="0">
+                <a:solidFill>
+                  <a:srgbClr val="222222"/>
+                </a:solidFill>
+                <a:latin typeface="arial" panose="020B0604020202020204" pitchFamily="34" charset="0"/>
+              </a:rPr>
+              <a:t>microphone)</a:t>
+            </a:r>
+          </a:p>
+          <a:p>
+            <a:pPr>
+              <a:buFont typeface="+mj-lt"/>
+              <a:buAutoNum type="arabicPeriod"/>
+            </a:pPr>
+            <a:endParaRPr lang="en-US" sz="2400" dirty="0">
+              <a:solidFill>
+                <a:srgbClr val="222222"/>
+              </a:solidFill>
+              <a:latin typeface="arial" panose="020B0604020202020204" pitchFamily="34" charset="0"/>
+            </a:endParaRPr>
+          </a:p>
+          <a:p>
+            <a:pPr>
+              <a:buFont typeface="+mj-lt"/>
+              <a:buAutoNum type="arabicPeriod"/>
+            </a:pPr>
+            <a:r>
+              <a:rPr lang="en-US" sz="2400" dirty="0">
+                <a:solidFill>
+                  <a:srgbClr val="222222"/>
+                </a:solidFill>
+                <a:latin typeface="arial" panose="020B0604020202020204" pitchFamily="34" charset="0"/>
+              </a:rPr>
+              <a:t>Conference </a:t>
+            </a:r>
+            <a:r>
+              <a:rPr lang="en-US" sz="2400" dirty="0" smtClean="0">
+                <a:solidFill>
+                  <a:srgbClr val="222222"/>
+                </a:solidFill>
+                <a:latin typeface="arial" panose="020B0604020202020204" pitchFamily="34" charset="0"/>
+              </a:rPr>
+              <a:t>starts</a:t>
+            </a:r>
+          </a:p>
+          <a:p>
+            <a:pPr>
+              <a:buFont typeface="+mj-lt"/>
+              <a:buAutoNum type="arabicPeriod"/>
+            </a:pPr>
+            <a:endParaRPr lang="en-US" sz="2400" dirty="0">
+              <a:solidFill>
+                <a:srgbClr val="222222"/>
+              </a:solidFill>
+              <a:latin typeface="arial" panose="020B0604020202020204" pitchFamily="34" charset="0"/>
+            </a:endParaRPr>
+          </a:p>
+          <a:p>
+            <a:pPr>
+              <a:buFont typeface="+mj-lt"/>
+              <a:buAutoNum type="arabicPeriod"/>
+            </a:pPr>
+            <a:r>
+              <a:rPr lang="en-US" sz="2400" dirty="0">
+                <a:solidFill>
+                  <a:srgbClr val="222222"/>
+                </a:solidFill>
+                <a:latin typeface="arial" panose="020B0604020202020204" pitchFamily="34" charset="0"/>
+              </a:rPr>
+              <a:t>Receive invitees connections</a:t>
+            </a:r>
+            <a:endParaRPr lang="en-US" sz="2400" dirty="0">
+              <a:solidFill>
+                <a:srgbClr val="222222"/>
+              </a:solidFill>
+              <a:latin typeface="arial" panose="020B0604020202020204" pitchFamily="34" charset="0"/>
+            </a:endParaRPr>
+          </a:p>
+        </p:txBody>
+      </p:sp>
+    </p:spTree>
+    <p:extLst>
+      <p:ext uri="{BB962C8B-B14F-4D97-AF65-F5344CB8AC3E}">
+        <p14:creationId xmlns:p14="http://schemas.microsoft.com/office/powerpoint/2010/main" val="1076390614"/>
+      </p:ext>
+    </p:extLst>
+  </p:cSld>
+  <p:clrMapOvr>
+    <a:masterClrMapping/>
+  </p:clrMapOvr>
+  <p:timing>
+    <p:tnLst>
+      <p:par>
+        <p:cTn id="1" dur="indefinite" restart="never" nodeType="tmRoot"/>
+      </p:par>
+    </p:tnLst>
+  </p:timing>
+</p:sld>
+</file>
+
+<file path=ppt/slides/slide21.xml><?xml version="1.0" encoding="utf-8"?>
+<p:sld xmlns:a="http://schemas.openxmlformats.org/drawingml/2006/main" xmlns:r="http://schemas.openxmlformats.org/officeDocument/2006/relationships" xmlns:p="http://schemas.openxmlformats.org/presentationml/2006/main">
+  <p:cSld>
+    <p:spTree>
+      <p:nvGrpSpPr>
+        <p:cNvPr id="1" name=""/>
+        <p:cNvGrpSpPr/>
+        <p:nvPr/>
+      </p:nvGrpSpPr>
+      <p:grpSpPr>
+        <a:xfrm>
+          <a:off x="0" y="0"/>
+          <a:ext cx="0" cy="0"/>
+          <a:chOff x="0" y="0"/>
+          <a:chExt cx="0" cy="0"/>
+        </a:xfrm>
+      </p:grpSpPr>
+      <p:sp>
+        <p:nvSpPr>
+          <p:cNvPr id="3" name="TextBox 2"/>
+          <p:cNvSpPr txBox="1"/>
+          <p:nvPr/>
+        </p:nvSpPr>
+        <p:spPr>
+          <a:xfrm>
+            <a:off x="4527817" y="0"/>
+            <a:ext cx="3089051" cy="923330"/>
+          </a:xfrm>
+          <a:prstGeom prst="rect">
+            <a:avLst/>
+          </a:prstGeom>
+          <a:noFill/>
+        </p:spPr>
+        <p:txBody>
+          <a:bodyPr wrap="none" rtlCol="0">
+            <a:spAutoFit/>
+          </a:bodyPr>
+          <a:lstStyle/>
+          <a:p>
+            <a:pPr algn="ctr"/>
+            <a:r>
+              <a:rPr lang="en-US" sz="5400" b="1" dirty="0" smtClean="0"/>
+              <a:t>Test Cases</a:t>
+            </a:r>
+            <a:endParaRPr lang="en-US" sz="5400" b="1" dirty="0"/>
+          </a:p>
+        </p:txBody>
+      </p:sp>
+      <p:graphicFrame>
+        <p:nvGraphicFramePr>
+          <p:cNvPr id="2" name="Table 1"/>
+          <p:cNvGraphicFramePr>
+            <a:graphicFrameLocks noGrp="1"/>
+          </p:cNvGraphicFramePr>
+          <p:nvPr>
+            <p:extLst>
+              <p:ext uri="{D42A27DB-BD31-4B8C-83A1-F6EECF244321}">
+                <p14:modId xmlns:p14="http://schemas.microsoft.com/office/powerpoint/2010/main" val="2585904287"/>
+              </p:ext>
+            </p:extLst>
+          </p:nvPr>
+        </p:nvGraphicFramePr>
+        <p:xfrm>
+          <a:off x="6032311" y="1405719"/>
+          <a:ext cx="5854889" cy="5267976"/>
+        </p:xfrm>
+        <a:graphic>
+          <a:graphicData uri="http://schemas.openxmlformats.org/drawingml/2006/table">
+            <a:tbl>
+              <a:tblPr firstRow="1" firstCol="1" bandRow="1">
+                <a:tableStyleId>{21E4AEA4-8DFA-4A89-87EB-49C32662AFE0}</a:tableStyleId>
+              </a:tblPr>
+              <a:tblGrid>
+                <a:gridCol w="1241946"/>
+                <a:gridCol w="4612943"/>
+              </a:tblGrid>
+              <a:tr h="641445">
+                <a:tc>
+                  <a:txBody>
+                    <a:bodyPr/>
+                    <a:lstStyle/>
+                    <a:p>
+                      <a:pPr marL="0" marR="0" algn="l">
+                        <a:lnSpc>
+                          <a:spcPct val="150000"/>
+                        </a:lnSpc>
+                        <a:spcBef>
+                          <a:spcPts val="0"/>
+                        </a:spcBef>
+                        <a:spcAft>
+                          <a:spcPts val="0"/>
+                        </a:spcAft>
+                      </a:pPr>
+                      <a:r>
+                        <a:rPr lang="en-US" sz="1600" dirty="0">
+                          <a:effectLst/>
+                        </a:rPr>
+                        <a:t>Test Case ID</a:t>
+                      </a:r>
+                      <a:endParaRPr lang="en-US" sz="1600" dirty="0">
+                        <a:effectLst/>
+                        <a:latin typeface="Cambria" panose="02040503050406030204" pitchFamily="18" charset="0"/>
+                        <a:ea typeface="MS Mincho" panose="02020609040205080304" pitchFamily="49" charset="-128"/>
+                        <a:cs typeface="Times New Roman" panose="02020603050405020304" pitchFamily="18" charset="0"/>
+                      </a:endParaRPr>
+                    </a:p>
+                  </a:txBody>
+                  <a:tcPr marL="68580" marR="68580" marT="0" marB="0" anchor="b"/>
+                </a:tc>
+                <a:tc>
+                  <a:txBody>
+                    <a:bodyPr/>
+                    <a:lstStyle/>
+                    <a:p>
+                      <a:pPr marL="0" marR="0" algn="l">
+                        <a:lnSpc>
+                          <a:spcPct val="150000"/>
+                        </a:lnSpc>
+                        <a:spcBef>
+                          <a:spcPts val="0"/>
+                        </a:spcBef>
+                        <a:spcAft>
+                          <a:spcPts val="0"/>
+                        </a:spcAft>
+                      </a:pPr>
+                      <a:r>
+                        <a:rPr lang="en-US" sz="1600" dirty="0">
+                          <a:effectLst/>
+                        </a:rPr>
+                        <a:t>TS009 Video conference invitation to wrong email</a:t>
+                      </a:r>
+                      <a:endParaRPr lang="en-US" sz="1600" dirty="0">
+                        <a:effectLst/>
+                        <a:latin typeface="Cambria" panose="02040503050406030204" pitchFamily="18" charset="0"/>
+                        <a:ea typeface="MS Mincho" panose="02020609040205080304" pitchFamily="49" charset="-128"/>
+                        <a:cs typeface="Times New Roman" panose="02020603050405020304" pitchFamily="18" charset="0"/>
+                      </a:endParaRPr>
+                    </a:p>
+                  </a:txBody>
+                  <a:tcPr marL="68580" marR="68580" marT="0" marB="0" anchor="b"/>
+                </a:tc>
+              </a:tr>
+              <a:tr h="842862">
+                <a:tc>
+                  <a:txBody>
+                    <a:bodyPr/>
+                    <a:lstStyle/>
+                    <a:p>
+                      <a:pPr marL="0" marR="0" algn="l">
+                        <a:lnSpc>
+                          <a:spcPct val="150000"/>
+                        </a:lnSpc>
+                        <a:spcBef>
+                          <a:spcPts val="0"/>
+                        </a:spcBef>
+                        <a:spcAft>
+                          <a:spcPts val="0"/>
+                        </a:spcAft>
+                      </a:pPr>
+                      <a:r>
+                        <a:rPr lang="en-US" sz="1600">
+                          <a:effectLst/>
+                        </a:rPr>
+                        <a:t>Purpose</a:t>
+                      </a:r>
+                      <a:endParaRPr lang="en-US" sz="1600">
+                        <a:effectLst/>
+                        <a:latin typeface="Cambria" panose="02040503050406030204" pitchFamily="18" charset="0"/>
+                        <a:ea typeface="MS Mincho" panose="02020609040205080304" pitchFamily="49" charset="-128"/>
+                        <a:cs typeface="Times New Roman" panose="02020603050405020304" pitchFamily="18" charset="0"/>
+                      </a:endParaRPr>
+                    </a:p>
+                  </a:txBody>
+                  <a:tcPr marL="68580" marR="68580" marT="0" marB="0" anchor="b"/>
+                </a:tc>
+                <a:tc>
+                  <a:txBody>
+                    <a:bodyPr/>
+                    <a:lstStyle/>
+                    <a:p>
+                      <a:pPr marL="0" marR="0" algn="l">
+                        <a:lnSpc>
+                          <a:spcPct val="150000"/>
+                        </a:lnSpc>
+                        <a:spcBef>
+                          <a:spcPts val="0"/>
+                        </a:spcBef>
+                        <a:spcAft>
+                          <a:spcPts val="0"/>
+                        </a:spcAft>
+                      </a:pPr>
+                      <a:r>
+                        <a:rPr lang="en-US" sz="1600">
+                          <a:effectLst/>
+                        </a:rPr>
+                        <a:t>Test that an invitation cannot be sent to an email that does not exist on the system. </a:t>
+                      </a:r>
+                      <a:endParaRPr lang="en-US" sz="1600">
+                        <a:effectLst/>
+                        <a:latin typeface="Cambria" panose="02040503050406030204" pitchFamily="18" charset="0"/>
+                        <a:ea typeface="MS Mincho" panose="02020609040205080304" pitchFamily="49" charset="-128"/>
+                        <a:cs typeface="Times New Roman" panose="02020603050405020304" pitchFamily="18" charset="0"/>
+                      </a:endParaRPr>
+                    </a:p>
+                  </a:txBody>
+                  <a:tcPr marL="68580" marR="68580" marT="0" marB="0" anchor="b"/>
+                </a:tc>
+              </a:tr>
+              <a:tr h="842862">
+                <a:tc>
+                  <a:txBody>
+                    <a:bodyPr/>
+                    <a:lstStyle/>
+                    <a:p>
+                      <a:pPr marL="0" marR="0" algn="l">
+                        <a:lnSpc>
+                          <a:spcPct val="150000"/>
+                        </a:lnSpc>
+                        <a:spcBef>
+                          <a:spcPts val="0"/>
+                        </a:spcBef>
+                        <a:spcAft>
+                          <a:spcPts val="0"/>
+                        </a:spcAft>
+                      </a:pPr>
+                      <a:r>
+                        <a:rPr lang="en-US" sz="1600">
+                          <a:effectLst/>
+                        </a:rPr>
+                        <a:t>Test Setup</a:t>
+                      </a:r>
+                      <a:endParaRPr lang="en-US" sz="1600">
+                        <a:effectLst/>
+                        <a:latin typeface="Cambria" panose="02040503050406030204" pitchFamily="18" charset="0"/>
+                        <a:ea typeface="MS Mincho" panose="02020609040205080304" pitchFamily="49" charset="-128"/>
+                        <a:cs typeface="Times New Roman" panose="02020603050405020304" pitchFamily="18" charset="0"/>
+                      </a:endParaRPr>
+                    </a:p>
+                  </a:txBody>
+                  <a:tcPr marL="68580" marR="68580" marT="0" marB="0" anchor="b"/>
+                </a:tc>
+                <a:tc>
+                  <a:txBody>
+                    <a:bodyPr/>
+                    <a:lstStyle/>
+                    <a:p>
+                      <a:pPr marL="0" marR="0" algn="l">
+                        <a:lnSpc>
+                          <a:spcPct val="150000"/>
+                        </a:lnSpc>
+                        <a:spcBef>
+                          <a:spcPts val="0"/>
+                        </a:spcBef>
+                        <a:spcAft>
+                          <a:spcPts val="0"/>
+                        </a:spcAft>
+                      </a:pPr>
+                      <a:r>
+                        <a:rPr lang="en-US" sz="1600" dirty="0">
+                          <a:effectLst/>
+                        </a:rPr>
+                        <a:t>The user should be authenticated and have navigated to the create video conference form.</a:t>
+                      </a:r>
+                      <a:endParaRPr lang="en-US" sz="1600" dirty="0">
+                        <a:effectLst/>
+                        <a:latin typeface="Cambria" panose="02040503050406030204" pitchFamily="18" charset="0"/>
+                        <a:ea typeface="MS Mincho" panose="02020609040205080304" pitchFamily="49" charset="-128"/>
+                        <a:cs typeface="Times New Roman" panose="02020603050405020304" pitchFamily="18" charset="0"/>
+                      </a:endParaRPr>
+                    </a:p>
+                  </a:txBody>
+                  <a:tcPr marL="68580" marR="68580" marT="0" marB="0" anchor="b"/>
+                </a:tc>
+              </a:tr>
+              <a:tr h="1288265">
+                <a:tc>
+                  <a:txBody>
+                    <a:bodyPr/>
+                    <a:lstStyle/>
+                    <a:p>
+                      <a:pPr marL="0" marR="0" algn="l">
+                        <a:lnSpc>
+                          <a:spcPct val="150000"/>
+                        </a:lnSpc>
+                        <a:spcBef>
+                          <a:spcPts val="0"/>
+                        </a:spcBef>
+                        <a:spcAft>
+                          <a:spcPts val="0"/>
+                        </a:spcAft>
+                      </a:pPr>
+                      <a:r>
+                        <a:rPr lang="en-US" sz="1600" dirty="0">
+                          <a:effectLst/>
+                        </a:rPr>
+                        <a:t>Input</a:t>
+                      </a:r>
+                      <a:endParaRPr lang="en-US" sz="1600" dirty="0">
+                        <a:effectLst/>
+                        <a:latin typeface="Cambria" panose="02040503050406030204" pitchFamily="18" charset="0"/>
+                        <a:ea typeface="MS Mincho" panose="02020609040205080304" pitchFamily="49" charset="-128"/>
+                        <a:cs typeface="Times New Roman" panose="02020603050405020304" pitchFamily="18" charset="0"/>
+                      </a:endParaRPr>
+                    </a:p>
+                  </a:txBody>
+                  <a:tcPr marL="68580" marR="68580" marT="0" marB="0" anchor="b"/>
+                </a:tc>
+                <a:tc>
+                  <a:txBody>
+                    <a:bodyPr/>
+                    <a:lstStyle/>
+                    <a:p>
+                      <a:pPr marL="0" marR="0" algn="l">
+                        <a:lnSpc>
+                          <a:spcPct val="150000"/>
+                        </a:lnSpc>
+                        <a:spcBef>
+                          <a:spcPts val="0"/>
+                        </a:spcBef>
+                        <a:spcAft>
+                          <a:spcPts val="0"/>
+                        </a:spcAft>
+                      </a:pPr>
+                      <a:r>
+                        <a:rPr lang="en-US" sz="1600" dirty="0">
+                          <a:effectLst/>
+                        </a:rPr>
+                        <a:t>The user selects the now option, enters the meetings   subject, notes and a wrong invitee email. These email address is not recognized by the system</a:t>
+                      </a:r>
+                      <a:endParaRPr lang="en-US" sz="1600" dirty="0">
+                        <a:effectLst/>
+                        <a:latin typeface="Cambria" panose="02040503050406030204" pitchFamily="18" charset="0"/>
+                        <a:ea typeface="MS Mincho" panose="02020609040205080304" pitchFamily="49" charset="-128"/>
+                        <a:cs typeface="Times New Roman" panose="02020603050405020304" pitchFamily="18" charset="0"/>
+                      </a:endParaRPr>
+                    </a:p>
+                  </a:txBody>
+                  <a:tcPr marL="68580" marR="68580" marT="0" marB="0" anchor="b"/>
+                </a:tc>
+              </a:tr>
+              <a:tr h="826271">
+                <a:tc>
+                  <a:txBody>
+                    <a:bodyPr/>
+                    <a:lstStyle/>
+                    <a:p>
+                      <a:pPr marL="0" marR="0" algn="l">
+                        <a:lnSpc>
+                          <a:spcPct val="150000"/>
+                        </a:lnSpc>
+                        <a:spcBef>
+                          <a:spcPts val="0"/>
+                        </a:spcBef>
+                        <a:spcAft>
+                          <a:spcPts val="0"/>
+                        </a:spcAft>
+                      </a:pPr>
+                      <a:r>
+                        <a:rPr lang="en-US" sz="1600">
+                          <a:effectLst/>
+                        </a:rPr>
+                        <a:t>Expected Output</a:t>
+                      </a:r>
+                      <a:endParaRPr lang="en-US" sz="1600">
+                        <a:effectLst/>
+                        <a:latin typeface="Cambria" panose="02040503050406030204" pitchFamily="18" charset="0"/>
+                        <a:ea typeface="MS Mincho" panose="02020609040205080304" pitchFamily="49" charset="-128"/>
+                        <a:cs typeface="Times New Roman" panose="02020603050405020304" pitchFamily="18" charset="0"/>
+                      </a:endParaRPr>
+                    </a:p>
+                  </a:txBody>
+                  <a:tcPr marL="68580" marR="68580" marT="0" marB="0" anchor="b"/>
+                </a:tc>
+                <a:tc>
+                  <a:txBody>
+                    <a:bodyPr/>
+                    <a:lstStyle/>
+                    <a:p>
+                      <a:pPr marL="0" marR="0" algn="l">
+                        <a:lnSpc>
+                          <a:spcPct val="150000"/>
+                        </a:lnSpc>
+                        <a:spcBef>
+                          <a:spcPts val="0"/>
+                        </a:spcBef>
+                        <a:spcAft>
+                          <a:spcPts val="0"/>
+                        </a:spcAft>
+                      </a:pPr>
+                      <a:r>
+                        <a:rPr lang="en-US" sz="1600">
+                          <a:effectLst/>
+                        </a:rPr>
+                        <a:t>&lt;wrong email&gt;  does not appear in our records &lt;br&gt;</a:t>
+                      </a:r>
+                      <a:endParaRPr lang="en-US" sz="1600">
+                        <a:effectLst/>
+                        <a:latin typeface="Cambria" panose="02040503050406030204" pitchFamily="18" charset="0"/>
+                        <a:ea typeface="MS Mincho" panose="02020609040205080304" pitchFamily="49" charset="-128"/>
+                        <a:cs typeface="Times New Roman" panose="02020603050405020304" pitchFamily="18" charset="0"/>
+                      </a:endParaRPr>
+                    </a:p>
+                  </a:txBody>
+                  <a:tcPr marL="68580" marR="68580" marT="0" marB="0" anchor="b"/>
+                </a:tc>
+              </a:tr>
+              <a:tr h="826271">
+                <a:tc>
+                  <a:txBody>
+                    <a:bodyPr/>
+                    <a:lstStyle/>
+                    <a:p>
+                      <a:pPr marL="0" marR="0" algn="l">
+                        <a:lnSpc>
+                          <a:spcPct val="150000"/>
+                        </a:lnSpc>
+                        <a:spcBef>
+                          <a:spcPts val="0"/>
+                        </a:spcBef>
+                        <a:spcAft>
+                          <a:spcPts val="0"/>
+                        </a:spcAft>
+                      </a:pPr>
+                      <a:r>
+                        <a:rPr lang="en-US" sz="1600" dirty="0">
+                          <a:effectLst/>
+                        </a:rPr>
+                        <a:t>Actual Output</a:t>
+                      </a:r>
+                      <a:endParaRPr lang="en-US" sz="1600" dirty="0">
+                        <a:effectLst/>
+                        <a:latin typeface="Cambria" panose="02040503050406030204" pitchFamily="18" charset="0"/>
+                        <a:ea typeface="MS Mincho" panose="02020609040205080304" pitchFamily="49" charset="-128"/>
+                        <a:cs typeface="Times New Roman" panose="02020603050405020304" pitchFamily="18" charset="0"/>
+                      </a:endParaRPr>
+                    </a:p>
+                  </a:txBody>
+                  <a:tcPr marL="68580" marR="68580" marT="0" marB="0" anchor="b"/>
+                </a:tc>
+                <a:tc>
+                  <a:txBody>
+                    <a:bodyPr/>
+                    <a:lstStyle/>
+                    <a:p>
+                      <a:pPr marL="0" marR="0" algn="l">
+                        <a:lnSpc>
+                          <a:spcPct val="150000"/>
+                        </a:lnSpc>
+                        <a:spcBef>
+                          <a:spcPts val="0"/>
+                        </a:spcBef>
+                        <a:spcAft>
+                          <a:spcPts val="0"/>
+                        </a:spcAft>
+                      </a:pPr>
+                      <a:r>
+                        <a:rPr lang="en-US" sz="1600" dirty="0">
+                          <a:effectLst/>
+                        </a:rPr>
+                        <a:t>&lt;wrong email&gt;  does not appear in our records &lt;</a:t>
+                      </a:r>
+                      <a:r>
+                        <a:rPr lang="en-US" sz="1600" dirty="0" err="1">
+                          <a:effectLst/>
+                        </a:rPr>
+                        <a:t>br</a:t>
+                      </a:r>
+                      <a:r>
+                        <a:rPr lang="en-US" sz="1600" dirty="0">
+                          <a:effectLst/>
+                        </a:rPr>
+                        <a:t>&gt;</a:t>
+                      </a:r>
+                      <a:endParaRPr lang="en-US" sz="1600" dirty="0">
+                        <a:effectLst/>
+                        <a:latin typeface="Cambria" panose="02040503050406030204" pitchFamily="18" charset="0"/>
+                        <a:ea typeface="MS Mincho" panose="02020609040205080304" pitchFamily="49" charset="-128"/>
+                        <a:cs typeface="Times New Roman" panose="02020603050405020304" pitchFamily="18" charset="0"/>
+                      </a:endParaRPr>
+                    </a:p>
+                  </a:txBody>
+                  <a:tcPr marL="68580" marR="68580" marT="0" marB="0" anchor="b"/>
+                </a:tc>
+              </a:tr>
+            </a:tbl>
+          </a:graphicData>
+        </a:graphic>
+      </p:graphicFrame>
+      <p:graphicFrame>
+        <p:nvGraphicFramePr>
+          <p:cNvPr id="4" name="Table 3"/>
+          <p:cNvGraphicFramePr>
+            <a:graphicFrameLocks noGrp="1"/>
+          </p:cNvGraphicFramePr>
+          <p:nvPr>
+            <p:extLst>
+              <p:ext uri="{D42A27DB-BD31-4B8C-83A1-F6EECF244321}">
+                <p14:modId xmlns:p14="http://schemas.microsoft.com/office/powerpoint/2010/main" val="168023410"/>
+              </p:ext>
+            </p:extLst>
+          </p:nvPr>
+        </p:nvGraphicFramePr>
+        <p:xfrm>
+          <a:off x="176283" y="1359771"/>
+          <a:ext cx="5664959" cy="5132427"/>
+        </p:xfrm>
+        <a:graphic>
+          <a:graphicData uri="http://schemas.openxmlformats.org/drawingml/2006/table">
+            <a:tbl>
+              <a:tblPr firstRow="1" firstCol="1" bandRow="1">
+                <a:tableStyleId>{5C22544A-7EE6-4342-B048-85BDC9FD1C3A}</a:tableStyleId>
+              </a:tblPr>
+              <a:tblGrid>
+                <a:gridCol w="1827797"/>
+                <a:gridCol w="3837162"/>
+              </a:tblGrid>
+              <a:tr h="627505">
+                <a:tc>
+                  <a:txBody>
+                    <a:bodyPr/>
+                    <a:lstStyle/>
+                    <a:p>
+                      <a:pPr marL="0" marR="0" algn="l">
+                        <a:lnSpc>
+                          <a:spcPct val="150000"/>
+                        </a:lnSpc>
+                        <a:spcBef>
+                          <a:spcPts val="0"/>
+                        </a:spcBef>
+                        <a:spcAft>
+                          <a:spcPts val="0"/>
+                        </a:spcAft>
+                      </a:pPr>
+                      <a:r>
+                        <a:rPr lang="en-US" sz="1600" dirty="0">
+                          <a:effectLst/>
+                        </a:rPr>
+                        <a:t>Test Case ID</a:t>
+                      </a:r>
+                      <a:endParaRPr lang="en-US" sz="1600" dirty="0">
+                        <a:effectLst/>
+                        <a:latin typeface="Cambria" panose="02040503050406030204" pitchFamily="18" charset="0"/>
+                        <a:ea typeface="MS Mincho" panose="02020609040205080304" pitchFamily="49" charset="-128"/>
+                        <a:cs typeface="Times New Roman" panose="02020603050405020304" pitchFamily="18" charset="0"/>
+                      </a:endParaRPr>
+                    </a:p>
+                  </a:txBody>
+                  <a:tcPr marL="68580" marR="68580" marT="0" marB="0" anchor="b"/>
+                </a:tc>
+                <a:tc>
+                  <a:txBody>
+                    <a:bodyPr/>
+                    <a:lstStyle/>
+                    <a:p>
+                      <a:pPr marL="0" marR="0" algn="l">
+                        <a:lnSpc>
+                          <a:spcPct val="150000"/>
+                        </a:lnSpc>
+                        <a:spcBef>
+                          <a:spcPts val="0"/>
+                        </a:spcBef>
+                        <a:spcAft>
+                          <a:spcPts val="0"/>
+                        </a:spcAft>
+                      </a:pPr>
+                      <a:r>
+                        <a:rPr lang="en-US" sz="1600" dirty="0">
+                          <a:effectLst/>
+                        </a:rPr>
+                        <a:t>TS011 Video conference scheduled ahead of time</a:t>
+                      </a:r>
+                      <a:endParaRPr lang="en-US" sz="1600" dirty="0">
+                        <a:effectLst/>
+                        <a:latin typeface="Cambria" panose="02040503050406030204" pitchFamily="18" charset="0"/>
+                        <a:ea typeface="MS Mincho" panose="02020609040205080304" pitchFamily="49" charset="-128"/>
+                        <a:cs typeface="Times New Roman" panose="02020603050405020304" pitchFamily="18" charset="0"/>
+                      </a:endParaRPr>
+                    </a:p>
+                  </a:txBody>
+                  <a:tcPr marL="68580" marR="68580" marT="0" marB="0" anchor="b"/>
+                </a:tc>
+              </a:tr>
+              <a:tr h="627505">
+                <a:tc>
+                  <a:txBody>
+                    <a:bodyPr/>
+                    <a:lstStyle/>
+                    <a:p>
+                      <a:pPr marL="0" marR="0" algn="l">
+                        <a:lnSpc>
+                          <a:spcPct val="150000"/>
+                        </a:lnSpc>
+                        <a:spcBef>
+                          <a:spcPts val="0"/>
+                        </a:spcBef>
+                        <a:spcAft>
+                          <a:spcPts val="0"/>
+                        </a:spcAft>
+                      </a:pPr>
+                      <a:r>
+                        <a:rPr lang="en-US" sz="1600">
+                          <a:effectLst/>
+                        </a:rPr>
+                        <a:t>Purpose</a:t>
+                      </a:r>
+                      <a:endParaRPr lang="en-US" sz="1600">
+                        <a:effectLst/>
+                        <a:latin typeface="Cambria" panose="02040503050406030204" pitchFamily="18" charset="0"/>
+                        <a:ea typeface="MS Mincho" panose="02020609040205080304" pitchFamily="49" charset="-128"/>
+                        <a:cs typeface="Times New Roman" panose="02020603050405020304" pitchFamily="18" charset="0"/>
+                      </a:endParaRPr>
+                    </a:p>
+                  </a:txBody>
+                  <a:tcPr marL="68580" marR="68580" marT="0" marB="0" anchor="b"/>
+                </a:tc>
+                <a:tc>
+                  <a:txBody>
+                    <a:bodyPr/>
+                    <a:lstStyle/>
+                    <a:p>
+                      <a:pPr marL="0" marR="0" algn="l">
+                        <a:lnSpc>
+                          <a:spcPct val="150000"/>
+                        </a:lnSpc>
+                        <a:spcBef>
+                          <a:spcPts val="0"/>
+                        </a:spcBef>
+                        <a:spcAft>
+                          <a:spcPts val="0"/>
+                        </a:spcAft>
+                      </a:pPr>
+                      <a:r>
+                        <a:rPr lang="en-US" sz="1600" dirty="0">
+                          <a:effectLst/>
+                        </a:rPr>
+                        <a:t>Test that video conference can be scheduled ahead of time.</a:t>
+                      </a:r>
+                      <a:endParaRPr lang="en-US" sz="1600" dirty="0">
+                        <a:effectLst/>
+                        <a:latin typeface="Cambria" panose="02040503050406030204" pitchFamily="18" charset="0"/>
+                        <a:ea typeface="MS Mincho" panose="02020609040205080304" pitchFamily="49" charset="-128"/>
+                        <a:cs typeface="Times New Roman" panose="02020603050405020304" pitchFamily="18" charset="0"/>
+                      </a:endParaRPr>
+                    </a:p>
+                  </a:txBody>
+                  <a:tcPr marL="68580" marR="68580" marT="0" marB="0" anchor="b"/>
+                </a:tc>
+              </a:tr>
+              <a:tr h="959135">
+                <a:tc>
+                  <a:txBody>
+                    <a:bodyPr/>
+                    <a:lstStyle/>
+                    <a:p>
+                      <a:pPr marL="0" marR="0" algn="l">
+                        <a:lnSpc>
+                          <a:spcPct val="150000"/>
+                        </a:lnSpc>
+                        <a:spcBef>
+                          <a:spcPts val="0"/>
+                        </a:spcBef>
+                        <a:spcAft>
+                          <a:spcPts val="0"/>
+                        </a:spcAft>
+                      </a:pPr>
+                      <a:r>
+                        <a:rPr lang="en-US" sz="1600">
+                          <a:effectLst/>
+                        </a:rPr>
+                        <a:t>Test Setup</a:t>
+                      </a:r>
+                      <a:endParaRPr lang="en-US" sz="1600">
+                        <a:effectLst/>
+                        <a:latin typeface="Cambria" panose="02040503050406030204" pitchFamily="18" charset="0"/>
+                        <a:ea typeface="MS Mincho" panose="02020609040205080304" pitchFamily="49" charset="-128"/>
+                        <a:cs typeface="Times New Roman" panose="02020603050405020304" pitchFamily="18" charset="0"/>
+                      </a:endParaRPr>
+                    </a:p>
+                  </a:txBody>
+                  <a:tcPr marL="68580" marR="68580" marT="0" marB="0" anchor="b"/>
+                </a:tc>
+                <a:tc>
+                  <a:txBody>
+                    <a:bodyPr/>
+                    <a:lstStyle/>
+                    <a:p>
+                      <a:pPr marL="0" marR="0" algn="l">
+                        <a:lnSpc>
+                          <a:spcPct val="150000"/>
+                        </a:lnSpc>
+                        <a:spcBef>
+                          <a:spcPts val="0"/>
+                        </a:spcBef>
+                        <a:spcAft>
+                          <a:spcPts val="0"/>
+                        </a:spcAft>
+                      </a:pPr>
+                      <a:r>
+                        <a:rPr lang="en-US" sz="1600">
+                          <a:effectLst/>
+                        </a:rPr>
+                        <a:t>The user should be authenticated and have navigated to the create video conference form.</a:t>
+                      </a:r>
+                      <a:endParaRPr lang="en-US" sz="1600">
+                        <a:effectLst/>
+                        <a:latin typeface="Cambria" panose="02040503050406030204" pitchFamily="18" charset="0"/>
+                        <a:ea typeface="MS Mincho" panose="02020609040205080304" pitchFamily="49" charset="-128"/>
+                        <a:cs typeface="Times New Roman" panose="02020603050405020304" pitchFamily="18" charset="0"/>
+                      </a:endParaRPr>
+                    </a:p>
+                  </a:txBody>
+                  <a:tcPr marL="68580" marR="68580" marT="0" marB="0" anchor="b"/>
+                </a:tc>
+              </a:tr>
+              <a:tr h="1793604">
+                <a:tc>
+                  <a:txBody>
+                    <a:bodyPr/>
+                    <a:lstStyle/>
+                    <a:p>
+                      <a:pPr marL="0" marR="0" algn="l">
+                        <a:lnSpc>
+                          <a:spcPct val="150000"/>
+                        </a:lnSpc>
+                        <a:spcBef>
+                          <a:spcPts val="0"/>
+                        </a:spcBef>
+                        <a:spcAft>
+                          <a:spcPts val="0"/>
+                        </a:spcAft>
+                      </a:pPr>
+                      <a:r>
+                        <a:rPr lang="en-US" sz="1600">
+                          <a:effectLst/>
+                        </a:rPr>
+                        <a:t>Input</a:t>
+                      </a:r>
+                      <a:endParaRPr lang="en-US" sz="1600">
+                        <a:effectLst/>
+                        <a:latin typeface="Cambria" panose="02040503050406030204" pitchFamily="18" charset="0"/>
+                        <a:ea typeface="MS Mincho" panose="02020609040205080304" pitchFamily="49" charset="-128"/>
+                        <a:cs typeface="Times New Roman" panose="02020603050405020304" pitchFamily="18" charset="0"/>
+                      </a:endParaRPr>
+                    </a:p>
+                  </a:txBody>
+                  <a:tcPr marL="68580" marR="68580" marT="0" marB="0" anchor="b"/>
+                </a:tc>
+                <a:tc>
+                  <a:txBody>
+                    <a:bodyPr/>
+                    <a:lstStyle/>
+                    <a:p>
+                      <a:pPr marL="0" marR="0" algn="l">
+                        <a:lnSpc>
+                          <a:spcPct val="150000"/>
+                        </a:lnSpc>
+                        <a:spcBef>
+                          <a:spcPts val="0"/>
+                        </a:spcBef>
+                        <a:spcAft>
+                          <a:spcPts val="0"/>
+                        </a:spcAft>
+                      </a:pPr>
+                      <a:r>
+                        <a:rPr lang="en-US" sz="1600" dirty="0">
+                          <a:effectLst/>
+                        </a:rPr>
+                        <a:t>The user selects the later option, enters the meetings   subject, date, time, notes and correct several invitee emails. These emails addresses should already exist on the system.</a:t>
+                      </a:r>
+                      <a:endParaRPr lang="en-US" sz="1600" dirty="0">
+                        <a:effectLst/>
+                        <a:latin typeface="Cambria" panose="02040503050406030204" pitchFamily="18" charset="0"/>
+                        <a:ea typeface="MS Mincho" panose="02020609040205080304" pitchFamily="49" charset="-128"/>
+                        <a:cs typeface="Times New Roman" panose="02020603050405020304" pitchFamily="18" charset="0"/>
+                      </a:endParaRPr>
+                    </a:p>
+                  </a:txBody>
+                  <a:tcPr marL="68580" marR="68580" marT="0" marB="0" anchor="b"/>
+                </a:tc>
+              </a:tr>
+              <a:tr h="448401">
+                <a:tc>
+                  <a:txBody>
+                    <a:bodyPr/>
+                    <a:lstStyle/>
+                    <a:p>
+                      <a:pPr marL="0" marR="0" algn="l">
+                        <a:lnSpc>
+                          <a:spcPct val="150000"/>
+                        </a:lnSpc>
+                        <a:spcBef>
+                          <a:spcPts val="0"/>
+                        </a:spcBef>
+                        <a:spcAft>
+                          <a:spcPts val="0"/>
+                        </a:spcAft>
+                      </a:pPr>
+                      <a:r>
+                        <a:rPr lang="en-US" sz="1600">
+                          <a:effectLst/>
+                        </a:rPr>
+                        <a:t>Expected Output</a:t>
+                      </a:r>
+                      <a:endParaRPr lang="en-US" sz="1600">
+                        <a:effectLst/>
+                        <a:latin typeface="Cambria" panose="02040503050406030204" pitchFamily="18" charset="0"/>
+                        <a:ea typeface="MS Mincho" panose="02020609040205080304" pitchFamily="49" charset="-128"/>
+                        <a:cs typeface="Times New Roman" panose="02020603050405020304" pitchFamily="18" charset="0"/>
+                      </a:endParaRPr>
+                    </a:p>
+                  </a:txBody>
+                  <a:tcPr marL="68580" marR="68580" marT="0" marB="0" anchor="b"/>
+                </a:tc>
+                <a:tc>
+                  <a:txBody>
+                    <a:bodyPr/>
+                    <a:lstStyle/>
+                    <a:p>
+                      <a:pPr marL="0" marR="0" algn="l">
+                        <a:lnSpc>
+                          <a:spcPct val="150000"/>
+                        </a:lnSpc>
+                        <a:spcBef>
+                          <a:spcPts val="0"/>
+                        </a:spcBef>
+                        <a:spcAft>
+                          <a:spcPts val="0"/>
+                        </a:spcAft>
+                      </a:pPr>
+                      <a:r>
+                        <a:rPr lang="en-US" sz="1600">
+                          <a:effectLst/>
+                        </a:rPr>
+                        <a:t>The invitations have been successfully sent.</a:t>
+                      </a:r>
+                      <a:endParaRPr lang="en-US" sz="1600">
+                        <a:effectLst/>
+                        <a:latin typeface="Cambria" panose="02040503050406030204" pitchFamily="18" charset="0"/>
+                        <a:ea typeface="MS Mincho" panose="02020609040205080304" pitchFamily="49" charset="-128"/>
+                        <a:cs typeface="Times New Roman" panose="02020603050405020304" pitchFamily="18" charset="0"/>
+                      </a:endParaRPr>
+                    </a:p>
+                  </a:txBody>
+                  <a:tcPr marL="68580" marR="68580" marT="0" marB="0" anchor="b"/>
+                </a:tc>
+              </a:tr>
+              <a:tr h="448401">
+                <a:tc>
+                  <a:txBody>
+                    <a:bodyPr/>
+                    <a:lstStyle/>
+                    <a:p>
+                      <a:pPr marL="0" marR="0" algn="l">
+                        <a:lnSpc>
+                          <a:spcPct val="150000"/>
+                        </a:lnSpc>
+                        <a:spcBef>
+                          <a:spcPts val="0"/>
+                        </a:spcBef>
+                        <a:spcAft>
+                          <a:spcPts val="0"/>
+                        </a:spcAft>
+                      </a:pPr>
+                      <a:r>
+                        <a:rPr lang="en-US" sz="1600">
+                          <a:effectLst/>
+                        </a:rPr>
+                        <a:t>Actual Output</a:t>
+                      </a:r>
+                      <a:endParaRPr lang="en-US" sz="1600">
+                        <a:effectLst/>
+                        <a:latin typeface="Cambria" panose="02040503050406030204" pitchFamily="18" charset="0"/>
+                        <a:ea typeface="MS Mincho" panose="02020609040205080304" pitchFamily="49" charset="-128"/>
+                        <a:cs typeface="Times New Roman" panose="02020603050405020304" pitchFamily="18" charset="0"/>
+                      </a:endParaRPr>
+                    </a:p>
+                  </a:txBody>
+                  <a:tcPr marL="68580" marR="68580" marT="0" marB="0" anchor="b"/>
+                </a:tc>
+                <a:tc>
+                  <a:txBody>
+                    <a:bodyPr/>
+                    <a:lstStyle/>
+                    <a:p>
+                      <a:pPr marL="0" marR="0" algn="l">
+                        <a:lnSpc>
+                          <a:spcPct val="150000"/>
+                        </a:lnSpc>
+                        <a:spcBef>
+                          <a:spcPts val="0"/>
+                        </a:spcBef>
+                        <a:spcAft>
+                          <a:spcPts val="0"/>
+                        </a:spcAft>
+                      </a:pPr>
+                      <a:r>
+                        <a:rPr lang="en-US" sz="1600" dirty="0">
+                          <a:effectLst/>
+                        </a:rPr>
+                        <a:t>The invitations have been successfully sent.</a:t>
+                      </a:r>
+                      <a:endParaRPr lang="en-US" sz="1600" dirty="0">
+                        <a:effectLst/>
+                        <a:latin typeface="Cambria" panose="02040503050406030204" pitchFamily="18" charset="0"/>
+                        <a:ea typeface="MS Mincho" panose="02020609040205080304" pitchFamily="49" charset="-128"/>
+                        <a:cs typeface="Times New Roman" panose="02020603050405020304" pitchFamily="18" charset="0"/>
+                      </a:endParaRPr>
+                    </a:p>
+                  </a:txBody>
+                  <a:tcPr marL="68580" marR="68580" marT="0" marB="0" anchor="b"/>
+                </a:tc>
+              </a:tr>
+            </a:tbl>
+          </a:graphicData>
+        </a:graphic>
+      </p:graphicFrame>
+    </p:spTree>
+    <p:extLst>
+      <p:ext uri="{BB962C8B-B14F-4D97-AF65-F5344CB8AC3E}">
+        <p14:creationId xmlns:p14="http://schemas.microsoft.com/office/powerpoint/2010/main" val="1159887453"/>
+      </p:ext>
+    </p:extLst>
+  </p:cSld>
+  <p:clrMapOvr>
+    <a:masterClrMapping/>
+  </p:clrMapOvr>
+  <p:timing>
+    <p:tnLst>
+      <p:par>
+        <p:cTn id="1" dur="indefinite" restart="never" nodeType="tmRoot"/>
+      </p:par>
+    </p:tnLst>
+  </p:timing>
+</p:sld>
+</file>
+
+<file path=ppt/slides/slide22.xml><?xml version="1.0" encoding="utf-8"?>
+<p:sld xmlns:a="http://schemas.openxmlformats.org/drawingml/2006/main" xmlns:r="http://schemas.openxmlformats.org/officeDocument/2006/relationships" xmlns:p="http://schemas.openxmlformats.org/presentationml/2006/main">
+  <p:cSld>
+    <p:spTree>
+      <p:nvGrpSpPr>
+        <p:cNvPr id="1" name=""/>
+        <p:cNvGrpSpPr/>
+        <p:nvPr/>
+      </p:nvGrpSpPr>
+      <p:grpSpPr>
+        <a:xfrm>
+          <a:off x="0" y="0"/>
+          <a:ext cx="0" cy="0"/>
+          <a:chOff x="0" y="0"/>
+          <a:chExt cx="0" cy="0"/>
+        </a:xfrm>
+      </p:grpSpPr>
+      <p:sp>
+        <p:nvSpPr>
+          <p:cNvPr id="3" name="TextBox 2"/>
+          <p:cNvSpPr txBox="1"/>
+          <p:nvPr/>
+        </p:nvSpPr>
+        <p:spPr>
+          <a:xfrm>
+            <a:off x="4527817" y="0"/>
+            <a:ext cx="3089051" cy="923330"/>
+          </a:xfrm>
+          <a:prstGeom prst="rect">
+            <a:avLst/>
+          </a:prstGeom>
+          <a:noFill/>
+        </p:spPr>
+        <p:txBody>
+          <a:bodyPr wrap="none" rtlCol="0">
+            <a:spAutoFit/>
+          </a:bodyPr>
+          <a:lstStyle/>
+          <a:p>
+            <a:pPr algn="ctr"/>
+            <a:r>
+              <a:rPr lang="en-US" sz="5400" b="1" dirty="0" smtClean="0"/>
+              <a:t>Test Cases</a:t>
+            </a:r>
+            <a:endParaRPr lang="en-US" sz="5400" b="1" dirty="0"/>
+          </a:p>
+        </p:txBody>
+      </p:sp>
+      <p:graphicFrame>
+        <p:nvGraphicFramePr>
+          <p:cNvPr id="2" name="Table 1"/>
+          <p:cNvGraphicFramePr>
+            <a:graphicFrameLocks noGrp="1"/>
+          </p:cNvGraphicFramePr>
+          <p:nvPr>
+            <p:extLst>
+              <p:ext uri="{D42A27DB-BD31-4B8C-83A1-F6EECF244321}">
+                <p14:modId xmlns:p14="http://schemas.microsoft.com/office/powerpoint/2010/main" val="2105359039"/>
+              </p:ext>
+            </p:extLst>
+          </p:nvPr>
+        </p:nvGraphicFramePr>
+        <p:xfrm>
+          <a:off x="340057" y="923329"/>
+          <a:ext cx="5815084" cy="5313698"/>
+        </p:xfrm>
+        <a:graphic>
+          <a:graphicData uri="http://schemas.openxmlformats.org/drawingml/2006/table">
+            <a:tbl>
+              <a:tblPr firstRow="1" bandRow="1" bandCol="1">
+                <a:tableStyleId>{5C22544A-7EE6-4342-B048-85BDC9FD1C3A}</a:tableStyleId>
+              </a:tblPr>
+              <a:tblGrid>
+                <a:gridCol w="1365913"/>
+                <a:gridCol w="4449171"/>
+              </a:tblGrid>
+              <a:tr h="594773">
+                <a:tc>
+                  <a:txBody>
+                    <a:bodyPr/>
+                    <a:lstStyle/>
+                    <a:p>
+                      <a:pPr marL="0" marR="0">
+                        <a:lnSpc>
+                          <a:spcPct val="150000"/>
+                        </a:lnSpc>
+                        <a:spcBef>
+                          <a:spcPts val="0"/>
+                        </a:spcBef>
+                        <a:spcAft>
+                          <a:spcPts val="1000"/>
+                        </a:spcAft>
+                      </a:pPr>
+                      <a:r>
+                        <a:rPr lang="en-US" sz="1600" dirty="0">
+                          <a:effectLst/>
+                        </a:rPr>
+                        <a:t>Test Case ID</a:t>
+                      </a:r>
+                      <a:endParaRPr lang="en-US" sz="1600" dirty="0">
+                        <a:solidFill>
+                          <a:srgbClr val="000000"/>
+                        </a:solidFill>
+                        <a:effectLst/>
+                        <a:latin typeface="Calibri" panose="020F0502020204030204" pitchFamily="34" charset="0"/>
+                        <a:ea typeface="Calibri" panose="020F0502020204030204" pitchFamily="34" charset="0"/>
+                        <a:cs typeface="Calibri" panose="020F0502020204030204" pitchFamily="34" charset="0"/>
+                      </a:endParaRPr>
+                    </a:p>
+                  </a:txBody>
+                  <a:tcPr marL="68580" marR="68580" marT="0" marB="0"/>
+                </a:tc>
+                <a:tc>
+                  <a:txBody>
+                    <a:bodyPr/>
+                    <a:lstStyle/>
+                    <a:p>
+                      <a:pPr marL="0" marR="0">
+                        <a:lnSpc>
+                          <a:spcPct val="150000"/>
+                        </a:lnSpc>
+                        <a:spcBef>
+                          <a:spcPts val="0"/>
+                        </a:spcBef>
+                        <a:spcAft>
+                          <a:spcPts val="1000"/>
+                        </a:spcAft>
+                      </a:pPr>
+                      <a:r>
+                        <a:rPr lang="en-US" sz="1600" dirty="0">
+                          <a:effectLst/>
+                        </a:rPr>
+                        <a:t>CPv5-TC08</a:t>
+                      </a:r>
+                      <a:endParaRPr lang="en-US" sz="1600" dirty="0">
+                        <a:solidFill>
+                          <a:srgbClr val="000000"/>
+                        </a:solidFill>
+                        <a:effectLst/>
+                        <a:latin typeface="Calibri" panose="020F0502020204030204" pitchFamily="34" charset="0"/>
+                        <a:ea typeface="Calibri" panose="020F0502020204030204" pitchFamily="34" charset="0"/>
+                        <a:cs typeface="Calibri" panose="020F0502020204030204" pitchFamily="34" charset="0"/>
+                      </a:endParaRPr>
+                    </a:p>
+                  </a:txBody>
+                  <a:tcPr marL="68580" marR="68580" marT="0" marB="0"/>
+                </a:tc>
+              </a:tr>
+              <a:tr h="804382">
+                <a:tc>
+                  <a:txBody>
+                    <a:bodyPr/>
+                    <a:lstStyle/>
+                    <a:p>
+                      <a:pPr marL="0" marR="0">
+                        <a:lnSpc>
+                          <a:spcPct val="150000"/>
+                        </a:lnSpc>
+                        <a:spcBef>
+                          <a:spcPts val="0"/>
+                        </a:spcBef>
+                        <a:spcAft>
+                          <a:spcPts val="1000"/>
+                        </a:spcAft>
+                      </a:pPr>
+                      <a:r>
+                        <a:rPr lang="en-US" sz="1600">
+                          <a:effectLst/>
+                        </a:rPr>
+                        <a:t>Purpose</a:t>
+                      </a:r>
+                      <a:endParaRPr lang="en-US" sz="1600">
+                        <a:solidFill>
+                          <a:srgbClr val="000000"/>
+                        </a:solidFill>
+                        <a:effectLst/>
+                        <a:latin typeface="Calibri" panose="020F0502020204030204" pitchFamily="34" charset="0"/>
+                        <a:ea typeface="Calibri" panose="020F0502020204030204" pitchFamily="34" charset="0"/>
+                        <a:cs typeface="Calibri" panose="020F0502020204030204" pitchFamily="34" charset="0"/>
+                      </a:endParaRPr>
+                    </a:p>
+                  </a:txBody>
+                  <a:tcPr marL="68580" marR="68580" marT="0" marB="0"/>
+                </a:tc>
+                <a:tc>
+                  <a:txBody>
+                    <a:bodyPr/>
+                    <a:lstStyle/>
+                    <a:p>
+                      <a:pPr marL="0" marR="0">
+                        <a:lnSpc>
+                          <a:spcPct val="150000"/>
+                        </a:lnSpc>
+                        <a:spcBef>
+                          <a:spcPts val="0"/>
+                        </a:spcBef>
+                        <a:spcAft>
+                          <a:spcPts val="1000"/>
+                        </a:spcAft>
+                      </a:pPr>
+                      <a:r>
+                        <a:rPr lang="en-US" sz="1600">
+                          <a:effectLst/>
+                        </a:rPr>
+                        <a:t>Testing Ticket Report accuracy after filtering by Closed tickets.</a:t>
+                      </a:r>
+                      <a:endParaRPr lang="en-US" sz="1600">
+                        <a:solidFill>
+                          <a:srgbClr val="000000"/>
+                        </a:solidFill>
+                        <a:effectLst/>
+                        <a:latin typeface="Calibri" panose="020F0502020204030204" pitchFamily="34" charset="0"/>
+                        <a:ea typeface="Calibri" panose="020F0502020204030204" pitchFamily="34" charset="0"/>
+                        <a:cs typeface="Calibri" panose="020F0502020204030204" pitchFamily="34" charset="0"/>
+                      </a:endParaRPr>
+                    </a:p>
+                  </a:txBody>
+                  <a:tcPr marL="68580" marR="68580" marT="0" marB="0"/>
+                </a:tc>
+              </a:tr>
+              <a:tr h="804382">
+                <a:tc>
+                  <a:txBody>
+                    <a:bodyPr/>
+                    <a:lstStyle/>
+                    <a:p>
+                      <a:pPr marL="0" marR="0">
+                        <a:lnSpc>
+                          <a:spcPct val="150000"/>
+                        </a:lnSpc>
+                        <a:spcBef>
+                          <a:spcPts val="0"/>
+                        </a:spcBef>
+                        <a:spcAft>
+                          <a:spcPts val="1000"/>
+                        </a:spcAft>
+                      </a:pPr>
+                      <a:r>
+                        <a:rPr lang="en-US" sz="1600">
+                          <a:effectLst/>
+                        </a:rPr>
+                        <a:t>Test Setup</a:t>
+                      </a:r>
+                      <a:endParaRPr lang="en-US" sz="1600">
+                        <a:solidFill>
+                          <a:srgbClr val="000000"/>
+                        </a:solidFill>
+                        <a:effectLst/>
+                        <a:latin typeface="Calibri" panose="020F0502020204030204" pitchFamily="34" charset="0"/>
+                        <a:ea typeface="Calibri" panose="020F0502020204030204" pitchFamily="34" charset="0"/>
+                        <a:cs typeface="Calibri" panose="020F0502020204030204" pitchFamily="34" charset="0"/>
+                      </a:endParaRPr>
+                    </a:p>
+                  </a:txBody>
+                  <a:tcPr marL="68580" marR="68580" marT="0" marB="0"/>
+                </a:tc>
+                <a:tc>
+                  <a:txBody>
+                    <a:bodyPr/>
+                    <a:lstStyle/>
+                    <a:p>
+                      <a:pPr marL="0" marR="0">
+                        <a:lnSpc>
+                          <a:spcPct val="150000"/>
+                        </a:lnSpc>
+                        <a:spcBef>
+                          <a:spcPts val="0"/>
+                        </a:spcBef>
+                        <a:spcAft>
+                          <a:spcPts val="1000"/>
+                        </a:spcAft>
+                      </a:pPr>
+                      <a:r>
+                        <a:rPr lang="en-US" sz="1600" dirty="0">
+                          <a:effectLst/>
+                        </a:rPr>
+                        <a:t>Set the database with 10 tickets, one of the tickets is closed.</a:t>
+                      </a:r>
+                      <a:endParaRPr lang="en-US" sz="1600" dirty="0">
+                        <a:solidFill>
+                          <a:srgbClr val="000000"/>
+                        </a:solidFill>
+                        <a:effectLst/>
+                        <a:latin typeface="Calibri" panose="020F0502020204030204" pitchFamily="34" charset="0"/>
+                        <a:ea typeface="Calibri" panose="020F0502020204030204" pitchFamily="34" charset="0"/>
+                        <a:cs typeface="Calibri" panose="020F0502020204030204" pitchFamily="34" charset="0"/>
+                      </a:endParaRPr>
+                    </a:p>
+                  </a:txBody>
+                  <a:tcPr marL="68580" marR="68580" marT="0" marB="0"/>
+                </a:tc>
+              </a:tr>
+              <a:tr h="1567149">
+                <a:tc>
+                  <a:txBody>
+                    <a:bodyPr/>
+                    <a:lstStyle/>
+                    <a:p>
+                      <a:pPr marL="0" marR="0">
+                        <a:lnSpc>
+                          <a:spcPct val="150000"/>
+                        </a:lnSpc>
+                        <a:spcBef>
+                          <a:spcPts val="0"/>
+                        </a:spcBef>
+                        <a:spcAft>
+                          <a:spcPts val="1000"/>
+                        </a:spcAft>
+                      </a:pPr>
+                      <a:r>
+                        <a:rPr lang="en-US" sz="1600">
+                          <a:effectLst/>
+                        </a:rPr>
+                        <a:t>Input</a:t>
+                      </a:r>
+                      <a:endParaRPr lang="en-US" sz="1600">
+                        <a:solidFill>
+                          <a:srgbClr val="000000"/>
+                        </a:solidFill>
+                        <a:effectLst/>
+                        <a:latin typeface="Calibri" panose="020F0502020204030204" pitchFamily="34" charset="0"/>
+                        <a:ea typeface="Calibri" panose="020F0502020204030204" pitchFamily="34" charset="0"/>
+                        <a:cs typeface="Calibri" panose="020F0502020204030204" pitchFamily="34" charset="0"/>
+                      </a:endParaRPr>
+                    </a:p>
+                  </a:txBody>
+                  <a:tcPr marL="68580" marR="68580" marT="0" marB="0"/>
+                </a:tc>
+                <a:tc>
+                  <a:txBody>
+                    <a:bodyPr/>
+                    <a:lstStyle/>
+                    <a:p>
+                      <a:pPr marL="342900" marR="0" lvl="0" indent="-342900">
+                        <a:lnSpc>
+                          <a:spcPct val="150000"/>
+                        </a:lnSpc>
+                        <a:spcBef>
+                          <a:spcPts val="0"/>
+                        </a:spcBef>
+                        <a:spcAft>
+                          <a:spcPts val="0"/>
+                        </a:spcAft>
+                        <a:buFont typeface="+mj-lt"/>
+                        <a:buAutoNum type="arabicPeriod"/>
+                      </a:pPr>
+                      <a:r>
+                        <a:rPr lang="en-US" sz="1600" dirty="0">
+                          <a:effectLst/>
+                        </a:rPr>
+                        <a:t>Admin user clicks on the menu report and then clicks on the sub-menu Ticket.</a:t>
+                      </a:r>
+                    </a:p>
+                    <a:p>
+                      <a:pPr marL="342900" marR="0" lvl="0" indent="-342900">
+                        <a:lnSpc>
+                          <a:spcPct val="150000"/>
+                        </a:lnSpc>
+                        <a:spcBef>
+                          <a:spcPts val="0"/>
+                        </a:spcBef>
+                        <a:spcAft>
+                          <a:spcPts val="0"/>
+                        </a:spcAft>
+                        <a:buFont typeface="+mj-lt"/>
+                        <a:buAutoNum type="arabicPeriod"/>
+                      </a:pPr>
+                      <a:r>
+                        <a:rPr lang="en-US" sz="1600" dirty="0">
+                          <a:effectLst/>
+                        </a:rPr>
+                        <a:t>The user selects the filter Ticket Status = Closed.</a:t>
+                      </a:r>
+                    </a:p>
+                    <a:p>
+                      <a:pPr marL="685800" marR="0">
+                        <a:lnSpc>
+                          <a:spcPct val="150000"/>
+                        </a:lnSpc>
+                        <a:spcBef>
+                          <a:spcPts val="0"/>
+                        </a:spcBef>
+                        <a:spcAft>
+                          <a:spcPts val="0"/>
+                        </a:spcAft>
+                      </a:pPr>
+                      <a:r>
+                        <a:rPr lang="en-US" sz="1600" dirty="0">
+                          <a:effectLst/>
+                        </a:rPr>
+                        <a:t> </a:t>
+                      </a:r>
+                      <a:endParaRPr lang="en-US" sz="1600" dirty="0">
+                        <a:solidFill>
+                          <a:srgbClr val="000000"/>
+                        </a:solidFill>
+                        <a:effectLst/>
+                        <a:latin typeface="Calibri" panose="020F0502020204030204" pitchFamily="34" charset="0"/>
+                        <a:ea typeface="Calibri" panose="020F0502020204030204" pitchFamily="34" charset="0"/>
+                        <a:cs typeface="Calibri" panose="020F0502020204030204" pitchFamily="34" charset="0"/>
+                      </a:endParaRPr>
+                    </a:p>
+                  </a:txBody>
+                  <a:tcPr marL="68580" marR="68580" marT="0" marB="0"/>
+                </a:tc>
+              </a:tr>
+              <a:tr h="948239">
+                <a:tc>
+                  <a:txBody>
+                    <a:bodyPr/>
+                    <a:lstStyle/>
+                    <a:p>
+                      <a:pPr marL="0" marR="0">
+                        <a:lnSpc>
+                          <a:spcPct val="150000"/>
+                        </a:lnSpc>
+                        <a:spcBef>
+                          <a:spcPts val="0"/>
+                        </a:spcBef>
+                        <a:spcAft>
+                          <a:spcPts val="1000"/>
+                        </a:spcAft>
+                      </a:pPr>
+                      <a:r>
+                        <a:rPr lang="en-US" sz="1600">
+                          <a:effectLst/>
+                        </a:rPr>
+                        <a:t>Expected Output</a:t>
+                      </a:r>
+                      <a:endParaRPr lang="en-US" sz="1600">
+                        <a:solidFill>
+                          <a:srgbClr val="000000"/>
+                        </a:solidFill>
+                        <a:effectLst/>
+                        <a:latin typeface="Calibri" panose="020F0502020204030204" pitchFamily="34" charset="0"/>
+                        <a:ea typeface="Calibri" panose="020F0502020204030204" pitchFamily="34" charset="0"/>
+                        <a:cs typeface="Calibri" panose="020F0502020204030204" pitchFamily="34" charset="0"/>
+                      </a:endParaRPr>
+                    </a:p>
+                  </a:txBody>
+                  <a:tcPr marL="68580" marR="68580" marT="0" marB="0"/>
+                </a:tc>
+                <a:tc>
+                  <a:txBody>
+                    <a:bodyPr/>
+                    <a:lstStyle/>
+                    <a:p>
+                      <a:pPr marL="0" marR="0">
+                        <a:lnSpc>
+                          <a:spcPct val="150000"/>
+                        </a:lnSpc>
+                        <a:spcBef>
+                          <a:spcPts val="0"/>
+                        </a:spcBef>
+                        <a:spcAft>
+                          <a:spcPts val="1000"/>
+                        </a:spcAft>
+                      </a:pPr>
+                      <a:r>
+                        <a:rPr lang="en-US" sz="1600" dirty="0">
+                          <a:effectLst/>
+                        </a:rPr>
+                        <a:t>The data for the closed ticket should show.</a:t>
+                      </a:r>
+                      <a:endParaRPr lang="en-US" sz="1600" dirty="0">
+                        <a:solidFill>
+                          <a:srgbClr val="000000"/>
+                        </a:solidFill>
+                        <a:effectLst/>
+                        <a:latin typeface="Calibri" panose="020F0502020204030204" pitchFamily="34" charset="0"/>
+                        <a:ea typeface="Calibri" panose="020F0502020204030204" pitchFamily="34" charset="0"/>
+                        <a:cs typeface="Calibri" panose="020F0502020204030204" pitchFamily="34" charset="0"/>
+                      </a:endParaRPr>
+                    </a:p>
+                  </a:txBody>
+                  <a:tcPr marL="68580" marR="68580" marT="0" marB="0"/>
+                </a:tc>
+              </a:tr>
+              <a:tr h="594773">
+                <a:tc>
+                  <a:txBody>
+                    <a:bodyPr/>
+                    <a:lstStyle/>
+                    <a:p>
+                      <a:pPr marL="0" marR="0">
+                        <a:lnSpc>
+                          <a:spcPct val="150000"/>
+                        </a:lnSpc>
+                        <a:spcBef>
+                          <a:spcPts val="0"/>
+                        </a:spcBef>
+                        <a:spcAft>
+                          <a:spcPts val="1000"/>
+                        </a:spcAft>
+                      </a:pPr>
+                      <a:r>
+                        <a:rPr lang="en-US" sz="1600">
+                          <a:effectLst/>
+                        </a:rPr>
+                        <a:t>Actual output</a:t>
+                      </a:r>
+                      <a:endParaRPr lang="en-US" sz="1600">
+                        <a:solidFill>
+                          <a:srgbClr val="000000"/>
+                        </a:solidFill>
+                        <a:effectLst/>
+                        <a:latin typeface="Calibri" panose="020F0502020204030204" pitchFamily="34" charset="0"/>
+                        <a:ea typeface="Calibri" panose="020F0502020204030204" pitchFamily="34" charset="0"/>
+                        <a:cs typeface="Calibri" panose="020F0502020204030204" pitchFamily="34" charset="0"/>
+                      </a:endParaRPr>
+                    </a:p>
+                  </a:txBody>
+                  <a:tcPr marL="68580" marR="68580" marT="0" marB="0"/>
+                </a:tc>
+                <a:tc>
+                  <a:txBody>
+                    <a:bodyPr/>
+                    <a:lstStyle/>
+                    <a:p>
+                      <a:pPr marL="0" marR="0">
+                        <a:lnSpc>
+                          <a:spcPct val="150000"/>
+                        </a:lnSpc>
+                        <a:spcBef>
+                          <a:spcPts val="0"/>
+                        </a:spcBef>
+                        <a:spcAft>
+                          <a:spcPts val="1000"/>
+                        </a:spcAft>
+                      </a:pPr>
+                      <a:r>
+                        <a:rPr lang="en-US" sz="1600" dirty="0">
+                          <a:effectLst/>
+                        </a:rPr>
+                        <a:t>The data for </a:t>
+                      </a:r>
+                      <a:r>
+                        <a:rPr lang="en-US" sz="1600" dirty="0" smtClean="0">
+                          <a:effectLst/>
+                        </a:rPr>
+                        <a:t>the closed </a:t>
+                      </a:r>
+                      <a:r>
+                        <a:rPr lang="en-US" sz="1600" dirty="0">
+                          <a:effectLst/>
+                        </a:rPr>
+                        <a:t>ticket </a:t>
+                      </a:r>
+                      <a:r>
+                        <a:rPr lang="en-US" sz="1600" dirty="0" smtClean="0">
+                          <a:effectLst/>
+                        </a:rPr>
+                        <a:t>closed shows</a:t>
+                      </a:r>
+                      <a:r>
+                        <a:rPr lang="en-US" sz="1600" dirty="0">
+                          <a:effectLst/>
+                        </a:rPr>
+                        <a:t>.</a:t>
+                      </a:r>
+                      <a:endParaRPr lang="en-US" sz="1600" dirty="0">
+                        <a:solidFill>
+                          <a:srgbClr val="000000"/>
+                        </a:solidFill>
+                        <a:effectLst/>
+                        <a:latin typeface="Calibri" panose="020F0502020204030204" pitchFamily="34" charset="0"/>
+                        <a:ea typeface="Calibri" panose="020F0502020204030204" pitchFamily="34" charset="0"/>
+                        <a:cs typeface="Calibri" panose="020F0502020204030204" pitchFamily="34" charset="0"/>
+                      </a:endParaRPr>
+                    </a:p>
+                  </a:txBody>
+                  <a:tcPr marL="68580" marR="68580" marT="0" marB="0"/>
+                </a:tc>
+              </a:tr>
+            </a:tbl>
+          </a:graphicData>
+        </a:graphic>
+      </p:graphicFrame>
+      <p:graphicFrame>
+        <p:nvGraphicFramePr>
+          <p:cNvPr id="4" name="Table 3"/>
+          <p:cNvGraphicFramePr>
+            <a:graphicFrameLocks noGrp="1"/>
+          </p:cNvGraphicFramePr>
+          <p:nvPr>
+            <p:extLst>
+              <p:ext uri="{D42A27DB-BD31-4B8C-83A1-F6EECF244321}">
+                <p14:modId xmlns:p14="http://schemas.microsoft.com/office/powerpoint/2010/main" val="4169033934"/>
+              </p:ext>
+            </p:extLst>
+          </p:nvPr>
+        </p:nvGraphicFramePr>
+        <p:xfrm>
+          <a:off x="6373503" y="923332"/>
+          <a:ext cx="5418163" cy="5286399"/>
+        </p:xfrm>
+        <a:graphic>
+          <a:graphicData uri="http://schemas.openxmlformats.org/drawingml/2006/table">
+            <a:tbl>
+              <a:tblPr firstRow="1" bandRow="1" bandCol="1">
+                <a:tableStyleId>{21E4AEA4-8DFA-4A89-87EB-49C32662AFE0}</a:tableStyleId>
+              </a:tblPr>
+              <a:tblGrid>
+                <a:gridCol w="1310187"/>
+                <a:gridCol w="4107976"/>
+              </a:tblGrid>
+              <a:tr h="520688">
+                <a:tc>
+                  <a:txBody>
+                    <a:bodyPr/>
+                    <a:lstStyle/>
+                    <a:p>
+                      <a:pPr marL="0" marR="0">
+                        <a:lnSpc>
+                          <a:spcPct val="150000"/>
+                        </a:lnSpc>
+                        <a:spcBef>
+                          <a:spcPts val="0"/>
+                        </a:spcBef>
+                        <a:spcAft>
+                          <a:spcPts val="1000"/>
+                        </a:spcAft>
+                      </a:pPr>
+                      <a:r>
+                        <a:rPr lang="en-US" sz="1600" dirty="0">
+                          <a:effectLst/>
+                        </a:rPr>
+                        <a:t>Test Case ID</a:t>
+                      </a:r>
+                      <a:endParaRPr lang="en-US" sz="1600" dirty="0">
+                        <a:solidFill>
+                          <a:srgbClr val="000000"/>
+                        </a:solidFill>
+                        <a:effectLst/>
+                        <a:latin typeface="Calibri" panose="020F0502020204030204" pitchFamily="34" charset="0"/>
+                        <a:ea typeface="Calibri" panose="020F0502020204030204" pitchFamily="34" charset="0"/>
+                        <a:cs typeface="Calibri" panose="020F0502020204030204" pitchFamily="34" charset="0"/>
+                      </a:endParaRPr>
+                    </a:p>
+                  </a:txBody>
+                  <a:tcPr marL="68580" marR="68580" marT="0" marB="0"/>
+                </a:tc>
+                <a:tc>
+                  <a:txBody>
+                    <a:bodyPr/>
+                    <a:lstStyle/>
+                    <a:p>
+                      <a:pPr marL="0" marR="0">
+                        <a:lnSpc>
+                          <a:spcPct val="150000"/>
+                        </a:lnSpc>
+                        <a:spcBef>
+                          <a:spcPts val="0"/>
+                        </a:spcBef>
+                        <a:spcAft>
+                          <a:spcPts val="1000"/>
+                        </a:spcAft>
+                      </a:pPr>
+                      <a:r>
+                        <a:rPr lang="en-US" sz="1600" dirty="0">
+                          <a:effectLst/>
+                        </a:rPr>
+                        <a:t>CPv5-TC06</a:t>
+                      </a:r>
+                      <a:endParaRPr lang="en-US" sz="1600" dirty="0">
+                        <a:solidFill>
+                          <a:srgbClr val="000000"/>
+                        </a:solidFill>
+                        <a:effectLst/>
+                        <a:latin typeface="Calibri" panose="020F0502020204030204" pitchFamily="34" charset="0"/>
+                        <a:ea typeface="Calibri" panose="020F0502020204030204" pitchFamily="34" charset="0"/>
+                        <a:cs typeface="Calibri" panose="020F0502020204030204" pitchFamily="34" charset="0"/>
+                      </a:endParaRPr>
+                    </a:p>
+                  </a:txBody>
+                  <a:tcPr marL="68580" marR="68580" marT="0" marB="0"/>
+                </a:tc>
+              </a:tr>
+              <a:tr h="779170">
+                <a:tc>
+                  <a:txBody>
+                    <a:bodyPr/>
+                    <a:lstStyle/>
+                    <a:p>
+                      <a:pPr marL="0" marR="0">
+                        <a:lnSpc>
+                          <a:spcPct val="150000"/>
+                        </a:lnSpc>
+                        <a:spcBef>
+                          <a:spcPts val="0"/>
+                        </a:spcBef>
+                        <a:spcAft>
+                          <a:spcPts val="1000"/>
+                        </a:spcAft>
+                      </a:pPr>
+                      <a:r>
+                        <a:rPr lang="en-US" sz="1600">
+                          <a:effectLst/>
+                        </a:rPr>
+                        <a:t>Purpose</a:t>
+                      </a:r>
+                      <a:endParaRPr lang="en-US" sz="1600">
+                        <a:solidFill>
+                          <a:srgbClr val="000000"/>
+                        </a:solidFill>
+                        <a:effectLst/>
+                        <a:latin typeface="Calibri" panose="020F0502020204030204" pitchFamily="34" charset="0"/>
+                        <a:ea typeface="Calibri" panose="020F0502020204030204" pitchFamily="34" charset="0"/>
+                        <a:cs typeface="Calibri" panose="020F0502020204030204" pitchFamily="34" charset="0"/>
+                      </a:endParaRPr>
+                    </a:p>
+                  </a:txBody>
+                  <a:tcPr marL="68580" marR="68580" marT="0" marB="0"/>
+                </a:tc>
+                <a:tc>
+                  <a:txBody>
+                    <a:bodyPr/>
+                    <a:lstStyle/>
+                    <a:p>
+                      <a:pPr marL="0" marR="0">
+                        <a:lnSpc>
+                          <a:spcPct val="150000"/>
+                        </a:lnSpc>
+                        <a:spcBef>
+                          <a:spcPts val="0"/>
+                        </a:spcBef>
+                        <a:spcAft>
+                          <a:spcPts val="1000"/>
+                        </a:spcAft>
+                      </a:pPr>
+                      <a:r>
+                        <a:rPr lang="en-US" sz="1600">
+                          <a:effectLst/>
+                        </a:rPr>
+                        <a:t>Testing Mentee Report security (only accessible to admin).</a:t>
+                      </a:r>
+                      <a:endParaRPr lang="en-US" sz="1600">
+                        <a:solidFill>
+                          <a:srgbClr val="000000"/>
+                        </a:solidFill>
+                        <a:effectLst/>
+                        <a:latin typeface="Calibri" panose="020F0502020204030204" pitchFamily="34" charset="0"/>
+                        <a:ea typeface="Calibri" panose="020F0502020204030204" pitchFamily="34" charset="0"/>
+                        <a:cs typeface="Calibri" panose="020F0502020204030204" pitchFamily="34" charset="0"/>
+                      </a:endParaRPr>
+                    </a:p>
+                  </a:txBody>
+                  <a:tcPr marL="68580" marR="68580" marT="0" marB="0"/>
+                </a:tc>
+              </a:tr>
+              <a:tr h="845904">
+                <a:tc>
+                  <a:txBody>
+                    <a:bodyPr/>
+                    <a:lstStyle/>
+                    <a:p>
+                      <a:pPr marL="0" marR="0">
+                        <a:lnSpc>
+                          <a:spcPct val="150000"/>
+                        </a:lnSpc>
+                        <a:spcBef>
+                          <a:spcPts val="0"/>
+                        </a:spcBef>
+                        <a:spcAft>
+                          <a:spcPts val="1000"/>
+                        </a:spcAft>
+                      </a:pPr>
+                      <a:r>
+                        <a:rPr lang="en-US" sz="1600">
+                          <a:effectLst/>
+                        </a:rPr>
+                        <a:t>Test Setup</a:t>
+                      </a:r>
+                      <a:endParaRPr lang="en-US" sz="1600">
+                        <a:solidFill>
+                          <a:srgbClr val="000000"/>
+                        </a:solidFill>
+                        <a:effectLst/>
+                        <a:latin typeface="Calibri" panose="020F0502020204030204" pitchFamily="34" charset="0"/>
+                        <a:ea typeface="Calibri" panose="020F0502020204030204" pitchFamily="34" charset="0"/>
+                        <a:cs typeface="Calibri" panose="020F0502020204030204" pitchFamily="34" charset="0"/>
+                      </a:endParaRPr>
+                    </a:p>
+                  </a:txBody>
+                  <a:tcPr marL="68580" marR="68580" marT="0" marB="0"/>
+                </a:tc>
+                <a:tc>
+                  <a:txBody>
+                    <a:bodyPr/>
+                    <a:lstStyle/>
+                    <a:p>
+                      <a:pPr marL="0" marR="0">
+                        <a:lnSpc>
+                          <a:spcPct val="150000"/>
+                        </a:lnSpc>
+                        <a:spcBef>
+                          <a:spcPts val="0"/>
+                        </a:spcBef>
+                        <a:spcAft>
+                          <a:spcPts val="1000"/>
+                        </a:spcAft>
+                      </a:pPr>
+                      <a:r>
+                        <a:rPr lang="en-US" sz="1600">
+                          <a:effectLst/>
+                        </a:rPr>
+                        <a:t>Logging into the system as a non-administrator user.</a:t>
+                      </a:r>
+                      <a:endParaRPr lang="en-US" sz="1600">
+                        <a:solidFill>
+                          <a:srgbClr val="000000"/>
+                        </a:solidFill>
+                        <a:effectLst/>
+                        <a:latin typeface="Calibri" panose="020F0502020204030204" pitchFamily="34" charset="0"/>
+                        <a:ea typeface="Calibri" panose="020F0502020204030204" pitchFamily="34" charset="0"/>
+                        <a:cs typeface="Calibri" panose="020F0502020204030204" pitchFamily="34" charset="0"/>
+                      </a:endParaRPr>
+                    </a:p>
+                  </a:txBody>
+                  <a:tcPr marL="68580" marR="68580" marT="0" marB="0"/>
+                </a:tc>
+              </a:tr>
+              <a:tr h="1506766">
+                <a:tc>
+                  <a:txBody>
+                    <a:bodyPr/>
+                    <a:lstStyle/>
+                    <a:p>
+                      <a:pPr marL="0" marR="0">
+                        <a:lnSpc>
+                          <a:spcPct val="150000"/>
+                        </a:lnSpc>
+                        <a:spcBef>
+                          <a:spcPts val="0"/>
+                        </a:spcBef>
+                        <a:spcAft>
+                          <a:spcPts val="1000"/>
+                        </a:spcAft>
+                      </a:pPr>
+                      <a:r>
+                        <a:rPr lang="en-US" sz="1600">
+                          <a:effectLst/>
+                        </a:rPr>
+                        <a:t>Input</a:t>
+                      </a:r>
+                      <a:endParaRPr lang="en-US" sz="1600">
+                        <a:solidFill>
+                          <a:srgbClr val="000000"/>
+                        </a:solidFill>
+                        <a:effectLst/>
+                        <a:latin typeface="Calibri" panose="020F0502020204030204" pitchFamily="34" charset="0"/>
+                        <a:ea typeface="Calibri" panose="020F0502020204030204" pitchFamily="34" charset="0"/>
+                        <a:cs typeface="Calibri" panose="020F0502020204030204" pitchFamily="34" charset="0"/>
+                      </a:endParaRPr>
+                    </a:p>
+                  </a:txBody>
+                  <a:tcPr marL="68580" marR="68580" marT="0" marB="0"/>
+                </a:tc>
+                <a:tc>
+                  <a:txBody>
+                    <a:bodyPr/>
+                    <a:lstStyle/>
+                    <a:p>
+                      <a:pPr marL="342900" marR="0" lvl="0" indent="-342900">
+                        <a:lnSpc>
+                          <a:spcPct val="150000"/>
+                        </a:lnSpc>
+                        <a:spcBef>
+                          <a:spcPts val="0"/>
+                        </a:spcBef>
+                        <a:spcAft>
+                          <a:spcPts val="0"/>
+                        </a:spcAft>
+                        <a:buFont typeface="+mj-lt"/>
+                        <a:buAutoNum type="arabicPeriod"/>
+                      </a:pPr>
+                      <a:r>
+                        <a:rPr lang="en-US" sz="1600">
+                          <a:effectLst/>
+                        </a:rPr>
+                        <a:t>The user inputs in the browser the URL = host + /coplat/index.php/reportMentee</a:t>
+                      </a:r>
+                    </a:p>
+                    <a:p>
+                      <a:pPr marL="0" marR="0">
+                        <a:lnSpc>
+                          <a:spcPct val="150000"/>
+                        </a:lnSpc>
+                        <a:spcBef>
+                          <a:spcPts val="0"/>
+                        </a:spcBef>
+                        <a:spcAft>
+                          <a:spcPts val="0"/>
+                        </a:spcAft>
+                      </a:pPr>
+                      <a:r>
+                        <a:rPr lang="en-US" sz="1600">
+                          <a:effectLst/>
+                        </a:rPr>
+                        <a:t> </a:t>
+                      </a:r>
+                      <a:endParaRPr lang="en-US" sz="1600">
+                        <a:solidFill>
+                          <a:srgbClr val="000000"/>
+                        </a:solidFill>
+                        <a:effectLst/>
+                        <a:latin typeface="Calibri" panose="020F0502020204030204" pitchFamily="34" charset="0"/>
+                        <a:ea typeface="Calibri" panose="020F0502020204030204" pitchFamily="34" charset="0"/>
+                        <a:cs typeface="Calibri" panose="020F0502020204030204" pitchFamily="34" charset="0"/>
+                      </a:endParaRPr>
+                    </a:p>
+                  </a:txBody>
+                  <a:tcPr marL="68580" marR="68580" marT="0" marB="0"/>
+                </a:tc>
+              </a:tr>
+              <a:tr h="898773">
+                <a:tc>
+                  <a:txBody>
+                    <a:bodyPr/>
+                    <a:lstStyle/>
+                    <a:p>
+                      <a:pPr marL="0" marR="0">
+                        <a:lnSpc>
+                          <a:spcPct val="150000"/>
+                        </a:lnSpc>
+                        <a:spcBef>
+                          <a:spcPts val="0"/>
+                        </a:spcBef>
+                        <a:spcAft>
+                          <a:spcPts val="1000"/>
+                        </a:spcAft>
+                      </a:pPr>
+                      <a:r>
+                        <a:rPr lang="en-US" sz="1600">
+                          <a:effectLst/>
+                        </a:rPr>
+                        <a:t>Expected Output</a:t>
+                      </a:r>
+                      <a:endParaRPr lang="en-US" sz="1600">
+                        <a:solidFill>
+                          <a:srgbClr val="000000"/>
+                        </a:solidFill>
+                        <a:effectLst/>
+                        <a:latin typeface="Calibri" panose="020F0502020204030204" pitchFamily="34" charset="0"/>
+                        <a:ea typeface="Calibri" panose="020F0502020204030204" pitchFamily="34" charset="0"/>
+                        <a:cs typeface="Calibri" panose="020F0502020204030204" pitchFamily="34" charset="0"/>
+                      </a:endParaRPr>
+                    </a:p>
+                  </a:txBody>
+                  <a:tcPr marL="68580" marR="68580" marT="0" marB="0"/>
+                </a:tc>
+                <a:tc>
+                  <a:txBody>
+                    <a:bodyPr/>
+                    <a:lstStyle/>
+                    <a:p>
+                      <a:pPr marL="0" marR="0">
+                        <a:lnSpc>
+                          <a:spcPct val="150000"/>
+                        </a:lnSpc>
+                        <a:spcBef>
+                          <a:spcPts val="0"/>
+                        </a:spcBef>
+                        <a:spcAft>
+                          <a:spcPts val="1000"/>
+                        </a:spcAft>
+                      </a:pPr>
+                      <a:r>
+                        <a:rPr lang="en-US" sz="1600">
+                          <a:effectLst/>
+                        </a:rPr>
+                        <a:t>A non-authorized page should appear.</a:t>
+                      </a:r>
+                      <a:endParaRPr lang="en-US" sz="1600">
+                        <a:solidFill>
+                          <a:srgbClr val="000000"/>
+                        </a:solidFill>
+                        <a:effectLst/>
+                        <a:latin typeface="Calibri" panose="020F0502020204030204" pitchFamily="34" charset="0"/>
+                        <a:ea typeface="Calibri" panose="020F0502020204030204" pitchFamily="34" charset="0"/>
+                        <a:cs typeface="Calibri" panose="020F0502020204030204" pitchFamily="34" charset="0"/>
+                      </a:endParaRPr>
+                    </a:p>
+                  </a:txBody>
+                  <a:tcPr marL="68580" marR="68580" marT="0" marB="0"/>
+                </a:tc>
+              </a:tr>
+              <a:tr h="735098">
+                <a:tc>
+                  <a:txBody>
+                    <a:bodyPr/>
+                    <a:lstStyle/>
+                    <a:p>
+                      <a:pPr marL="0" marR="0">
+                        <a:lnSpc>
+                          <a:spcPct val="150000"/>
+                        </a:lnSpc>
+                        <a:spcBef>
+                          <a:spcPts val="0"/>
+                        </a:spcBef>
+                        <a:spcAft>
+                          <a:spcPts val="1000"/>
+                        </a:spcAft>
+                      </a:pPr>
+                      <a:r>
+                        <a:rPr lang="en-US" sz="1600">
+                          <a:effectLst/>
+                        </a:rPr>
+                        <a:t>Actual output</a:t>
+                      </a:r>
+                      <a:endParaRPr lang="en-US" sz="1600">
+                        <a:solidFill>
+                          <a:srgbClr val="000000"/>
+                        </a:solidFill>
+                        <a:effectLst/>
+                        <a:latin typeface="Calibri" panose="020F0502020204030204" pitchFamily="34" charset="0"/>
+                        <a:ea typeface="Calibri" panose="020F0502020204030204" pitchFamily="34" charset="0"/>
+                        <a:cs typeface="Calibri" panose="020F0502020204030204" pitchFamily="34" charset="0"/>
+                      </a:endParaRPr>
+                    </a:p>
+                  </a:txBody>
+                  <a:tcPr marL="68580" marR="68580" marT="0" marB="0"/>
+                </a:tc>
+                <a:tc>
+                  <a:txBody>
+                    <a:bodyPr/>
+                    <a:lstStyle/>
+                    <a:p>
+                      <a:pPr marL="0" marR="0">
+                        <a:lnSpc>
+                          <a:spcPct val="150000"/>
+                        </a:lnSpc>
+                        <a:spcBef>
+                          <a:spcPts val="0"/>
+                        </a:spcBef>
+                        <a:spcAft>
+                          <a:spcPts val="1000"/>
+                        </a:spcAft>
+                      </a:pPr>
+                      <a:r>
+                        <a:rPr lang="en-US" sz="1600" dirty="0">
+                          <a:effectLst/>
+                        </a:rPr>
+                        <a:t>A non-authorized page should appear.</a:t>
+                      </a:r>
+                      <a:endParaRPr lang="en-US" sz="1600" dirty="0">
+                        <a:solidFill>
+                          <a:srgbClr val="000000"/>
+                        </a:solidFill>
+                        <a:effectLst/>
+                        <a:latin typeface="Calibri" panose="020F0502020204030204" pitchFamily="34" charset="0"/>
+                        <a:ea typeface="Calibri" panose="020F0502020204030204" pitchFamily="34" charset="0"/>
+                        <a:cs typeface="Calibri" panose="020F0502020204030204" pitchFamily="34" charset="0"/>
+                      </a:endParaRPr>
+                    </a:p>
+                  </a:txBody>
+                  <a:tcPr marL="68580" marR="68580" marT="0" marB="0"/>
+                </a:tc>
+              </a:tr>
+            </a:tbl>
+          </a:graphicData>
+        </a:graphic>
+      </p:graphicFrame>
+    </p:spTree>
+    <p:extLst>
+      <p:ext uri="{BB962C8B-B14F-4D97-AF65-F5344CB8AC3E}">
+        <p14:creationId xmlns:p14="http://schemas.microsoft.com/office/powerpoint/2010/main" val="2007664233"/>
+      </p:ext>
+    </p:extLst>
+  </p:cSld>
+  <p:clrMapOvr>
+    <a:masterClrMapping/>
+  </p:clrMapOvr>
+  <p:timing>
+    <p:tnLst>
+      <p:par>
+        <p:cTn id="1" dur="indefinite" restart="never" nodeType="tmRoot"/>
+      </p:par>
+    </p:tnLst>
+  </p:timing>
+</p:sld>
+</file>
+
+<file path=ppt/slides/slide23.xml><?xml version="1.0" encoding="utf-8"?>
+<p:sld xmlns:a="http://schemas.openxmlformats.org/drawingml/2006/main" xmlns:r="http://schemas.openxmlformats.org/officeDocument/2006/relationships" xmlns:p="http://schemas.openxmlformats.org/presentationml/2006/main">
+  <p:cSld>
+    <p:spTree>
+      <p:nvGrpSpPr>
+        <p:cNvPr id="1" name=""/>
+        <p:cNvGrpSpPr/>
+        <p:nvPr/>
+      </p:nvGrpSpPr>
+      <p:grpSpPr>
+        <a:xfrm>
+          <a:off x="0" y="0"/>
+          <a:ext cx="0" cy="0"/>
+          <a:chOff x="0" y="0"/>
+          <a:chExt cx="0" cy="0"/>
+        </a:xfrm>
+      </p:grpSpPr>
+      <p:sp>
+        <p:nvSpPr>
+          <p:cNvPr id="3" name="TextBox 2"/>
+          <p:cNvSpPr txBox="1"/>
+          <p:nvPr/>
+        </p:nvSpPr>
+        <p:spPr>
+          <a:xfrm>
+            <a:off x="5120800" y="0"/>
+            <a:ext cx="1903086" cy="923330"/>
+          </a:xfrm>
+          <a:prstGeom prst="rect">
+            <a:avLst/>
+          </a:prstGeom>
+          <a:noFill/>
+        </p:spPr>
+        <p:txBody>
+          <a:bodyPr wrap="none" rtlCol="0">
+            <a:spAutoFit/>
+          </a:bodyPr>
+          <a:lstStyle/>
+          <a:p>
+            <a:pPr algn="ctr"/>
+            <a:r>
+              <a:rPr lang="en-US" sz="5400" b="1" dirty="0" smtClean="0"/>
+              <a:t>Demo</a:t>
+            </a:r>
+            <a:endParaRPr lang="en-US" sz="5400" b="1" dirty="0"/>
+          </a:p>
+        </p:txBody>
+      </p:sp>
+      <p:sp>
+        <p:nvSpPr>
+          <p:cNvPr id="5" name="TextBox 4"/>
+          <p:cNvSpPr txBox="1"/>
+          <p:nvPr/>
+        </p:nvSpPr>
+        <p:spPr>
+          <a:xfrm>
+            <a:off x="832514" y="3084394"/>
+            <a:ext cx="11068334" cy="646331"/>
+          </a:xfrm>
+          <a:prstGeom prst="rect">
+            <a:avLst/>
+          </a:prstGeom>
+          <a:noFill/>
+        </p:spPr>
+        <p:txBody>
+          <a:bodyPr wrap="square" rtlCol="0">
+            <a:spAutoFit/>
+          </a:bodyPr>
+          <a:lstStyle/>
+          <a:p>
+            <a:r>
+              <a:rPr lang="en-US" sz="3600" b="1" dirty="0">
+                <a:hlinkClick r:id="rId2"/>
+              </a:rPr>
+              <a:t>http://cp-dev.cis.fiu.edu/coplat/index.php/site/login</a:t>
+            </a:r>
+            <a:endParaRPr lang="en-US" sz="3600" b="1" dirty="0"/>
+          </a:p>
+        </p:txBody>
+      </p:sp>
+    </p:spTree>
+    <p:extLst>
+      <p:ext uri="{BB962C8B-B14F-4D97-AF65-F5344CB8AC3E}">
+        <p14:creationId xmlns:p14="http://schemas.microsoft.com/office/powerpoint/2010/main" val="2634222244"/>
       </p:ext>
     </p:extLst>
   </p:cSld>
@@ -4795,14 +8902,14 @@
           <p:nvPr>
             <p:extLst>
               <p:ext uri="{D42A27DB-BD31-4B8C-83A1-F6EECF244321}">
-                <p14:modId xmlns:p14="http://schemas.microsoft.com/office/powerpoint/2010/main" val="2056650533"/>
+                <p14:modId xmlns:p14="http://schemas.microsoft.com/office/powerpoint/2010/main" val="889177297"/>
               </p:ext>
             </p:extLst>
           </p:nvPr>
         </p:nvGraphicFramePr>
         <p:xfrm>
-          <a:off x="352686" y="1056352"/>
-          <a:ext cx="3987302" cy="3152657"/>
+          <a:off x="5597165" y="923330"/>
+          <a:ext cx="6183161" cy="4942529"/>
         </p:xfrm>
         <a:graphic>
           <a:graphicData uri="http://schemas.openxmlformats.org/drawingml/2006/table">
@@ -4811,9 +8918,9 @@
                 <a:tableStyleId>{5C22544A-7EE6-4342-B048-85BDC9FD1C3A}</a:tableStyleId>
               </a:tblPr>
               <a:tblGrid>
-                <a:gridCol w="3987302"/>
+                <a:gridCol w="6183161"/>
               </a:tblGrid>
-              <a:tr h="444902">
+              <a:tr h="523333">
                 <a:tc>
                   <a:txBody>
                     <a:bodyPr/>
@@ -4837,7 +8944,7 @@
                   <a:tcPr/>
                 </a:tc>
               </a:tr>
-              <a:tr h="424403">
+              <a:tr h="545766">
                 <a:tc>
                   <a:txBody>
                     <a:bodyPr/>
@@ -4845,6 +8952,473 @@
                     <a:p>
                       <a:pPr algn="l"/>
                       <a:r>
+                        <a:rPr lang="en-US" sz="1800" b="0" i="0" dirty="0" smtClean="0">
+                          <a:solidFill>
+                            <a:srgbClr val="000000"/>
+                          </a:solidFill>
+                          <a:effectLst/>
+                          <a:latin typeface="Helvetica" panose="020B0604020202020204" pitchFamily="34" charset="0"/>
+                        </a:rPr>
+                        <a:t>Pull Mentee Reports</a:t>
+                      </a:r>
+                      <a:endParaRPr lang="en-US" sz="1800" b="0" i="0" dirty="0">
+                        <a:solidFill>
+                          <a:srgbClr val="000000"/>
+                        </a:solidFill>
+                        <a:effectLst/>
+                        <a:latin typeface="Helvetica" panose="020B0604020202020204" pitchFamily="34" charset="0"/>
+                      </a:endParaRPr>
+                    </a:p>
+                  </a:txBody>
+                  <a:tcPr/>
+                </a:tc>
+              </a:tr>
+              <a:tr h="383067">
+                <a:tc>
+                  <a:txBody>
+                    <a:bodyPr/>
+                    <a:lstStyle/>
+                    <a:p>
+                      <a:pPr algn="l"/>
+                      <a:r>
+                        <a:rPr lang="en-US" sz="1800" b="0" i="0" dirty="0" smtClean="0">
+                          <a:solidFill>
+                            <a:srgbClr val="000000"/>
+                          </a:solidFill>
+                          <a:effectLst/>
+                          <a:latin typeface="Helvetica" panose="020B0604020202020204" pitchFamily="34" charset="0"/>
+                        </a:rPr>
+                        <a:t>Pull Mentor</a:t>
+                      </a:r>
+                      <a:r>
+                        <a:rPr lang="en-US" sz="1800" b="0" i="0" baseline="0" dirty="0" smtClean="0">
+                          <a:solidFill>
+                            <a:srgbClr val="000000"/>
+                          </a:solidFill>
+                          <a:effectLst/>
+                          <a:latin typeface="Helvetica" panose="020B0604020202020204" pitchFamily="34" charset="0"/>
+                        </a:rPr>
+                        <a:t> R</a:t>
+                      </a:r>
+                      <a:r>
+                        <a:rPr lang="en-US" sz="1800" b="0" i="0" dirty="0" smtClean="0">
+                          <a:solidFill>
+                            <a:srgbClr val="000000"/>
+                          </a:solidFill>
+                          <a:effectLst/>
+                          <a:latin typeface="Helvetica" panose="020B0604020202020204" pitchFamily="34" charset="0"/>
+                        </a:rPr>
+                        <a:t>eports</a:t>
+                      </a:r>
+                      <a:endParaRPr lang="en-US" sz="1800" b="0" i="0" dirty="0">
+                        <a:solidFill>
+                          <a:srgbClr val="000000"/>
+                        </a:solidFill>
+                        <a:effectLst/>
+                        <a:latin typeface="Helvetica" panose="020B0604020202020204" pitchFamily="34" charset="0"/>
+                      </a:endParaRPr>
+                    </a:p>
+                  </a:txBody>
+                  <a:tcPr/>
+                </a:tc>
+              </a:tr>
+              <a:tr h="380752">
+                <a:tc>
+                  <a:txBody>
+                    <a:bodyPr/>
+                    <a:lstStyle/>
+                    <a:p>
+                      <a:pPr algn="l"/>
+                      <a:r>
+                        <a:rPr lang="en-US" sz="1800" b="0" i="0" dirty="0" smtClean="0">
+                          <a:solidFill>
+                            <a:srgbClr val="000000"/>
+                          </a:solidFill>
+                          <a:effectLst/>
+                          <a:latin typeface="Helvetica" panose="020B0604020202020204" pitchFamily="34" charset="0"/>
+                        </a:rPr>
+                        <a:t>Pull Ticket Reports</a:t>
+                      </a:r>
+                      <a:endParaRPr lang="en-US" sz="1800" b="0" i="0" dirty="0">
+                        <a:solidFill>
+                          <a:srgbClr val="000000"/>
+                        </a:solidFill>
+                        <a:effectLst/>
+                        <a:latin typeface="Helvetica" panose="020B0604020202020204" pitchFamily="34" charset="0"/>
+                      </a:endParaRPr>
+                    </a:p>
+                  </a:txBody>
+                  <a:tcPr/>
+                </a:tc>
+              </a:tr>
+              <a:tr h="423058">
+                <a:tc>
+                  <a:txBody>
+                    <a:bodyPr/>
+                    <a:lstStyle/>
+                    <a:p>
+                      <a:pPr algn="l"/>
+                      <a:r>
+                        <a:rPr lang="en-US" sz="1800" b="0" i="0" u="none" strike="noStrike" kern="1200" dirty="0" smtClean="0">
+                          <a:solidFill>
+                            <a:schemeClr val="dk1"/>
+                          </a:solidFill>
+                          <a:effectLst/>
+                          <a:latin typeface="+mn-lt"/>
+                          <a:ea typeface="+mn-ea"/>
+                          <a:cs typeface="+mn-cs"/>
+                        </a:rPr>
+                        <a:t>Pull New Tickets (Chart)</a:t>
+                      </a:r>
+                      <a:endParaRPr lang="en-US" sz="1800" b="0" i="0" dirty="0">
+                        <a:solidFill>
+                          <a:srgbClr val="000000"/>
+                        </a:solidFill>
+                        <a:effectLst/>
+                        <a:latin typeface="Helvetica" panose="020B0604020202020204" pitchFamily="34" charset="0"/>
+                      </a:endParaRPr>
+                    </a:p>
+                  </a:txBody>
+                  <a:tcPr/>
+                </a:tc>
+              </a:tr>
+              <a:tr h="366650">
+                <a:tc>
+                  <a:txBody>
+                    <a:bodyPr/>
+                    <a:lstStyle/>
+                    <a:p>
+                      <a:pPr algn="l"/>
+                      <a:r>
+                        <a:rPr lang="en-US" sz="1800" b="0" i="0" u="none" strike="noStrike" kern="1200" dirty="0" smtClean="0">
+                          <a:solidFill>
+                            <a:schemeClr val="dk1"/>
+                          </a:solidFill>
+                          <a:effectLst/>
+                          <a:latin typeface="+mn-lt"/>
+                          <a:ea typeface="+mn-ea"/>
+                          <a:cs typeface="+mn-cs"/>
+                        </a:rPr>
+                        <a:t>Pull Closed Tickets (Chart)</a:t>
+                      </a:r>
+                      <a:endParaRPr lang="en-US" sz="1800" b="0" i="0" dirty="0">
+                        <a:solidFill>
+                          <a:srgbClr val="000000"/>
+                        </a:solidFill>
+                        <a:effectLst/>
+                        <a:latin typeface="Helvetica" panose="020B0604020202020204" pitchFamily="34" charset="0"/>
+                      </a:endParaRPr>
+                    </a:p>
+                  </a:txBody>
+                  <a:tcPr/>
+                </a:tc>
+              </a:tr>
+              <a:tr h="423057">
+                <a:tc>
+                  <a:txBody>
+                    <a:bodyPr/>
+                    <a:lstStyle/>
+                    <a:p>
+                      <a:pPr marL="0" marR="0" indent="0" algn="l" defTabSz="914400" rtl="0" eaLnBrk="1" fontAlgn="auto" latinLnBrk="0" hangingPunct="1">
+                        <a:lnSpc>
+                          <a:spcPct val="100000"/>
+                        </a:lnSpc>
+                        <a:spcBef>
+                          <a:spcPts val="0"/>
+                        </a:spcBef>
+                        <a:spcAft>
+                          <a:spcPts val="0"/>
+                        </a:spcAft>
+                        <a:buClrTx/>
+                        <a:buSzTx/>
+                        <a:buFontTx/>
+                        <a:buNone/>
+                        <a:tabLst/>
+                        <a:defRPr/>
+                      </a:pPr>
+                      <a:r>
+                        <a:rPr lang="en-US" sz="1800" b="0" i="0" u="none" strike="noStrike" kern="1200" dirty="0" smtClean="0">
+                          <a:solidFill>
+                            <a:schemeClr val="dk1"/>
+                          </a:solidFill>
+                          <a:effectLst/>
+                          <a:latin typeface="+mn-lt"/>
+                          <a:ea typeface="+mn-ea"/>
+                          <a:cs typeface="+mn-cs"/>
+                        </a:rPr>
+                        <a:t>Pull Average</a:t>
+                      </a:r>
+                      <a:r>
+                        <a:rPr lang="en-US" sz="1800" b="0" i="0" u="none" strike="noStrike" kern="1200" baseline="0" dirty="0" smtClean="0">
+                          <a:solidFill>
+                            <a:schemeClr val="dk1"/>
+                          </a:solidFill>
+                          <a:effectLst/>
+                          <a:latin typeface="+mn-lt"/>
+                          <a:ea typeface="+mn-ea"/>
+                          <a:cs typeface="+mn-cs"/>
+                        </a:rPr>
+                        <a:t> Mentor Response Time</a:t>
+                      </a:r>
+                      <a:r>
+                        <a:rPr lang="en-US" sz="1800" b="0" i="0" u="none" strike="noStrike" kern="1200" dirty="0" smtClean="0">
+                          <a:solidFill>
+                            <a:schemeClr val="dk1"/>
+                          </a:solidFill>
+                          <a:effectLst/>
+                          <a:latin typeface="+mn-lt"/>
+                          <a:ea typeface="+mn-ea"/>
+                          <a:cs typeface="+mn-cs"/>
+                        </a:rPr>
+                        <a:t> (Chart)</a:t>
+                      </a:r>
+                      <a:endParaRPr lang="en-US" sz="1800" b="0" i="0" dirty="0">
+                        <a:solidFill>
+                          <a:srgbClr val="000000"/>
+                        </a:solidFill>
+                        <a:effectLst/>
+                        <a:latin typeface="Helvetica" panose="020B0604020202020204" pitchFamily="34" charset="0"/>
+                      </a:endParaRPr>
+                    </a:p>
+                  </a:txBody>
+                  <a:tcPr/>
+                </a:tc>
+              </a:tr>
+              <a:tr h="423058">
+                <a:tc>
+                  <a:txBody>
+                    <a:bodyPr/>
+                    <a:lstStyle/>
+                    <a:p>
+                      <a:pPr algn="l"/>
+                      <a:r>
+                        <a:rPr lang="en-US" sz="1800" b="0" i="0" u="none" strike="noStrike" kern="1200" dirty="0" smtClean="0">
+                          <a:solidFill>
+                            <a:schemeClr val="dk1"/>
+                          </a:solidFill>
+                          <a:effectLst/>
+                          <a:latin typeface="+mn-lt"/>
+                          <a:ea typeface="+mn-ea"/>
+                          <a:cs typeface="+mn-cs"/>
+                        </a:rPr>
+                        <a:t>Pull Average Ticket Duration (Chart)</a:t>
+                      </a:r>
+                      <a:endParaRPr lang="en-US" sz="1800" b="0" i="0" dirty="0">
+                        <a:solidFill>
+                          <a:srgbClr val="000000"/>
+                        </a:solidFill>
+                        <a:effectLst/>
+                        <a:latin typeface="Helvetica" panose="020B0604020202020204" pitchFamily="34" charset="0"/>
+                      </a:endParaRPr>
+                    </a:p>
+                  </a:txBody>
+                  <a:tcPr/>
+                </a:tc>
+              </a:tr>
+              <a:tr h="437160">
+                <a:tc>
+                  <a:txBody>
+                    <a:bodyPr/>
+                    <a:lstStyle/>
+                    <a:p>
+                      <a:pPr marL="0" marR="0" indent="0" algn="l" defTabSz="914400" rtl="0" eaLnBrk="1" fontAlgn="auto" latinLnBrk="0" hangingPunct="1">
+                        <a:lnSpc>
+                          <a:spcPct val="100000"/>
+                        </a:lnSpc>
+                        <a:spcBef>
+                          <a:spcPts val="0"/>
+                        </a:spcBef>
+                        <a:spcAft>
+                          <a:spcPts val="0"/>
+                        </a:spcAft>
+                        <a:buClrTx/>
+                        <a:buSzTx/>
+                        <a:buFontTx/>
+                        <a:buNone/>
+                        <a:tabLst/>
+                        <a:defRPr/>
+                      </a:pPr>
+                      <a:r>
+                        <a:rPr lang="en-US" sz="1800" b="0" i="0" u="none" strike="noStrike" kern="1200" dirty="0" smtClean="0">
+                          <a:solidFill>
+                            <a:schemeClr val="dk1"/>
+                          </a:solidFill>
+                          <a:effectLst/>
+                          <a:latin typeface="+mn-lt"/>
+                          <a:ea typeface="+mn-ea"/>
+                          <a:cs typeface="+mn-cs"/>
+                        </a:rPr>
+                        <a:t>Pull Tickets Unanswered (Chart)</a:t>
+                      </a:r>
+                      <a:endParaRPr lang="en-US" sz="1800" b="0" i="0" dirty="0">
+                        <a:solidFill>
+                          <a:srgbClr val="000000"/>
+                        </a:solidFill>
+                        <a:effectLst/>
+                        <a:latin typeface="Helvetica" panose="020B0604020202020204" pitchFamily="34" charset="0"/>
+                      </a:endParaRPr>
+                    </a:p>
+                  </a:txBody>
+                  <a:tcPr/>
+                </a:tc>
+              </a:tr>
+              <a:tr h="518314">
+                <a:tc>
+                  <a:txBody>
+                    <a:bodyPr/>
+                    <a:lstStyle/>
+                    <a:p>
+                      <a:pPr marL="0" marR="0" indent="0" algn="l" defTabSz="914400" rtl="0" eaLnBrk="1" fontAlgn="auto" latinLnBrk="0" hangingPunct="1">
+                        <a:lnSpc>
+                          <a:spcPct val="100000"/>
+                        </a:lnSpc>
+                        <a:spcBef>
+                          <a:spcPts val="0"/>
+                        </a:spcBef>
+                        <a:spcAft>
+                          <a:spcPts val="0"/>
+                        </a:spcAft>
+                        <a:buClrTx/>
+                        <a:buSzTx/>
+                        <a:buFontTx/>
+                        <a:buNone/>
+                        <a:tabLst/>
+                        <a:defRPr/>
+                      </a:pPr>
+                      <a:r>
+                        <a:rPr lang="en-US" sz="1800" b="0" i="0" u="none" strike="noStrike" kern="1200" dirty="0" smtClean="0">
+                          <a:solidFill>
+                            <a:schemeClr val="dk1"/>
+                          </a:solidFill>
+                          <a:effectLst/>
+                          <a:latin typeface="+mn-lt"/>
+                          <a:ea typeface="+mn-ea"/>
+                          <a:cs typeface="+mn-cs"/>
+                        </a:rPr>
+                        <a:t>Pull Tickets Currently Opened (Chart)</a:t>
+                      </a:r>
+                      <a:endParaRPr lang="en-US" sz="1800" b="0" i="0" dirty="0">
+                        <a:solidFill>
+                          <a:srgbClr val="000000"/>
+                        </a:solidFill>
+                        <a:effectLst/>
+                        <a:latin typeface="Helvetica" panose="020B0604020202020204" pitchFamily="34" charset="0"/>
+                      </a:endParaRPr>
+                    </a:p>
+                  </a:txBody>
+                  <a:tcPr/>
+                </a:tc>
+              </a:tr>
+              <a:tr h="518314">
+                <a:tc>
+                  <a:txBody>
+                    <a:bodyPr/>
+                    <a:lstStyle/>
+                    <a:p>
+                      <a:pPr marL="0" marR="0" indent="0" algn="l" defTabSz="914400" rtl="0" eaLnBrk="1" fontAlgn="auto" latinLnBrk="0" hangingPunct="1">
+                        <a:lnSpc>
+                          <a:spcPct val="100000"/>
+                        </a:lnSpc>
+                        <a:spcBef>
+                          <a:spcPts val="0"/>
+                        </a:spcBef>
+                        <a:spcAft>
+                          <a:spcPts val="0"/>
+                        </a:spcAft>
+                        <a:buClrTx/>
+                        <a:buSzTx/>
+                        <a:buFontTx/>
+                        <a:buNone/>
+                        <a:tabLst/>
+                        <a:defRPr/>
+                      </a:pPr>
+                      <a:r>
+                        <a:rPr lang="en-US" sz="1800" b="0" i="0" u="none" strike="noStrike" kern="1200" dirty="0" smtClean="0">
+                          <a:solidFill>
+                            <a:schemeClr val="dk1"/>
+                          </a:solidFill>
+                          <a:effectLst/>
+                          <a:latin typeface="+mn-lt"/>
+                          <a:ea typeface="+mn-ea"/>
+                          <a:cs typeface="+mn-cs"/>
+                        </a:rPr>
+                        <a:t>Pull Tickets Currently open (Details)</a:t>
+                      </a:r>
+                      <a:endParaRPr lang="en-US" sz="1800" b="0" i="0" dirty="0">
+                        <a:solidFill>
+                          <a:srgbClr val="000000"/>
+                        </a:solidFill>
+                        <a:effectLst/>
+                        <a:latin typeface="Helvetica" panose="020B0604020202020204" pitchFamily="34" charset="0"/>
+                      </a:endParaRPr>
+                    </a:p>
+                  </a:txBody>
+                  <a:tcPr/>
+                </a:tc>
+              </a:tr>
+            </a:tbl>
+          </a:graphicData>
+        </a:graphic>
+      </p:graphicFrame>
+      <p:graphicFrame>
+        <p:nvGraphicFramePr>
+          <p:cNvPr id="6" name="Content Placeholder 3"/>
+          <p:cNvGraphicFramePr>
+            <a:graphicFrameLocks/>
+          </p:cNvGraphicFramePr>
+          <p:nvPr>
+            <p:extLst>
+              <p:ext uri="{D42A27DB-BD31-4B8C-83A1-F6EECF244321}">
+                <p14:modId xmlns:p14="http://schemas.microsoft.com/office/powerpoint/2010/main" val="2816252968"/>
+              </p:ext>
+            </p:extLst>
+          </p:nvPr>
+        </p:nvGraphicFramePr>
+        <p:xfrm>
+          <a:off x="341187" y="932260"/>
+          <a:ext cx="4665495" cy="4949924"/>
+        </p:xfrm>
+        <a:graphic>
+          <a:graphicData uri="http://schemas.openxmlformats.org/drawingml/2006/table">
+            <a:tbl>
+              <a:tblPr firstRow="1" bandRow="1">
+                <a:tableStyleId>{5C22544A-7EE6-4342-B048-85BDC9FD1C3A}</a:tableStyleId>
+              </a:tblPr>
+              <a:tblGrid>
+                <a:gridCol w="4665495"/>
+              </a:tblGrid>
+              <a:tr h="539316">
+                <a:tc>
+                  <a:txBody>
+                    <a:bodyPr/>
+                    <a:lstStyle/>
+                    <a:p>
+                      <a:r>
+                        <a:rPr lang="en-US" sz="2400" dirty="0" smtClean="0"/>
+                        <a:t>User</a:t>
+                      </a:r>
+                      <a:r>
+                        <a:rPr lang="en-US" sz="2400" baseline="0" dirty="0" smtClean="0"/>
+                        <a:t> </a:t>
+                      </a:r>
+                      <a:r>
+                        <a:rPr lang="en-US" sz="2400" dirty="0" smtClean="0"/>
+                        <a:t>Story</a:t>
+                      </a:r>
+                      <a:endParaRPr lang="en-US" sz="2400" dirty="0"/>
+                    </a:p>
+                  </a:txBody>
+                  <a:tcPr/>
+                </a:tc>
+              </a:tr>
+              <a:tr h="472201">
+                <a:tc>
+                  <a:txBody>
+                    <a:bodyPr/>
+                    <a:lstStyle/>
+                    <a:p>
+                      <a:pPr algn="l"/>
+                      <a:r>
                         <a:rPr lang="en-US" b="0" i="0" dirty="0" smtClean="0">
                           <a:solidFill>
                             <a:srgbClr val="000000"/>
@@ -4852,7 +9426,7 @@
                           <a:effectLst/>
                           <a:latin typeface="Helvetica" panose="020B0604020202020204" pitchFamily="34" charset="0"/>
                         </a:rPr>
-                        <a:t>Mentee Reports</a:t>
+                        <a:t>Schedule On-Demand Video Conference</a:t>
                       </a:r>
                       <a:endParaRPr lang="en-US" b="0" i="0" dirty="0">
                         <a:solidFill>
@@ -4866,7 +9440,117 @@
                   <a:tcPr/>
                 </a:tc>
               </a:tr>
-              <a:tr h="379468">
+              <a:tr h="428000">
+                <a:tc>
+                  <a:txBody>
+                    <a:bodyPr/>
+                    <a:lstStyle/>
+                    <a:p>
+                      <a:pPr marL="0" marR="0" indent="0" algn="l" defTabSz="914400" rtl="0" eaLnBrk="1" fontAlgn="auto" latinLnBrk="0" hangingPunct="1">
+                        <a:lnSpc>
+                          <a:spcPct val="100000"/>
+                        </a:lnSpc>
+                        <a:spcBef>
+                          <a:spcPts val="0"/>
+                        </a:spcBef>
+                        <a:spcAft>
+                          <a:spcPts val="0"/>
+                        </a:spcAft>
+                        <a:buClrTx/>
+                        <a:buSzTx/>
+                        <a:buFontTx/>
+                        <a:buNone/>
+                        <a:tabLst/>
+                        <a:defRPr/>
+                      </a:pPr>
+                      <a:r>
+                        <a:rPr lang="en-US" b="0" i="0" dirty="0" smtClean="0">
+                          <a:solidFill>
+                            <a:srgbClr val="000000"/>
+                          </a:solidFill>
+                          <a:effectLst/>
+                          <a:latin typeface="Helvetica" panose="020B0604020202020204" pitchFamily="34" charset="0"/>
+                        </a:rPr>
+                        <a:t>Schedule Video Conference</a:t>
+                      </a:r>
+                      <a:r>
+                        <a:rPr lang="en-US" b="0" i="0" baseline="0" dirty="0" smtClean="0">
+                          <a:solidFill>
+                            <a:srgbClr val="000000"/>
+                          </a:solidFill>
+                          <a:effectLst/>
+                          <a:latin typeface="Helvetica" panose="020B0604020202020204" pitchFamily="34" charset="0"/>
+                        </a:rPr>
+                        <a:t> Ahead of Time</a:t>
+                      </a:r>
+                      <a:endParaRPr lang="en-US" b="0" i="0" dirty="0" smtClean="0">
+                        <a:solidFill>
+                          <a:srgbClr val="000000"/>
+                        </a:solidFill>
+                        <a:effectLst/>
+                        <a:latin typeface="Helvetica" panose="020B0604020202020204" pitchFamily="34" charset="0"/>
+                      </a:endParaRPr>
+                    </a:p>
+                  </a:txBody>
+                  <a:tcPr/>
+                </a:tc>
+              </a:tr>
+              <a:tr h="420912">
+                <a:tc>
+                  <a:txBody>
+                    <a:bodyPr/>
+                    <a:lstStyle/>
+                    <a:p>
+                      <a:pPr marL="0" marR="0" indent="0" algn="l" defTabSz="914400" rtl="0" eaLnBrk="1" fontAlgn="auto" latinLnBrk="0" hangingPunct="1">
+                        <a:lnSpc>
+                          <a:spcPct val="100000"/>
+                        </a:lnSpc>
+                        <a:spcBef>
+                          <a:spcPts val="0"/>
+                        </a:spcBef>
+                        <a:spcAft>
+                          <a:spcPts val="0"/>
+                        </a:spcAft>
+                        <a:buClrTx/>
+                        <a:buSzTx/>
+                        <a:buFontTx/>
+                        <a:buNone/>
+                        <a:tabLst/>
+                        <a:defRPr/>
+                      </a:pPr>
+                      <a:r>
+                        <a:rPr lang="en-US" b="0" i="0" dirty="0" smtClean="0">
+                          <a:solidFill>
+                            <a:srgbClr val="000000"/>
+                          </a:solidFill>
+                          <a:effectLst/>
+                          <a:latin typeface="Helvetica" panose="020B0604020202020204" pitchFamily="34" charset="0"/>
+                        </a:rPr>
+                        <a:t>Schedule Video Conference</a:t>
+                      </a:r>
+                      <a:r>
+                        <a:rPr lang="en-US" b="0" i="0" baseline="0" dirty="0" smtClean="0">
+                          <a:solidFill>
+                            <a:srgbClr val="000000"/>
+                          </a:solidFill>
+                          <a:effectLst/>
+                          <a:latin typeface="Helvetica" panose="020B0604020202020204" pitchFamily="34" charset="0"/>
+                        </a:rPr>
+                        <a:t> From a Ticket</a:t>
+                      </a:r>
+                      <a:endParaRPr lang="en-US" b="0" i="0" dirty="0" smtClean="0">
+                        <a:solidFill>
+                          <a:srgbClr val="000000"/>
+                        </a:solidFill>
+                        <a:effectLst/>
+                        <a:latin typeface="Helvetica" panose="020B0604020202020204" pitchFamily="34" charset="0"/>
+                      </a:endParaRPr>
+                    </a:p>
+                  </a:txBody>
+                  <a:tcPr/>
+                </a:tc>
+              </a:tr>
+              <a:tr h="420912">
                 <a:tc>
                   <a:txBody>
                     <a:bodyPr/>
@@ -4881,27 +9565,7 @@
                           <a:effectLst/>
                           <a:latin typeface="Helvetica" panose="020B0604020202020204" pitchFamily="34" charset="0"/>
                         </a:rPr>
-                        <a:t>Mentor</a:t>
-                      </a:r>
-                      <a:r>
-                        <a:rPr lang="en-US" b="0" i="0" baseline="0" dirty="0" smtClean="0">
-                          <a:solidFill>
-                            <a:srgbClr val="000000"/>
-                          </a:solidFill>
-                          <a:effectLst/>
-                          <a:latin typeface="Helvetica" panose="020B0604020202020204" pitchFamily="34" charset="0"/>
-                        </a:rPr>
-                        <a:t> </a:t>
-                      </a:r>
-                      <a:r>
-                        <a:rPr lang="en-US" b="0" i="0" dirty="0" smtClean="0">
-                          <a:solidFill>
-                            <a:srgbClr val="000000"/>
-                          </a:solidFill>
-                          <a:effectLst/>
-                          <a:latin typeface="Helvetica" panose="020B0604020202020204" pitchFamily="34" charset="0"/>
-                        </a:rPr>
-                        <a:t>Reports</a:t>
+                        <a:t>Join Video Conference</a:t>
                       </a:r>
                       <a:endParaRPr lang="en-US" b="0" i="0" dirty="0">
                         <a:solidFill>
@@ -4915,195 +9579,215 @@
                   <a:tcPr/>
                 </a:tc>
               </a:tr>
-              <a:tr h="337368">
+              <a:tr h="396681">
                 <a:tc>
                   <a:txBody>
                     <a:bodyPr/>
                     <a:lstStyle/>
                     <a:p>
-                      <a:pPr algn="l"/>
-                      <a:r>
-                        <a:rPr lang="en-US" b="0" i="0" dirty="0" smtClean="0">
-                          <a:solidFill>
-                            <a:srgbClr val="000000"/>
-                          </a:solidFill>
-                          <a:effectLst/>
-                          <a:latin typeface="Helvetica" panose="020B0604020202020204" pitchFamily="34" charset="0"/>
-                        </a:rPr>
-                        <a:t>Ticket Reports</a:t>
-                      </a:r>
-                      <a:endParaRPr lang="en-US" b="0" i="0" dirty="0">
-                        <a:solidFill>
-                          <a:srgbClr val="000000"/>
-                        </a:solidFill>
-                        <a:effectLst/>
-                        <a:latin typeface="Helvetica" panose="020B0604020202020204" pitchFamily="34" charset="0"/>
+                      <a:r>
+                        <a:rPr lang="en-US" sz="1800" b="0" dirty="0" smtClean="0">
+                          <a:latin typeface="Helvetica"/>
+                          <a:cs typeface="Helvetica"/>
+                        </a:rPr>
+                        <a:t>Screen</a:t>
+                      </a:r>
+                      <a:r>
+                        <a:rPr lang="en-US" sz="1800" b="0" baseline="0" dirty="0" smtClean="0">
+                          <a:latin typeface="Helvetica"/>
+                          <a:cs typeface="Helvetica"/>
+                        </a:rPr>
+                        <a:t> Sharing During Video Conference</a:t>
+                      </a:r>
+                      <a:endParaRPr lang="en-US" sz="1800" b="0" dirty="0" smtClean="0">
+                        <a:latin typeface="Helvetica"/>
+                        <a:cs typeface="Helvetica"/>
                       </a:endParaRPr>
                     </a:p>
                   </a:txBody>
                   <a:tcPr/>
                 </a:tc>
               </a:tr>
-              <a:tr h="1525826">
+              <a:tr h="396681">
                 <a:tc>
                   <a:txBody>
                     <a:bodyPr/>
                     <a:lstStyle/>
                     <a:p>
-                      <a:endParaRPr lang="en-US" sz="2000" b="1" dirty="0"/>
+                      <a:r>
+                        <a:rPr lang="en-US" sz="1800" b="0" dirty="0" smtClean="0">
+                          <a:latin typeface="Helvetica"/>
+                          <a:cs typeface="Helvetica"/>
+                        </a:rPr>
+                        <a:t>Use Whiteboard</a:t>
+                      </a:r>
                     </a:p>
                   </a:txBody>
                   <a:tcPr/>
                 </a:tc>
               </a:tr>
-            </a:tbl>
-          </a:graphicData>
-        </a:graphic>
-      </p:graphicFrame>
-      <p:graphicFrame>
-        <p:nvGraphicFramePr>
-          <p:cNvPr id="5" name="Content Placeholder 3"/>
-          <p:cNvGraphicFramePr>
-            <a:graphicFrameLocks/>
-          </p:cNvGraphicFramePr>
-          <p:nvPr>
-            <p:extLst>
-              <p:ext uri="{D42A27DB-BD31-4B8C-83A1-F6EECF244321}">
-                <p14:modId xmlns:p14="http://schemas.microsoft.com/office/powerpoint/2010/main" val="2141329051"/>
-              </p:ext>
-            </p:extLst>
-          </p:nvPr>
-        </p:nvGraphicFramePr>
-        <p:xfrm>
-          <a:off x="4626710" y="1078174"/>
-          <a:ext cx="3987302" cy="2513788"/>
-        </p:xfrm>
-        <a:graphic>
-          <a:graphicData uri="http://schemas.openxmlformats.org/drawingml/2006/table">
-            <a:tbl>
-              <a:tblPr firstRow="1" bandRow="1">
-                <a:tableStyleId>{5C22544A-7EE6-4342-B048-85BDC9FD1C3A}</a:tableStyleId>
-              </a:tblPr>
-              <a:tblGrid>
-                <a:gridCol w="3987302"/>
-              </a:tblGrid>
-              <a:tr h="371252">
+              <a:tr h="396681">
                 <a:tc>
                   <a:txBody>
                     <a:bodyPr/>
                     <a:lstStyle/>
                     <a:p>
                       <a:r>
-                        <a:rPr lang="en-US" sz="2400" dirty="0" smtClean="0"/>
-                        <a:t>User</a:t>
-                      </a:r>
-                      <a:r>
-                        <a:rPr lang="en-US" sz="2400" baseline="0" dirty="0" smtClean="0"/>
-                        <a:t> </a:t>
-                      </a:r>
-                      <a:r>
-                        <a:rPr lang="en-US" sz="2400" dirty="0" smtClean="0"/>
-                        <a:t>Story</a:t>
-                      </a:r>
-                      <a:endParaRPr lang="en-US" sz="2400" dirty="0"/>
+                        <a:rPr lang="en-US" sz="1800" b="0" dirty="0" smtClean="0">
+                          <a:latin typeface="Helvetica"/>
+                          <a:cs typeface="Helvetica"/>
+                        </a:rPr>
+                        <a:t>Use Chat Room</a:t>
+                      </a:r>
                     </a:p>
                   </a:txBody>
                   <a:tcPr/>
                 </a:tc>
               </a:tr>
-              <a:tr h="519752">
+              <a:tr h="441145">
                 <a:tc>
                   <a:txBody>
                     <a:bodyPr/>
                     <a:lstStyle/>
                     <a:p>
-                      <a:pPr algn="l"/>
-                      <a:r>
-                        <a:rPr lang="en-US" b="0" i="0" dirty="0" smtClean="0">
+                      <a:r>
+                        <a:rPr lang="en-US" sz="1800" b="0" i="0" u="none" strike="noStrike" kern="1200" dirty="0" smtClean="0">
                           <a:solidFill>
-                            <a:srgbClr val="000000"/>
+                            <a:schemeClr val="dk1"/>
                           </a:solidFill>
                           <a:effectLst/>
-                          <a:latin typeface="Helvetica" panose="020B0604020202020204" pitchFamily="34" charset="0"/>
-                        </a:rPr>
-                        <a:t>Schedule On-Demand Video Conference</a:t>
-                      </a:r>
-                      <a:endParaRPr lang="en-US" b="0" i="0" dirty="0">
+                          <a:latin typeface="Helvetica"/>
+                          <a:ea typeface="+mn-ea"/>
+                          <a:cs typeface="Helvetica"/>
+                        </a:rPr>
+                        <a:t>Invite More</a:t>
+                      </a:r>
+                      <a:r>
+                        <a:rPr lang="en-US" sz="1800" b="0" i="0" u="none" strike="noStrike" kern="1200" baseline="0" dirty="0" smtClean="0">
+                          <a:solidFill>
+                            <a:schemeClr val="dk1"/>
+                          </a:solidFill>
+                          <a:effectLst/>
+                          <a:latin typeface="Helvetica"/>
+                          <a:ea typeface="+mn-ea"/>
+                          <a:cs typeface="Helvetica"/>
+                        </a:rPr>
+                        <a:t> People</a:t>
+                      </a:r>
+                      <a:endParaRPr lang="en-US" sz="1800" b="0" i="0" u="none" strike="noStrike" kern="1200" dirty="0">
                         <a:solidFill>
-                          <a:srgbClr val="000000"/>
+                          <a:schemeClr val="dk1"/>
                         </a:solidFill>
                         <a:effectLst/>
-                        <a:latin typeface="Helvetica" panose="020B0604020202020204" pitchFamily="34" charset="0"/>
+                        <a:latin typeface="Helvetica"/>
+                        <a:ea typeface="+mn-ea"/>
+                        <a:cs typeface="Helvetica"/>
                       </a:endParaRPr>
                     </a:p>
                   </a:txBody>
                   <a:tcPr/>
                 </a:tc>
               </a:tr>
-              <a:tr h="297001">
+              <a:tr h="415075">
                 <a:tc>
                   <a:txBody>
                     <a:bodyPr/>
                     <a:lstStyle/>
                     <a:p>
-                      <a:pPr algn="l"/>
-                      <a:r>
-                        <a:rPr lang="en-US" b="0" i="0" dirty="0" smtClean="0">
+                      <a:r>
+                        <a:rPr lang="en-US" sz="1800" b="0" i="0" u="none" strike="noStrike" kern="1200" dirty="0" smtClean="0">
                           <a:solidFill>
-                            <a:srgbClr val="000000"/>
+                            <a:schemeClr val="dk1"/>
                           </a:solidFill>
                           <a:effectLst/>
-                          <a:latin typeface="Helvetica" panose="020B0604020202020204" pitchFamily="34" charset="0"/>
-                        </a:rPr>
-                        <a:t>Join Video Conference</a:t>
-                      </a:r>
-                      <a:endParaRPr lang="en-US" b="0" i="0" dirty="0">
+                          <a:latin typeface="Helvetica"/>
+                          <a:ea typeface="+mn-ea"/>
+                          <a:cs typeface="Helvetica"/>
+                        </a:rPr>
+                        <a:t>Accept/Reject Video Conference</a:t>
+                      </a:r>
+                      <a:r>
+                        <a:rPr lang="en-US" sz="1800" b="0" i="0" u="none" strike="noStrike" kern="1200" baseline="0" dirty="0" smtClean="0">
+                          <a:solidFill>
+                            <a:schemeClr val="dk1"/>
+                          </a:solidFill>
+                          <a:effectLst/>
+                          <a:latin typeface="Helvetica"/>
+                          <a:ea typeface="+mn-ea"/>
+                          <a:cs typeface="Helvetica"/>
+                        </a:rPr>
+                        <a:t> Invitation</a:t>
+                      </a:r>
+                      <a:endParaRPr lang="en-US" sz="1800" b="0" i="0" u="none" strike="noStrike" kern="1200" dirty="0">
                         <a:solidFill>
-                          <a:srgbClr val="000000"/>
+                          <a:schemeClr val="dk1"/>
                         </a:solidFill>
                         <a:effectLst/>
-                        <a:latin typeface="Helvetica" panose="020B0604020202020204" pitchFamily="34" charset="0"/>
+                        <a:latin typeface="Helvetica"/>
+                        <a:ea typeface="+mn-ea"/>
+                        <a:cs typeface="Helvetica"/>
                       </a:endParaRPr>
                     </a:p>
                   </a:txBody>
                   <a:tcPr/>
                 </a:tc>
               </a:tr>
-              <a:tr h="297001">
+              <a:tr h="622320">
                 <a:tc>
                   <a:txBody>
                     <a:bodyPr/>
                     <a:lstStyle/>
                     <a:p>
-                      <a:pPr algn="l"/>
+                      <a:pPr marL="0" marR="0" indent="0" algn="l" defTabSz="914400" rtl="0" eaLnBrk="1" fontAlgn="auto" latinLnBrk="0" hangingPunct="1">
+                        <a:lnSpc>
+                          <a:spcPct val="100000"/>
+                        </a:lnSpc>
+                        <a:spcBef>
+                          <a:spcPts val="0"/>
+                        </a:spcBef>
+                        <a:spcAft>
+                          <a:spcPts val="0"/>
+                        </a:spcAft>
+                        <a:buClrTx/>
+                        <a:buSzTx/>
+                        <a:buFontTx/>
+                        <a:buNone/>
+                        <a:tabLst/>
+                        <a:defRPr/>
+                      </a:pPr>
                       <a:r>
                         <a:rPr lang="en-US" sz="1800" b="0" i="0" u="none" strike="noStrike" kern="1200" dirty="0" smtClean="0">
                           <a:solidFill>
                             <a:schemeClr val="dk1"/>
                           </a:solidFill>
                           <a:effectLst/>
-                          <a:latin typeface="+mn-lt"/>
+                          <a:latin typeface="Helvetica"/>
                           <a:ea typeface="+mn-ea"/>
-                          <a:cs typeface="+mn-cs"/>
-                        </a:rPr>
-                        <a:t>Cancel Video Conference Meeting</a:t>
-                      </a:r>
-                    </a:p>
-                  </a:txBody>
-                  <a:tcPr/>
-                </a:tc>
-              </a:tr>
-              <a:tr h="684988">
-                <a:tc>
-                  <a:txBody>
-                    <a:bodyPr/>
-                    <a:lstStyle/>
-                    <a:p>
-                      <a:r>
-                        <a:rPr lang="en-US" sz="2000" b="1" dirty="0" smtClean="0"/>
-                        <a:t>Use Chat Room</a:t>
-                      </a:r>
-                      <a:endParaRPr lang="en-US" sz="2000" b="1" dirty="0"/>
+                          <a:cs typeface="Helvetica"/>
+                        </a:rPr>
+                        <a:t>Cancel Video Conference </a:t>
+                      </a:r>
+                      <a:r>
+                        <a:rPr lang="en-US" sz="1800" b="0" i="0" u="none" strike="noStrike" kern="1200" dirty="0" smtClean="0">
+                          <a:solidFill>
+                            <a:schemeClr val="dk1"/>
+                          </a:solidFill>
+                          <a:effectLst/>
+                          <a:latin typeface="Helvetica"/>
+                          <a:ea typeface="+mn-ea"/>
+                          <a:cs typeface="Helvetica"/>
+                        </a:rPr>
+                        <a:t>Meeting</a:t>
+                      </a:r>
+                      <a:endParaRPr lang="en-US" sz="1800" b="0" i="0" u="none" strike="noStrike" kern="1200" dirty="0">
+                        <a:solidFill>
+                          <a:schemeClr val="dk1"/>
+                        </a:solidFill>
+                        <a:effectLst/>
+                        <a:latin typeface="+mn-lt"/>
+                        <a:ea typeface="+mn-ea"/>
+                        <a:cs typeface="+mn-cs"/>
+                      </a:endParaRPr>
                     </a:p>
                   </a:txBody>
                   <a:tcPr/>
@@ -5158,8 +9842,8 @@
         </p:nvSpPr>
         <p:spPr>
           <a:xfrm>
-            <a:off x="4559715" y="0"/>
-            <a:ext cx="3025187" cy="923330"/>
+            <a:off x="3952945" y="0"/>
+            <a:ext cx="3637214" cy="923330"/>
           </a:xfrm>
           <a:prstGeom prst="rect">
             <a:avLst/>
@@ -5172,19 +9856,327 @@
           </a:bodyPr>
           <a:lstStyle/>
           <a:p>
-            <a:pPr algn="ctr"/>
             <a:r>
               <a:rPr lang="en-US" sz="5400" b="1" dirty="0" smtClean="0"/>
-              <a:t>Use Cases</a:t>
+              <a:t>User Stories</a:t>
             </a:r>
             <a:endParaRPr lang="en-US" sz="5400" b="1" dirty="0"/>
           </a:p>
         </p:txBody>
       </p:sp>
+      <p:graphicFrame>
+        <p:nvGraphicFramePr>
+          <p:cNvPr id="6" name="Content Placeholder 3"/>
+          <p:cNvGraphicFramePr>
+            <a:graphicFrameLocks/>
+          </p:cNvGraphicFramePr>
+          <p:nvPr>
+            <p:extLst>
+              <p:ext uri="{D42A27DB-BD31-4B8C-83A1-F6EECF244321}">
+                <p14:modId xmlns:p14="http://schemas.microsoft.com/office/powerpoint/2010/main" val="814771689"/>
+              </p:ext>
+            </p:extLst>
+          </p:nvPr>
+        </p:nvGraphicFramePr>
+        <p:xfrm>
+          <a:off x="2545108" y="1547444"/>
+          <a:ext cx="7376814" cy="3652352"/>
+        </p:xfrm>
+        <a:graphic>
+          <a:graphicData uri="http://schemas.openxmlformats.org/drawingml/2006/table">
+            <a:tbl>
+              <a:tblPr firstRow="1" bandRow="1">
+                <a:tableStyleId>{5C22544A-7EE6-4342-B048-85BDC9FD1C3A}</a:tableStyleId>
+              </a:tblPr>
+              <a:tblGrid>
+                <a:gridCol w="7376814"/>
+              </a:tblGrid>
+              <a:tr h="619384">
+                <a:tc>
+                  <a:txBody>
+                    <a:bodyPr/>
+                    <a:lstStyle/>
+                    <a:p>
+                      <a:r>
+                        <a:rPr lang="en-US" sz="2400" dirty="0" smtClean="0"/>
+                        <a:t>User</a:t>
+                      </a:r>
+                      <a:r>
+                        <a:rPr lang="en-US" sz="2400" baseline="0" dirty="0" smtClean="0"/>
+                        <a:t> </a:t>
+                      </a:r>
+                      <a:r>
+                        <a:rPr lang="en-US" sz="2400" dirty="0" smtClean="0"/>
+                        <a:t>Story</a:t>
+                      </a:r>
+                      <a:endParaRPr lang="en-US" sz="2400" dirty="0"/>
+                    </a:p>
+                  </a:txBody>
+                  <a:tcPr/>
+                </a:tc>
+              </a:tr>
+              <a:tr h="536800">
+                <a:tc>
+                  <a:txBody>
+                    <a:bodyPr/>
+                    <a:lstStyle/>
+                    <a:p>
+                      <a:pPr marL="0" marR="0" indent="0" algn="l" defTabSz="914400" rtl="0" eaLnBrk="1" fontAlgn="auto" latinLnBrk="0" hangingPunct="1">
+                        <a:lnSpc>
+                          <a:spcPct val="100000"/>
+                        </a:lnSpc>
+                        <a:spcBef>
+                          <a:spcPts val="0"/>
+                        </a:spcBef>
+                        <a:spcAft>
+                          <a:spcPts val="0"/>
+                        </a:spcAft>
+                        <a:buClrTx/>
+                        <a:buSzTx/>
+                        <a:buFontTx/>
+                        <a:buNone/>
+                        <a:tabLst/>
+                        <a:defRPr/>
+                      </a:pPr>
+                      <a:r>
+                        <a:rPr lang="en-US" sz="1800" b="0" i="0" u="none" strike="noStrike" kern="1200" dirty="0" smtClean="0">
+                          <a:solidFill>
+                            <a:schemeClr val="dk1"/>
+                          </a:solidFill>
+                          <a:effectLst/>
+                          <a:latin typeface="+mn-lt"/>
+                          <a:ea typeface="+mn-ea"/>
+                          <a:cs typeface="+mn-cs"/>
+                        </a:rPr>
+                        <a:t>Pull Tickets Unanswered (Details)</a:t>
+                      </a:r>
+                      <a:endParaRPr lang="en-US" sz="1800" b="0" i="0" dirty="0">
+                        <a:solidFill>
+                          <a:srgbClr val="000000"/>
+                        </a:solidFill>
+                        <a:effectLst/>
+                        <a:latin typeface="Helvetica" panose="020B0604020202020204" pitchFamily="34" charset="0"/>
+                      </a:endParaRPr>
+                    </a:p>
+                  </a:txBody>
+                  <a:tcPr/>
+                </a:tc>
+              </a:tr>
+              <a:tr h="536800">
+                <a:tc>
+                  <a:txBody>
+                    <a:bodyPr/>
+                    <a:lstStyle/>
+                    <a:p>
+                      <a:pPr marL="0" marR="0" indent="0" algn="l" defTabSz="914400" rtl="0" eaLnBrk="1" fontAlgn="auto" latinLnBrk="0" hangingPunct="1">
+                        <a:lnSpc>
+                          <a:spcPct val="100000"/>
+                        </a:lnSpc>
+                        <a:spcBef>
+                          <a:spcPts val="0"/>
+                        </a:spcBef>
+                        <a:spcAft>
+                          <a:spcPts val="0"/>
+                        </a:spcAft>
+                        <a:buClrTx/>
+                        <a:buSzTx/>
+                        <a:buFontTx/>
+                        <a:buNone/>
+                        <a:tabLst/>
+                        <a:defRPr/>
+                      </a:pPr>
+                      <a:r>
+                        <a:rPr lang="en-US" sz="1800" b="0" i="0" u="none" strike="noStrike" kern="1200" dirty="0" smtClean="0">
+                          <a:solidFill>
+                            <a:schemeClr val="dk1"/>
+                          </a:solidFill>
+                          <a:effectLst/>
+                          <a:latin typeface="+mn-lt"/>
+                          <a:ea typeface="+mn-ea"/>
+                          <a:cs typeface="+mn-cs"/>
+                        </a:rPr>
+                        <a:t>Pull Closed Tickets  (Details)</a:t>
+                      </a:r>
+                      <a:endParaRPr lang="en-US" sz="1800" b="0" i="0" dirty="0">
+                        <a:solidFill>
+                          <a:srgbClr val="000000"/>
+                        </a:solidFill>
+                        <a:effectLst/>
+                        <a:latin typeface="Helvetica" panose="020B0604020202020204" pitchFamily="34" charset="0"/>
+                      </a:endParaRPr>
+                    </a:p>
+                  </a:txBody>
+                  <a:tcPr/>
+                </a:tc>
+              </a:tr>
+              <a:tr h="536800">
+                <a:tc>
+                  <a:txBody>
+                    <a:bodyPr/>
+                    <a:lstStyle/>
+                    <a:p>
+                      <a:pPr marL="0" marR="0" indent="0" algn="l" defTabSz="914400" rtl="0" eaLnBrk="1" fontAlgn="auto" latinLnBrk="0" hangingPunct="1">
+                        <a:lnSpc>
+                          <a:spcPct val="100000"/>
+                        </a:lnSpc>
+                        <a:spcBef>
+                          <a:spcPts val="0"/>
+                        </a:spcBef>
+                        <a:spcAft>
+                          <a:spcPts val="0"/>
+                        </a:spcAft>
+                        <a:buClrTx/>
+                        <a:buSzTx/>
+                        <a:buFontTx/>
+                        <a:buNone/>
+                        <a:tabLst/>
+                        <a:defRPr/>
+                      </a:pPr>
+                      <a:r>
+                        <a:rPr lang="en-US" sz="1800" b="0" i="0" u="none" strike="noStrike" kern="1200" dirty="0" smtClean="0">
+                          <a:solidFill>
+                            <a:schemeClr val="dk1"/>
+                          </a:solidFill>
+                          <a:effectLst/>
+                          <a:latin typeface="+mn-lt"/>
+                          <a:ea typeface="+mn-ea"/>
+                          <a:cs typeface="+mn-cs"/>
+                        </a:rPr>
+                        <a:t>Pull </a:t>
+                      </a:r>
+                      <a:r>
+                        <a:rPr lang="en-US" sz="1800" b="0" i="0" u="none" strike="noStrike" kern="1200" baseline="0" dirty="0" smtClean="0">
+                          <a:solidFill>
+                            <a:schemeClr val="dk1"/>
+                          </a:solidFill>
+                          <a:effectLst/>
+                          <a:latin typeface="+mn-lt"/>
+                          <a:ea typeface="+mn-ea"/>
+                          <a:cs typeface="+mn-cs"/>
+                        </a:rPr>
+                        <a:t>T</a:t>
+                      </a:r>
+                      <a:r>
+                        <a:rPr lang="en-US" sz="1800" b="0" i="0" u="none" strike="noStrike" kern="1200" dirty="0" smtClean="0">
+                          <a:solidFill>
+                            <a:schemeClr val="dk1"/>
+                          </a:solidFill>
+                          <a:effectLst/>
+                          <a:latin typeface="+mn-lt"/>
+                          <a:ea typeface="+mn-ea"/>
+                          <a:cs typeface="+mn-cs"/>
+                        </a:rPr>
+                        <a:t>icket Duration </a:t>
+                      </a:r>
+                      <a:r>
+                        <a:rPr lang="en-US" sz="1800" b="0" i="0" u="none" strike="noStrike" kern="1200" dirty="0" smtClean="0">
+                          <a:solidFill>
+                            <a:schemeClr val="dk1"/>
+                          </a:solidFill>
+                          <a:effectLst/>
+                          <a:latin typeface="+mn-lt"/>
+                          <a:ea typeface="+mn-ea"/>
+                          <a:cs typeface="+mn-cs"/>
+                        </a:rPr>
+                        <a:t>(Details)</a:t>
+                      </a:r>
+                      <a:endParaRPr lang="en-US" sz="1800" b="0" dirty="0"/>
+                    </a:p>
+                  </a:txBody>
+                  <a:tcPr/>
+                </a:tc>
+              </a:tr>
+              <a:tr h="1422568">
+                <a:tc>
+                  <a:txBody>
+                    <a:bodyPr/>
+                    <a:lstStyle/>
+                    <a:p>
+                      <a:pPr marL="0" marR="0" indent="0" algn="l" defTabSz="914400" rtl="0" eaLnBrk="1" fontAlgn="auto" latinLnBrk="0" hangingPunct="1">
+                        <a:lnSpc>
+                          <a:spcPct val="100000"/>
+                        </a:lnSpc>
+                        <a:spcBef>
+                          <a:spcPts val="0"/>
+                        </a:spcBef>
+                        <a:spcAft>
+                          <a:spcPts val="0"/>
+                        </a:spcAft>
+                        <a:buClrTx/>
+                        <a:buSzTx/>
+                        <a:buFontTx/>
+                        <a:buNone/>
+                        <a:tabLst/>
+                        <a:defRPr/>
+                      </a:pPr>
+                      <a:r>
+                        <a:rPr lang="en-US" sz="1800" b="0" i="0" u="none" strike="noStrike" kern="1200" dirty="0" smtClean="0">
+                          <a:solidFill>
+                            <a:schemeClr val="dk1"/>
+                          </a:solidFill>
+                          <a:effectLst/>
+                          <a:latin typeface="+mn-lt"/>
+                          <a:ea typeface="+mn-ea"/>
+                          <a:cs typeface="+mn-cs"/>
+                        </a:rPr>
+                        <a:t>Pull </a:t>
+                      </a:r>
+                      <a:r>
+                        <a:rPr lang="en-US" sz="1800" b="0" i="0" u="none" strike="noStrike" kern="1200" baseline="0" dirty="0" smtClean="0">
+                          <a:solidFill>
+                            <a:schemeClr val="dk1"/>
+                          </a:solidFill>
+                          <a:effectLst/>
+                          <a:latin typeface="+mn-lt"/>
+                          <a:ea typeface="+mn-ea"/>
+                          <a:cs typeface="+mn-cs"/>
+                        </a:rPr>
+                        <a:t>Mentor Response Time</a:t>
+                      </a:r>
+                      <a:r>
+                        <a:rPr lang="en-US" sz="1800" b="0" i="0" u="none" strike="noStrike" kern="1200" dirty="0" smtClean="0">
+                          <a:solidFill>
+                            <a:schemeClr val="dk1"/>
+                          </a:solidFill>
+                          <a:effectLst/>
+                          <a:latin typeface="+mn-lt"/>
+                          <a:ea typeface="+mn-ea"/>
+                          <a:cs typeface="+mn-cs"/>
+                        </a:rPr>
+                        <a:t> (</a:t>
+                      </a:r>
+                      <a:r>
+                        <a:rPr lang="en-US" sz="1800" b="0" i="0" u="none" strike="noStrike" kern="1200" dirty="0" smtClean="0">
+                          <a:solidFill>
+                            <a:schemeClr val="dk1"/>
+                          </a:solidFill>
+                          <a:effectLst/>
+                          <a:latin typeface="+mn-lt"/>
+                          <a:ea typeface="+mn-ea"/>
+                          <a:cs typeface="+mn-cs"/>
+                        </a:rPr>
+                        <a:t>Details)</a:t>
+                      </a:r>
+                      <a:endParaRPr lang="en-US" sz="1800" b="0" i="0" dirty="0">
+                        <a:solidFill>
+                          <a:srgbClr val="000000"/>
+                        </a:solidFill>
+                        <a:effectLst/>
+                        <a:latin typeface="Helvetica" panose="020B0604020202020204" pitchFamily="34" charset="0"/>
+                      </a:endParaRPr>
+                    </a:p>
+                  </a:txBody>
+                  <a:tcPr/>
+                </a:tc>
+              </a:tr>
+            </a:tbl>
+          </a:graphicData>
+        </a:graphic>
+      </p:graphicFrame>
     </p:spTree>
     <p:extLst>
       <p:ext uri="{BB962C8B-B14F-4D97-AF65-F5344CB8AC3E}">
-        <p14:creationId xmlns:p14="http://schemas.microsoft.com/office/powerpoint/2010/main" val="3339906219"/>
+        <p14:creationId xmlns:p14="http://schemas.microsoft.com/office/powerpoint/2010/main" val="3634075109"/>
       </p:ext>
     </p:extLst>
   </p:cSld>
@@ -5226,8 +10218,8 @@
         </p:nvSpPr>
         <p:spPr>
           <a:xfrm>
-            <a:off x="3169498" y="0"/>
-            <a:ext cx="5805628" cy="923330"/>
+            <a:off x="4559715" y="0"/>
+            <a:ext cx="3025187" cy="923330"/>
           </a:xfrm>
           <a:prstGeom prst="rect">
             <a:avLst/>
@@ -5243,16 +10235,46 @@
             <a:pPr algn="ctr"/>
             <a:r>
               <a:rPr lang="en-US" sz="5400" b="1" dirty="0" smtClean="0"/>
-              <a:t>Sequence Diagrams</a:t>
+              <a:t>Use Cases</a:t>
             </a:r>
             <a:endParaRPr lang="en-US" sz="5400" b="1" dirty="0"/>
           </a:p>
         </p:txBody>
       </p:sp>
+      <p:pic>
+        <p:nvPicPr>
+          <p:cNvPr id="2" name="Picture 1"/>
+          <p:cNvPicPr>
+            <a:picLocks noChangeAspect="1"/>
+          </p:cNvPicPr>
+          <p:nvPr/>
+        </p:nvPicPr>
+        <p:blipFill>
+          <a:blip r:embed="rId2">
+            <a:extLst>
+              <a:ext uri="{28A0092B-C50C-407E-A947-70E740481C1C}">
+                <a14:useLocalDpi xmlns:a14="http://schemas.microsoft.com/office/drawing/2010/main" val="0"/>
+              </a:ext>
+            </a:extLst>
+          </a:blip>
+          <a:stretch>
+            <a:fillRect/>
+          </a:stretch>
+        </p:blipFill>
+        <p:spPr>
+          <a:xfrm>
+            <a:off x="2270076" y="923330"/>
+            <a:ext cx="6682855" cy="5753100"/>
+          </a:xfrm>
+          <a:prstGeom prst="rect">
+            <a:avLst/>
+          </a:prstGeom>
+        </p:spPr>
+      </p:pic>
     </p:spTree>
     <p:extLst>
       <p:ext uri="{BB962C8B-B14F-4D97-AF65-F5344CB8AC3E}">
-        <p14:creationId xmlns:p14="http://schemas.microsoft.com/office/powerpoint/2010/main" val="3058659902"/>
+        <p14:creationId xmlns:p14="http://schemas.microsoft.com/office/powerpoint/2010/main" val="3339906219"/>
       </p:ext>
     </p:extLst>
   </p:cSld>
@@ -5294,8 +10316,8 @@
         </p:nvSpPr>
         <p:spPr>
           <a:xfrm>
-            <a:off x="4285212" y="0"/>
-            <a:ext cx="3481274" cy="923330"/>
+            <a:off x="4559715" y="0"/>
+            <a:ext cx="3025187" cy="923330"/>
           </a:xfrm>
           <a:prstGeom prst="rect">
             <a:avLst/>
@@ -5308,9 +10330,10 @@
           </a:bodyPr>
           <a:lstStyle/>
           <a:p>
+            <a:pPr algn="ctr"/>
             <a:r>
               <a:rPr lang="en-US" sz="5400" b="1" dirty="0" smtClean="0"/>
-              <a:t>ER Diagram</a:t>
+              <a:t>Use Cases</a:t>
             </a:r>
             <a:endParaRPr lang="en-US" sz="5400" b="1" dirty="0"/>
           </a:p>
@@ -5318,7 +10341,7 @@
       </p:sp>
       <p:pic>
         <p:nvPicPr>
-          <p:cNvPr id="2" name="Picture 1"/>
+          <p:cNvPr id="4" name="Picture 3"/>
           <p:cNvPicPr>
             <a:picLocks noChangeAspect="1"/>
           </p:cNvPicPr>
@@ -5338,8 +10361,38 @@
         </p:blipFill>
         <p:spPr>
           <a:xfrm>
-            <a:off x="150126" y="923330"/>
-            <a:ext cx="11709778" cy="5791369"/>
+            <a:off x="4708479" y="791854"/>
+            <a:ext cx="7356142" cy="5677185"/>
+          </a:xfrm>
+          <a:prstGeom prst="rect">
+            <a:avLst/>
+          </a:prstGeom>
+        </p:spPr>
+      </p:pic>
+      <p:pic>
+        <p:nvPicPr>
+          <p:cNvPr id="5" name="Picture 4"/>
+          <p:cNvPicPr>
+            <a:picLocks noChangeAspect="1"/>
+          </p:cNvPicPr>
+          <p:nvPr/>
+        </p:nvPicPr>
+        <p:blipFill>
+          <a:blip r:embed="rId3">
+            <a:extLst>
+              <a:ext uri="{28A0092B-C50C-407E-A947-70E740481C1C}">
+                <a14:useLocalDpi xmlns:a14="http://schemas.microsoft.com/office/drawing/2010/main" val="0"/>
+              </a:ext>
+            </a:extLst>
+          </a:blip>
+          <a:stretch>
+            <a:fillRect/>
+          </a:stretch>
+        </p:blipFill>
+        <p:spPr>
+          <a:xfrm>
+            <a:off x="204716" y="791853"/>
+            <a:ext cx="4503763" cy="3438953"/>
           </a:xfrm>
           <a:prstGeom prst="rect">
             <a:avLst/>
@@ -5349,7 +10402,7 @@
     </p:spTree>
     <p:extLst>
       <p:ext uri="{BB962C8B-B14F-4D97-AF65-F5344CB8AC3E}">
-        <p14:creationId xmlns:p14="http://schemas.microsoft.com/office/powerpoint/2010/main" val="3687344030"/>
+        <p14:creationId xmlns:p14="http://schemas.microsoft.com/office/powerpoint/2010/main" val="1980676885"/>
       </p:ext>
     </p:extLst>
   </p:cSld>
@@ -5391,8 +10444,8 @@
         </p:nvSpPr>
         <p:spPr>
           <a:xfrm>
-            <a:off x="4285212" y="0"/>
-            <a:ext cx="4868128" cy="923330"/>
+            <a:off x="3169498" y="0"/>
+            <a:ext cx="5805628" cy="923330"/>
           </a:xfrm>
           <a:prstGeom prst="rect">
             <a:avLst/>
@@ -5408,16 +10461,46 @@
             <a:pPr algn="ctr"/>
             <a:r>
               <a:rPr lang="en-US" sz="5400" b="1" dirty="0" smtClean="0"/>
-              <a:t>Security/Privacy</a:t>
+              <a:t>Sequence Diagrams</a:t>
             </a:r>
             <a:endParaRPr lang="en-US" sz="5400" b="1" dirty="0"/>
           </a:p>
         </p:txBody>
       </p:sp>
+      <p:pic>
+        <p:nvPicPr>
+          <p:cNvPr id="4" name="Picture 3"/>
+          <p:cNvPicPr>
+            <a:picLocks noChangeAspect="1"/>
+          </p:cNvPicPr>
+          <p:nvPr/>
+        </p:nvPicPr>
+        <p:blipFill>
+          <a:blip r:embed="rId2">
+            <a:extLst>
+              <a:ext uri="{28A0092B-C50C-407E-A947-70E740481C1C}">
+                <a14:useLocalDpi xmlns:a14="http://schemas.microsoft.com/office/drawing/2010/main" val="0"/>
+              </a:ext>
+            </a:extLst>
+          </a:blip>
+          <a:stretch>
+            <a:fillRect/>
+          </a:stretch>
+        </p:blipFill>
+        <p:spPr>
+          <a:xfrm>
+            <a:off x="600501" y="923330"/>
+            <a:ext cx="11136574" cy="5832312"/>
+          </a:xfrm>
+          <a:prstGeom prst="rect">
+            <a:avLst/>
+          </a:prstGeom>
+        </p:spPr>
+      </p:pic>
     </p:spTree>
     <p:extLst>
       <p:ext uri="{BB962C8B-B14F-4D97-AF65-F5344CB8AC3E}">
-        <p14:creationId xmlns:p14="http://schemas.microsoft.com/office/powerpoint/2010/main" val="1823356534"/>
+        <p14:creationId xmlns:p14="http://schemas.microsoft.com/office/powerpoint/2010/main" val="3058659902"/>
       </p:ext>
     </p:extLst>
   </p:cSld>
